--- a/status.pptx
+++ b/status.pptx
@@ -5,7 +5,7 @@
     <p:sldMasterId id="2147483648" r:id="rId1"/>
   </p:sldMasterIdLst>
   <p:notesMasterIdLst>
-    <p:notesMasterId r:id="rId33"/>
+    <p:notesMasterId r:id="rId34"/>
   </p:notesMasterIdLst>
   <p:sldIdLst>
     <p:sldId id="363" r:id="rId2"/>
@@ -37,8 +37,9 @@
     <p:sldId id="362" r:id="rId28"/>
     <p:sldId id="365" r:id="rId29"/>
     <p:sldId id="382" r:id="rId30"/>
-    <p:sldId id="375" r:id="rId31"/>
-    <p:sldId id="371" r:id="rId32"/>
+    <p:sldId id="385" r:id="rId31"/>
+    <p:sldId id="375" r:id="rId32"/>
+    <p:sldId id="371" r:id="rId33"/>
   </p:sldIdLst>
   <p:sldSz cx="12192000" cy="6858000"/>
   <p:notesSz cx="6858000" cy="9144000"/>
@@ -23189,7 +23190,187 @@
           <a:bodyPr/>
           <a:lstStyle/>
           <a:p>
-            <a:endParaRPr lang="en-US" sz="1200" kern="1200" dirty="0">
+            <a:pPr marL="0" marR="0" indent="0" algn="l" defTabSz="914400" rtl="0" eaLnBrk="1" fontAlgn="auto" latinLnBrk="0" hangingPunct="1">
+              <a:lnSpc>
+                <a:spcPct val="100000"/>
+              </a:lnSpc>
+              <a:spcBef>
+                <a:spcPts val="0"/>
+              </a:spcBef>
+              <a:spcAft>
+                <a:spcPts val="0"/>
+              </a:spcAft>
+              <a:buClrTx/>
+              <a:buSzTx/>
+              <a:buFontTx/>
+              <a:buNone/>
+              <a:tabLst/>
+              <a:defRPr/>
+            </a:pPr>
+            <a:r>
+              <a:rPr lang="en-US" sz="1200" kern="1200" dirty="0" err="1" smtClean="0">
+                <a:solidFill>
+                  <a:schemeClr val="tx1"/>
+                </a:solidFill>
+                <a:effectLst/>
+                <a:latin typeface="+mn-lt"/>
+                <a:ea typeface="+mn-ea"/>
+                <a:cs typeface="+mn-cs"/>
+              </a:rPr>
+              <a:t>S_i</a:t>
+            </a:r>
+            <a:r>
+              <a:rPr lang="en-US" sz="1200" kern="1200" dirty="0" smtClean="0">
+                <a:solidFill>
+                  <a:schemeClr val="tx1"/>
+                </a:solidFill>
+                <a:effectLst/>
+                <a:latin typeface="+mn-lt"/>
+                <a:ea typeface="+mn-ea"/>
+                <a:cs typeface="+mn-cs"/>
+              </a:rPr>
+              <a:t>(f) = \</a:t>
+            </a:r>
+            <a:r>
+              <a:rPr lang="en-US" sz="1200" kern="1200" dirty="0" err="1" smtClean="0">
+                <a:solidFill>
+                  <a:schemeClr val="tx1"/>
+                </a:solidFill>
+                <a:effectLst/>
+                <a:latin typeface="+mn-lt"/>
+                <a:ea typeface="+mn-ea"/>
+                <a:cs typeface="+mn-cs"/>
+              </a:rPr>
+              <a:t>frac</a:t>
+            </a:r>
+            <a:r>
+              <a:rPr lang="en-US" sz="1200" kern="1200" dirty="0" smtClean="0">
+                <a:solidFill>
+                  <a:schemeClr val="tx1"/>
+                </a:solidFill>
+                <a:effectLst/>
+                <a:latin typeface="+mn-lt"/>
+                <a:ea typeface="+mn-ea"/>
+                <a:cs typeface="+mn-cs"/>
+              </a:rPr>
+              <a:t>{{i_0}^2}{2}\left[ \</a:t>
+            </a:r>
+            <a:r>
+              <a:rPr lang="en-US" sz="1200" kern="1200" dirty="0" err="1" smtClean="0">
+                <a:solidFill>
+                  <a:schemeClr val="tx1"/>
+                </a:solidFill>
+                <a:effectLst/>
+                <a:latin typeface="+mn-lt"/>
+                <a:ea typeface="+mn-ea"/>
+                <a:cs typeface="+mn-cs"/>
+              </a:rPr>
+              <a:t>frac</a:t>
+            </a:r>
+            <a:r>
+              <a:rPr lang="en-US" sz="1200" kern="1200" dirty="0" smtClean="0">
+                <a:solidFill>
+                  <a:schemeClr val="tx1"/>
+                </a:solidFill>
+                <a:effectLst/>
+                <a:latin typeface="+mn-lt"/>
+                <a:ea typeface="+mn-ea"/>
+                <a:cs typeface="+mn-cs"/>
+              </a:rPr>
+              <a:t>{{\tau}_c/(2\pi)}{1+\left(\pi f {\tau}_c \right)^2} \left\{ 1- e^{-\</a:t>
+            </a:r>
+            <a:r>
+              <a:rPr lang="en-US" sz="1200" kern="1200" dirty="0" err="1" smtClean="0">
+                <a:solidFill>
+                  <a:schemeClr val="tx1"/>
+                </a:solidFill>
+                <a:effectLst/>
+                <a:latin typeface="+mn-lt"/>
+                <a:ea typeface="+mn-ea"/>
+                <a:cs typeface="+mn-cs"/>
+              </a:rPr>
+              <a:t>frac</a:t>
+            </a:r>
+            <a:r>
+              <a:rPr lang="en-US" sz="1200" kern="1200" dirty="0" smtClean="0">
+                <a:solidFill>
+                  <a:schemeClr val="tx1"/>
+                </a:solidFill>
+                <a:effectLst/>
+                <a:latin typeface="+mn-lt"/>
+                <a:ea typeface="+mn-ea"/>
+                <a:cs typeface="+mn-cs"/>
+              </a:rPr>
+              <a:t>{2\tau}{{\tau}_c}} \left[ \cos(2\pi f\tau) + \</a:t>
+            </a:r>
+            <a:r>
+              <a:rPr lang="en-US" sz="1200" kern="1200" dirty="0" err="1" smtClean="0">
+                <a:solidFill>
+                  <a:schemeClr val="tx1"/>
+                </a:solidFill>
+                <a:effectLst/>
+                <a:latin typeface="+mn-lt"/>
+                <a:ea typeface="+mn-ea"/>
+                <a:cs typeface="+mn-cs"/>
+              </a:rPr>
+              <a:t>frac</a:t>
+            </a:r>
+            <a:r>
+              <a:rPr lang="en-US" sz="1200" kern="1200" dirty="0" smtClean="0">
+                <a:solidFill>
+                  <a:schemeClr val="tx1"/>
+                </a:solidFill>
+                <a:effectLst/>
+                <a:latin typeface="+mn-lt"/>
+                <a:ea typeface="+mn-ea"/>
+                <a:cs typeface="+mn-cs"/>
+              </a:rPr>
+              <a:t>{1}{\pi f \</a:t>
+            </a:r>
+            <a:r>
+              <a:rPr lang="en-US" sz="1200" kern="1200" dirty="0" err="1" smtClean="0">
+                <a:solidFill>
+                  <a:schemeClr val="tx1"/>
+                </a:solidFill>
+                <a:effectLst/>
+                <a:latin typeface="+mn-lt"/>
+                <a:ea typeface="+mn-ea"/>
+                <a:cs typeface="+mn-cs"/>
+              </a:rPr>
+              <a:t>tau_c</a:t>
+            </a:r>
+            <a:r>
+              <a:rPr lang="en-US" sz="1200" kern="1200" dirty="0" smtClean="0">
+                <a:solidFill>
+                  <a:schemeClr val="tx1"/>
+                </a:solidFill>
+                <a:effectLst/>
+                <a:latin typeface="+mn-lt"/>
+                <a:ea typeface="+mn-ea"/>
+                <a:cs typeface="+mn-cs"/>
+              </a:rPr>
+              <a:t>} \sin(2\pi f \tau) \right] \right\} \right]</a:t>
+            </a:r>
+          </a:p>
+          <a:p>
+            <a:pPr marL="0" marR="0" indent="0" algn="l" defTabSz="914400" rtl="0" eaLnBrk="1" fontAlgn="auto" latinLnBrk="0" hangingPunct="1">
+              <a:lnSpc>
+                <a:spcPct val="100000"/>
+              </a:lnSpc>
+              <a:spcBef>
+                <a:spcPts val="0"/>
+              </a:spcBef>
+              <a:spcAft>
+                <a:spcPts val="0"/>
+              </a:spcAft>
+              <a:buClrTx/>
+              <a:buSzTx/>
+              <a:buFontTx/>
+              <a:buNone/>
+              <a:tabLst/>
+              <a:defRPr/>
+            </a:pPr>
+            <a:endParaRPr lang="en-US" sz="1200" kern="1200" dirty="0" smtClean="0">
               <a:solidFill>
                 <a:schemeClr val="tx1"/>
               </a:solidFill>
@@ -23198,6 +23379,188 @@
               <a:ea typeface="+mn-ea"/>
               <a:cs typeface="+mn-cs"/>
             </a:endParaRPr>
+          </a:p>
+          <a:p>
+            <a:pPr marL="0" marR="0" indent="0" algn="l" defTabSz="914400" rtl="0" eaLnBrk="1" fontAlgn="auto" latinLnBrk="0" hangingPunct="1">
+              <a:lnSpc>
+                <a:spcPct val="100000"/>
+              </a:lnSpc>
+              <a:spcBef>
+                <a:spcPts val="0"/>
+              </a:spcBef>
+              <a:spcAft>
+                <a:spcPts val="0"/>
+              </a:spcAft>
+              <a:buClrTx/>
+              <a:buSzTx/>
+              <a:buFontTx/>
+              <a:buNone/>
+              <a:tabLst/>
+              <a:defRPr/>
+            </a:pPr>
+            <a:r>
+              <a:rPr lang="en-US" sz="1200" kern="1200" dirty="0" smtClean="0">
+                <a:solidFill>
+                  <a:schemeClr val="tx1"/>
+                </a:solidFill>
+                <a:effectLst/>
+                <a:latin typeface="+mn-lt"/>
+                <a:ea typeface="+mn-ea"/>
+                <a:cs typeface="+mn-cs"/>
+              </a:rPr>
+              <a:t>\</a:t>
+            </a:r>
+            <a:r>
+              <a:rPr lang="en-US" sz="1200" kern="1200" dirty="0" err="1" smtClean="0">
+                <a:solidFill>
+                  <a:schemeClr val="tx1"/>
+                </a:solidFill>
+                <a:effectLst/>
+                <a:latin typeface="+mn-lt"/>
+                <a:ea typeface="+mn-ea"/>
+                <a:cs typeface="+mn-cs"/>
+              </a:rPr>
+              <a:t>tau_c</a:t>
+            </a:r>
+            <a:r>
+              <a:rPr lang="en-US" sz="1200" kern="1200" dirty="0" smtClean="0">
+                <a:solidFill>
+                  <a:schemeClr val="tx1"/>
+                </a:solidFill>
+                <a:effectLst/>
+                <a:latin typeface="+mn-lt"/>
+                <a:ea typeface="+mn-ea"/>
+                <a:cs typeface="+mn-cs"/>
+              </a:rPr>
+              <a:t> = \</a:t>
+            </a:r>
+            <a:r>
+              <a:rPr lang="en-US" sz="1200" kern="1200" dirty="0" err="1" smtClean="0">
+                <a:solidFill>
+                  <a:schemeClr val="tx1"/>
+                </a:solidFill>
+                <a:effectLst/>
+                <a:latin typeface="+mn-lt"/>
+                <a:ea typeface="+mn-ea"/>
+                <a:cs typeface="+mn-cs"/>
+              </a:rPr>
+              <a:t>frac</a:t>
+            </a:r>
+            <a:r>
+              <a:rPr lang="en-US" sz="1200" kern="1200" dirty="0" smtClean="0">
+                <a:solidFill>
+                  <a:schemeClr val="tx1"/>
+                </a:solidFill>
+                <a:effectLst/>
+                <a:latin typeface="+mn-lt"/>
+                <a:ea typeface="+mn-ea"/>
+                <a:cs typeface="+mn-cs"/>
+              </a:rPr>
+              <a:t>{2}{\</a:t>
+            </a:r>
+            <a:r>
+              <a:rPr lang="en-US" sz="1200" kern="1200" dirty="0" err="1" smtClean="0">
+                <a:solidFill>
+                  <a:schemeClr val="tx1"/>
+                </a:solidFill>
+                <a:effectLst/>
+                <a:latin typeface="+mn-lt"/>
+                <a:ea typeface="+mn-ea"/>
+                <a:cs typeface="+mn-cs"/>
+              </a:rPr>
+              <a:t>textrm</a:t>
+            </a:r>
+            <a:r>
+              <a:rPr lang="en-US" sz="1200" kern="1200" dirty="0" smtClean="0">
+                <a:solidFill>
+                  <a:schemeClr val="tx1"/>
+                </a:solidFill>
+                <a:effectLst/>
+                <a:latin typeface="+mn-lt"/>
+                <a:ea typeface="+mn-ea"/>
+                <a:cs typeface="+mn-cs"/>
+              </a:rPr>
+              <a:t>{linewidth}},\quad i_0: \</a:t>
+            </a:r>
+            <a:r>
+              <a:rPr lang="en-US" sz="1200" kern="1200" dirty="0" err="1" smtClean="0">
+                <a:solidFill>
+                  <a:schemeClr val="tx1"/>
+                </a:solidFill>
+                <a:effectLst/>
+                <a:latin typeface="+mn-lt"/>
+                <a:ea typeface="+mn-ea"/>
+                <a:cs typeface="+mn-cs"/>
+              </a:rPr>
+              <a:t>textrm</a:t>
+            </a:r>
+            <a:r>
+              <a:rPr lang="en-US" sz="1200" kern="1200" dirty="0" smtClean="0">
+                <a:solidFill>
+                  <a:schemeClr val="tx1"/>
+                </a:solidFill>
+                <a:effectLst/>
+                <a:latin typeface="+mn-lt"/>
+                <a:ea typeface="+mn-ea"/>
+                <a:cs typeface="+mn-cs"/>
+              </a:rPr>
+              <a:t>{nominal photocurrent amplitude},\quad \tau: \</a:t>
+            </a:r>
+            <a:r>
+              <a:rPr lang="en-US" sz="1200" kern="1200" dirty="0" err="1" smtClean="0">
+                <a:solidFill>
+                  <a:schemeClr val="tx1"/>
+                </a:solidFill>
+                <a:effectLst/>
+                <a:latin typeface="+mn-lt"/>
+                <a:ea typeface="+mn-ea"/>
+                <a:cs typeface="+mn-cs"/>
+              </a:rPr>
+              <a:t>textrm</a:t>
+            </a:r>
+            <a:r>
+              <a:rPr lang="en-US" sz="1200" kern="1200" dirty="0" smtClean="0">
+                <a:solidFill>
+                  <a:schemeClr val="tx1"/>
+                </a:solidFill>
+                <a:effectLst/>
+                <a:latin typeface="+mn-lt"/>
+                <a:ea typeface="+mn-ea"/>
+                <a:cs typeface="+mn-cs"/>
+              </a:rPr>
+              <a:t>{path delay}</a:t>
+            </a:r>
+          </a:p>
+          <a:p>
+            <a:pPr marL="0" marR="0" indent="0" algn="l" defTabSz="914400" rtl="0" eaLnBrk="1" fontAlgn="auto" latinLnBrk="0" hangingPunct="1">
+              <a:lnSpc>
+                <a:spcPct val="100000"/>
+              </a:lnSpc>
+              <a:spcBef>
+                <a:spcPts val="0"/>
+              </a:spcBef>
+              <a:spcAft>
+                <a:spcPts val="0"/>
+              </a:spcAft>
+              <a:buClrTx/>
+              <a:buSzTx/>
+              <a:buFontTx/>
+              <a:buNone/>
+              <a:tabLst/>
+              <a:defRPr/>
+            </a:pPr>
+            <a:endParaRPr lang="en-US" sz="1200" kern="1200" dirty="0" smtClean="0">
+              <a:solidFill>
+                <a:schemeClr val="tx1"/>
+              </a:solidFill>
+              <a:effectLst/>
+              <a:latin typeface="+mn-lt"/>
+              <a:ea typeface="+mn-ea"/>
+              <a:cs typeface="+mn-cs"/>
+            </a:endParaRPr>
+          </a:p>
+          <a:p>
+            <a:endParaRPr lang="en-US" dirty="0"/>
           </a:p>
         </p:txBody>
       </p:sp>
@@ -23227,7 +23590,7 @@
     </p:spTree>
     <p:extLst>
       <p:ext uri="{BB962C8B-B14F-4D97-AF65-F5344CB8AC3E}">
-        <p14:creationId xmlns:p14="http://schemas.microsoft.com/office/powerpoint/2010/main" val="2072709914"/>
+        <p14:creationId xmlns:p14="http://schemas.microsoft.com/office/powerpoint/2010/main" val="476329299"/>
       </p:ext>
     </p:extLst>
   </p:cSld>
@@ -23281,941 +23644,7 @@
           <a:bodyPr/>
           <a:lstStyle/>
           <a:p>
-            <a:r>
-              <a:rPr lang="en-US" sz="1200" kern="1200" dirty="0" smtClean="0">
-                <a:solidFill>
-                  <a:schemeClr val="tx1"/>
-                </a:solidFill>
-                <a:effectLst/>
-                <a:latin typeface="+mn-lt"/>
-                <a:ea typeface="+mn-ea"/>
-                <a:cs typeface="+mn-cs"/>
-              </a:rPr>
-              <a:t>\begin{gather*}</a:t>
-            </a:r>
-          </a:p>
-          <a:p>
-            <a:r>
-              <a:rPr lang="en-US" sz="1200" kern="1200" dirty="0" smtClean="0">
-                <a:solidFill>
-                  <a:schemeClr val="tx1"/>
-                </a:solidFill>
-                <a:effectLst/>
-                <a:latin typeface="+mn-lt"/>
-                <a:ea typeface="+mn-ea"/>
-                <a:cs typeface="+mn-cs"/>
-              </a:rPr>
-              <a:t>w(\</a:t>
-            </a:r>
-            <a:r>
-              <a:rPr lang="en-US" sz="1200" kern="1200" dirty="0" err="1" smtClean="0">
-                <a:solidFill>
-                  <a:schemeClr val="tx1"/>
-                </a:solidFill>
-                <a:effectLst/>
-                <a:latin typeface="+mn-lt"/>
-                <a:ea typeface="+mn-ea"/>
-                <a:cs typeface="+mn-cs"/>
-              </a:rPr>
-              <a:t>vec</a:t>
-            </a:r>
-            <a:r>
-              <a:rPr lang="en-US" sz="1200" kern="1200" dirty="0" smtClean="0">
-                <a:solidFill>
-                  <a:schemeClr val="tx1"/>
-                </a:solidFill>
-                <a:effectLst/>
-                <a:latin typeface="+mn-lt"/>
-                <a:ea typeface="+mn-ea"/>
-                <a:cs typeface="+mn-cs"/>
-              </a:rPr>
-              <a:t>{r}\,)=\</a:t>
-            </a:r>
-            <a:r>
-              <a:rPr lang="en-US" sz="1200" kern="1200" dirty="0" err="1" smtClean="0">
-                <a:solidFill>
-                  <a:schemeClr val="tx1"/>
-                </a:solidFill>
-                <a:effectLst/>
-                <a:latin typeface="+mn-lt"/>
-                <a:ea typeface="+mn-ea"/>
-                <a:cs typeface="+mn-cs"/>
-              </a:rPr>
-              <a:t>frac</a:t>
-            </a:r>
-            <a:r>
-              <a:rPr lang="en-US" sz="1200" kern="1200" dirty="0" smtClean="0">
-                <a:solidFill>
-                  <a:schemeClr val="tx1"/>
-                </a:solidFill>
-                <a:effectLst/>
-                <a:latin typeface="+mn-lt"/>
-                <a:ea typeface="+mn-ea"/>
-                <a:cs typeface="+mn-cs"/>
-              </a:rPr>
-              <a:t>{1}{</a:t>
-            </a:r>
-            <a:r>
-              <a:rPr lang="en-US" sz="1200" kern="1200" dirty="0" err="1" smtClean="0">
-                <a:solidFill>
-                  <a:schemeClr val="tx1"/>
-                </a:solidFill>
-                <a:effectLst/>
-                <a:latin typeface="+mn-lt"/>
-                <a:ea typeface="+mn-ea"/>
-                <a:cs typeface="+mn-cs"/>
-              </a:rPr>
-              <a:t>w_n</a:t>
-            </a:r>
-            <a:r>
-              <a:rPr lang="en-US" sz="1200" kern="1200" dirty="0" smtClean="0">
-                <a:solidFill>
-                  <a:schemeClr val="tx1"/>
-                </a:solidFill>
-                <a:effectLst/>
-                <a:latin typeface="+mn-lt"/>
-                <a:ea typeface="+mn-ea"/>
-                <a:cs typeface="+mn-cs"/>
-              </a:rPr>
-              <a:t>}\</a:t>
-            </a:r>
-            <a:r>
-              <a:rPr lang="en-US" sz="1200" kern="1200" dirty="0" err="1" smtClean="0">
-                <a:solidFill>
-                  <a:schemeClr val="tx1"/>
-                </a:solidFill>
-                <a:effectLst/>
-                <a:latin typeface="+mn-lt"/>
-                <a:ea typeface="+mn-ea"/>
-                <a:cs typeface="+mn-cs"/>
-              </a:rPr>
-              <a:t>int</a:t>
-            </a:r>
-            <a:r>
-              <a:rPr lang="en-US" sz="1200" kern="1200" dirty="0" smtClean="0">
-                <a:solidFill>
-                  <a:schemeClr val="tx1"/>
-                </a:solidFill>
-                <a:effectLst/>
-                <a:latin typeface="+mn-lt"/>
-                <a:ea typeface="+mn-ea"/>
-                <a:cs typeface="+mn-cs"/>
-              </a:rPr>
-              <a:t>_{|\</a:t>
-            </a:r>
-            <a:r>
-              <a:rPr lang="en-US" sz="1200" kern="1200" dirty="0" err="1" smtClean="0">
-                <a:solidFill>
-                  <a:schemeClr val="tx1"/>
-                </a:solidFill>
-                <a:effectLst/>
-                <a:latin typeface="+mn-lt"/>
-                <a:ea typeface="+mn-ea"/>
-                <a:cs typeface="+mn-cs"/>
-              </a:rPr>
-              <a:t>vec</a:t>
-            </a:r>
-            <a:r>
-              <a:rPr lang="en-US" sz="1200" kern="1200" dirty="0" smtClean="0">
-                <a:solidFill>
-                  <a:schemeClr val="tx1"/>
-                </a:solidFill>
-                <a:effectLst/>
-                <a:latin typeface="+mn-lt"/>
-                <a:ea typeface="+mn-ea"/>
-                <a:cs typeface="+mn-cs"/>
-              </a:rPr>
-              <a:t>{\rho}\,|\</a:t>
-            </a:r>
-            <a:r>
-              <a:rPr lang="en-US" sz="1200" kern="1200" dirty="0" err="1" smtClean="0">
-                <a:solidFill>
-                  <a:schemeClr val="tx1"/>
-                </a:solidFill>
-                <a:effectLst/>
-                <a:latin typeface="+mn-lt"/>
-                <a:ea typeface="+mn-ea"/>
-                <a:cs typeface="+mn-cs"/>
-              </a:rPr>
-              <a:t>leq</a:t>
-            </a:r>
-            <a:r>
-              <a:rPr lang="en-US" sz="1200" kern="1200" dirty="0" smtClean="0">
-                <a:solidFill>
-                  <a:schemeClr val="tx1"/>
-                </a:solidFill>
-                <a:effectLst/>
-                <a:latin typeface="+mn-lt"/>
-                <a:ea typeface="+mn-ea"/>
-                <a:cs typeface="+mn-cs"/>
-              </a:rPr>
-              <a:t> 1}{d^2\rho A(\</a:t>
-            </a:r>
-            <a:r>
-              <a:rPr lang="en-US" sz="1200" kern="1200" dirty="0" err="1" smtClean="0">
-                <a:solidFill>
-                  <a:schemeClr val="tx1"/>
-                </a:solidFill>
-                <a:effectLst/>
-                <a:latin typeface="+mn-lt"/>
-                <a:ea typeface="+mn-ea"/>
-                <a:cs typeface="+mn-cs"/>
-              </a:rPr>
-              <a:t>vec</a:t>
-            </a:r>
-            <a:r>
-              <a:rPr lang="en-US" sz="1200" kern="1200" dirty="0" smtClean="0">
-                <a:solidFill>
-                  <a:schemeClr val="tx1"/>
-                </a:solidFill>
-                <a:effectLst/>
-                <a:latin typeface="+mn-lt"/>
-                <a:ea typeface="+mn-ea"/>
-                <a:cs typeface="+mn-cs"/>
-              </a:rPr>
-              <a:t>{\rho}\,)\</a:t>
-            </a:r>
-            <a:r>
-              <a:rPr lang="en-US" sz="1200" kern="1200" dirty="0" err="1" smtClean="0">
-                <a:solidFill>
-                  <a:schemeClr val="tx1"/>
-                </a:solidFill>
-                <a:effectLst/>
-                <a:latin typeface="+mn-lt"/>
-                <a:ea typeface="+mn-ea"/>
-                <a:cs typeface="+mn-cs"/>
-              </a:rPr>
-              <a:t>exp</a:t>
-            </a:r>
-            <a:r>
-              <a:rPr lang="en-US" sz="1200" kern="1200" dirty="0" smtClean="0">
-                <a:solidFill>
-                  <a:schemeClr val="tx1"/>
-                </a:solidFill>
-                <a:effectLst/>
-                <a:latin typeface="+mn-lt"/>
-                <a:ea typeface="+mn-ea"/>
-                <a:cs typeface="+mn-cs"/>
-              </a:rPr>
-              <a:t>{\left(\</a:t>
-            </a:r>
-            <a:r>
-              <a:rPr lang="en-US" sz="1200" kern="1200" dirty="0" err="1" smtClean="0">
-                <a:solidFill>
-                  <a:schemeClr val="tx1"/>
-                </a:solidFill>
-                <a:effectLst/>
-                <a:latin typeface="+mn-lt"/>
-                <a:ea typeface="+mn-ea"/>
-                <a:cs typeface="+mn-cs"/>
-              </a:rPr>
-              <a:t>frac</a:t>
-            </a:r>
-            <a:r>
-              <a:rPr lang="en-US" sz="1200" kern="1200" dirty="0" smtClean="0">
-                <a:solidFill>
-                  <a:schemeClr val="tx1"/>
-                </a:solidFill>
-                <a:effectLst/>
-                <a:latin typeface="+mn-lt"/>
-                <a:ea typeface="+mn-ea"/>
-                <a:cs typeface="+mn-cs"/>
-              </a:rPr>
-              <a:t>{2\pi </a:t>
-            </a:r>
-            <a:r>
-              <a:rPr lang="en-US" sz="1200" kern="1200" dirty="0" err="1" smtClean="0">
-                <a:solidFill>
-                  <a:schemeClr val="tx1"/>
-                </a:solidFill>
-                <a:effectLst/>
-                <a:latin typeface="+mn-lt"/>
-                <a:ea typeface="+mn-ea"/>
-                <a:cs typeface="+mn-cs"/>
-              </a:rPr>
-              <a:t>i</a:t>
-            </a:r>
-            <a:r>
-              <a:rPr lang="en-US" sz="1200" kern="1200" dirty="0" smtClean="0">
-                <a:solidFill>
-                  <a:schemeClr val="tx1"/>
-                </a:solidFill>
-                <a:effectLst/>
-                <a:latin typeface="+mn-lt"/>
-                <a:ea typeface="+mn-ea"/>
-                <a:cs typeface="+mn-cs"/>
-              </a:rPr>
-              <a:t> W(\</a:t>
-            </a:r>
-            <a:r>
-              <a:rPr lang="en-US" sz="1200" kern="1200" dirty="0" err="1" smtClean="0">
-                <a:solidFill>
-                  <a:schemeClr val="tx1"/>
-                </a:solidFill>
-                <a:effectLst/>
-                <a:latin typeface="+mn-lt"/>
-                <a:ea typeface="+mn-ea"/>
-                <a:cs typeface="+mn-cs"/>
-              </a:rPr>
-              <a:t>vec</a:t>
-            </a:r>
-            <a:r>
-              <a:rPr lang="en-US" sz="1200" kern="1200" dirty="0" smtClean="0">
-                <a:solidFill>
-                  <a:schemeClr val="tx1"/>
-                </a:solidFill>
-                <a:effectLst/>
-                <a:latin typeface="+mn-lt"/>
-                <a:ea typeface="+mn-ea"/>
-                <a:cs typeface="+mn-cs"/>
-              </a:rPr>
-              <a:t>{\rho}\,)}{\lambda}\right)}}q(\</a:t>
-            </a:r>
-            <a:r>
-              <a:rPr lang="en-US" sz="1200" kern="1200" dirty="0" err="1" smtClean="0">
-                <a:solidFill>
-                  <a:schemeClr val="tx1"/>
-                </a:solidFill>
-                <a:effectLst/>
-                <a:latin typeface="+mn-lt"/>
-                <a:ea typeface="+mn-ea"/>
-                <a:cs typeface="+mn-cs"/>
-              </a:rPr>
-              <a:t>vec</a:t>
-            </a:r>
-            <a:r>
-              <a:rPr lang="en-US" sz="1200" kern="1200" dirty="0" smtClean="0">
-                <a:solidFill>
-                  <a:schemeClr val="tx1"/>
-                </a:solidFill>
-                <a:effectLst/>
-                <a:latin typeface="+mn-lt"/>
-                <a:ea typeface="+mn-ea"/>
-                <a:cs typeface="+mn-cs"/>
-              </a:rPr>
-              <a:t>{\rho}\,)\</a:t>
-            </a:r>
-            <a:r>
-              <a:rPr lang="en-US" sz="1200" kern="1200" dirty="0" err="1" smtClean="0">
-                <a:solidFill>
-                  <a:schemeClr val="tx1"/>
-                </a:solidFill>
-                <a:effectLst/>
-                <a:latin typeface="+mn-lt"/>
-                <a:ea typeface="+mn-ea"/>
-                <a:cs typeface="+mn-cs"/>
-              </a:rPr>
-              <a:t>exp</a:t>
-            </a:r>
-            <a:r>
-              <a:rPr lang="en-US" sz="1200" kern="1200" dirty="0" smtClean="0">
-                <a:solidFill>
-                  <a:schemeClr val="tx1"/>
-                </a:solidFill>
-                <a:effectLst/>
-                <a:latin typeface="+mn-lt"/>
-                <a:ea typeface="+mn-ea"/>
-                <a:cs typeface="+mn-cs"/>
-              </a:rPr>
-              <a:t>{\left(-</a:t>
-            </a:r>
-            <a:r>
-              <a:rPr lang="en-US" sz="1200" kern="1200" dirty="0" err="1" smtClean="0">
-                <a:solidFill>
-                  <a:schemeClr val="tx1"/>
-                </a:solidFill>
-                <a:effectLst/>
-                <a:latin typeface="+mn-lt"/>
-                <a:ea typeface="+mn-ea"/>
-                <a:cs typeface="+mn-cs"/>
-              </a:rPr>
-              <a:t>i</a:t>
-            </a:r>
-            <a:r>
-              <a:rPr lang="en-US" sz="1200" kern="1200" dirty="0" smtClean="0">
-                <a:solidFill>
-                  <a:schemeClr val="tx1"/>
-                </a:solidFill>
-                <a:effectLst/>
-                <a:latin typeface="+mn-lt"/>
-                <a:ea typeface="+mn-ea"/>
-                <a:cs typeface="+mn-cs"/>
-              </a:rPr>
-              <a:t> \</a:t>
-            </a:r>
-            <a:r>
-              <a:rPr lang="en-US" sz="1200" kern="1200" dirty="0" err="1" smtClean="0">
-                <a:solidFill>
-                  <a:schemeClr val="tx1"/>
-                </a:solidFill>
-                <a:effectLst/>
-                <a:latin typeface="+mn-lt"/>
-                <a:ea typeface="+mn-ea"/>
-                <a:cs typeface="+mn-cs"/>
-              </a:rPr>
-              <a:t>vec</a:t>
-            </a:r>
-            <a:r>
-              <a:rPr lang="en-US" sz="1200" kern="1200" dirty="0" smtClean="0">
-                <a:solidFill>
-                  <a:schemeClr val="tx1"/>
-                </a:solidFill>
-                <a:effectLst/>
-                <a:latin typeface="+mn-lt"/>
-                <a:ea typeface="+mn-ea"/>
-                <a:cs typeface="+mn-cs"/>
-              </a:rPr>
-              <a:t>{k}(\</a:t>
-            </a:r>
-            <a:r>
-              <a:rPr lang="en-US" sz="1200" kern="1200" dirty="0" err="1" smtClean="0">
-                <a:solidFill>
-                  <a:schemeClr val="tx1"/>
-                </a:solidFill>
-                <a:effectLst/>
-                <a:latin typeface="+mn-lt"/>
-                <a:ea typeface="+mn-ea"/>
-                <a:cs typeface="+mn-cs"/>
-              </a:rPr>
-              <a:t>vec</a:t>
-            </a:r>
-            <a:r>
-              <a:rPr lang="en-US" sz="1200" kern="1200" dirty="0" smtClean="0">
-                <a:solidFill>
-                  <a:schemeClr val="tx1"/>
-                </a:solidFill>
-                <a:effectLst/>
-                <a:latin typeface="+mn-lt"/>
-                <a:ea typeface="+mn-ea"/>
-                <a:cs typeface="+mn-cs"/>
-              </a:rPr>
-              <a:t>{\rho}\,)\</a:t>
-            </a:r>
-            <a:r>
-              <a:rPr lang="en-US" sz="1200" kern="1200" dirty="0" err="1" smtClean="0">
-                <a:solidFill>
-                  <a:schemeClr val="tx1"/>
-                </a:solidFill>
-                <a:effectLst/>
-                <a:latin typeface="+mn-lt"/>
-                <a:ea typeface="+mn-ea"/>
-                <a:cs typeface="+mn-cs"/>
-              </a:rPr>
-              <a:t>cdot</a:t>
-            </a:r>
-            <a:r>
-              <a:rPr lang="en-US" sz="1200" kern="1200" dirty="0" smtClean="0">
-                <a:solidFill>
-                  <a:schemeClr val="tx1"/>
-                </a:solidFill>
-                <a:effectLst/>
-                <a:latin typeface="+mn-lt"/>
-                <a:ea typeface="+mn-ea"/>
-                <a:cs typeface="+mn-cs"/>
-              </a:rPr>
-              <a:t> \</a:t>
-            </a:r>
-            <a:r>
-              <a:rPr lang="en-US" sz="1200" kern="1200" dirty="0" err="1" smtClean="0">
-                <a:solidFill>
-                  <a:schemeClr val="tx1"/>
-                </a:solidFill>
-                <a:effectLst/>
-                <a:latin typeface="+mn-lt"/>
-                <a:ea typeface="+mn-ea"/>
-                <a:cs typeface="+mn-cs"/>
-              </a:rPr>
-              <a:t>vec</a:t>
-            </a:r>
-            <a:r>
-              <a:rPr lang="en-US" sz="1200" kern="1200" dirty="0" smtClean="0">
-                <a:solidFill>
-                  <a:schemeClr val="tx1"/>
-                </a:solidFill>
-                <a:effectLst/>
-                <a:latin typeface="+mn-lt"/>
-                <a:ea typeface="+mn-ea"/>
-                <a:cs typeface="+mn-cs"/>
-              </a:rPr>
-              <a:t>{r}\right)}\\</a:t>
-            </a:r>
-          </a:p>
-          <a:p>
-            <a:r>
-              <a:rPr lang="en-US" sz="1200" kern="1200" dirty="0" smtClean="0">
-                <a:solidFill>
-                  <a:schemeClr val="tx1"/>
-                </a:solidFill>
-                <a:effectLst/>
-                <a:latin typeface="+mn-lt"/>
-                <a:ea typeface="+mn-ea"/>
-                <a:cs typeface="+mn-cs"/>
-              </a:rPr>
-              <a:t>\</a:t>
-            </a:r>
-            <a:r>
-              <a:rPr lang="en-US" sz="1200" kern="1200" dirty="0" err="1" smtClean="0">
-                <a:solidFill>
-                  <a:schemeClr val="tx1"/>
-                </a:solidFill>
-                <a:effectLst/>
-                <a:latin typeface="+mn-lt"/>
-                <a:ea typeface="+mn-ea"/>
-                <a:cs typeface="+mn-cs"/>
-              </a:rPr>
-              <a:t>vec</a:t>
-            </a:r>
-            <a:r>
-              <a:rPr lang="en-US" sz="1200" kern="1200" dirty="0" smtClean="0">
-                <a:solidFill>
-                  <a:schemeClr val="tx1"/>
-                </a:solidFill>
-                <a:effectLst/>
-                <a:latin typeface="+mn-lt"/>
-                <a:ea typeface="+mn-ea"/>
-                <a:cs typeface="+mn-cs"/>
-              </a:rPr>
-              <a:t>{k}(\</a:t>
-            </a:r>
-            <a:r>
-              <a:rPr lang="en-US" sz="1200" kern="1200" dirty="0" err="1" smtClean="0">
-                <a:solidFill>
-                  <a:schemeClr val="tx1"/>
-                </a:solidFill>
-                <a:effectLst/>
-                <a:latin typeface="+mn-lt"/>
-                <a:ea typeface="+mn-ea"/>
-                <a:cs typeface="+mn-cs"/>
-              </a:rPr>
-              <a:t>vec</a:t>
-            </a:r>
-            <a:r>
-              <a:rPr lang="en-US" sz="1200" kern="1200" dirty="0" smtClean="0">
-                <a:solidFill>
-                  <a:schemeClr val="tx1"/>
-                </a:solidFill>
-                <a:effectLst/>
-                <a:latin typeface="+mn-lt"/>
-                <a:ea typeface="+mn-ea"/>
-                <a:cs typeface="+mn-cs"/>
-              </a:rPr>
-              <a:t>{\rho}\,)=\</a:t>
-            </a:r>
-            <a:r>
-              <a:rPr lang="en-US" sz="1200" kern="1200" dirty="0" err="1" smtClean="0">
-                <a:solidFill>
-                  <a:schemeClr val="tx1"/>
-                </a:solidFill>
-                <a:effectLst/>
-                <a:latin typeface="+mn-lt"/>
-                <a:ea typeface="+mn-ea"/>
-                <a:cs typeface="+mn-cs"/>
-              </a:rPr>
-              <a:t>frac</a:t>
-            </a:r>
-            <a:r>
-              <a:rPr lang="en-US" sz="1200" kern="1200" dirty="0" smtClean="0">
-                <a:solidFill>
-                  <a:schemeClr val="tx1"/>
-                </a:solidFill>
-                <a:effectLst/>
-                <a:latin typeface="+mn-lt"/>
-                <a:ea typeface="+mn-ea"/>
-                <a:cs typeface="+mn-cs"/>
-              </a:rPr>
-              <a:t>{2\pi}{\lambda}\left(\</a:t>
-            </a:r>
-            <a:r>
-              <a:rPr lang="en-US" sz="1200" kern="1200" dirty="0" err="1" smtClean="0">
-                <a:solidFill>
-                  <a:schemeClr val="tx1"/>
-                </a:solidFill>
-                <a:effectLst/>
-                <a:latin typeface="+mn-lt"/>
-                <a:ea typeface="+mn-ea"/>
-                <a:cs typeface="+mn-cs"/>
-              </a:rPr>
-              <a:t>textrm</a:t>
-            </a:r>
-            <a:r>
-              <a:rPr lang="en-US" sz="1200" kern="1200" dirty="0" smtClean="0">
-                <a:solidFill>
-                  <a:schemeClr val="tx1"/>
-                </a:solidFill>
-                <a:effectLst/>
-                <a:latin typeface="+mn-lt"/>
-                <a:ea typeface="+mn-ea"/>
-                <a:cs typeface="+mn-cs"/>
-              </a:rPr>
-              <a:t>{NA}\</a:t>
-            </a:r>
-            <a:r>
-              <a:rPr lang="en-US" sz="1200" kern="1200" dirty="0" err="1" smtClean="0">
-                <a:solidFill>
-                  <a:schemeClr val="tx1"/>
-                </a:solidFill>
-                <a:effectLst/>
-                <a:latin typeface="+mn-lt"/>
-                <a:ea typeface="+mn-ea"/>
-                <a:cs typeface="+mn-cs"/>
-              </a:rPr>
-              <a:t>rho_x</a:t>
-            </a:r>
-            <a:r>
-              <a:rPr lang="en-US" sz="1200" kern="1200" dirty="0" smtClean="0">
-                <a:solidFill>
-                  <a:schemeClr val="tx1"/>
-                </a:solidFill>
-                <a:effectLst/>
-                <a:latin typeface="+mn-lt"/>
-                <a:ea typeface="+mn-ea"/>
-                <a:cs typeface="+mn-cs"/>
-              </a:rPr>
-              <a:t>,\</a:t>
-            </a:r>
-            <a:r>
-              <a:rPr lang="en-US" sz="1200" kern="1200" dirty="0" err="1" smtClean="0">
-                <a:solidFill>
-                  <a:schemeClr val="tx1"/>
-                </a:solidFill>
-                <a:effectLst/>
-                <a:latin typeface="+mn-lt"/>
-                <a:ea typeface="+mn-ea"/>
-                <a:cs typeface="+mn-cs"/>
-              </a:rPr>
-              <a:t>textrm</a:t>
-            </a:r>
-            <a:r>
-              <a:rPr lang="en-US" sz="1200" kern="1200" dirty="0" smtClean="0">
-                <a:solidFill>
-                  <a:schemeClr val="tx1"/>
-                </a:solidFill>
-                <a:effectLst/>
-                <a:latin typeface="+mn-lt"/>
-                <a:ea typeface="+mn-ea"/>
-                <a:cs typeface="+mn-cs"/>
-              </a:rPr>
-              <a:t>{NA}\</a:t>
-            </a:r>
-            <a:r>
-              <a:rPr lang="en-US" sz="1200" kern="1200" dirty="0" err="1" smtClean="0">
-                <a:solidFill>
-                  <a:schemeClr val="tx1"/>
-                </a:solidFill>
-                <a:effectLst/>
-                <a:latin typeface="+mn-lt"/>
-                <a:ea typeface="+mn-ea"/>
-                <a:cs typeface="+mn-cs"/>
-              </a:rPr>
-              <a:t>rho_y</a:t>
-            </a:r>
-            <a:r>
-              <a:rPr lang="en-US" sz="1200" kern="1200" dirty="0" smtClean="0">
-                <a:solidFill>
-                  <a:schemeClr val="tx1"/>
-                </a:solidFill>
-                <a:effectLst/>
-                <a:latin typeface="+mn-lt"/>
-                <a:ea typeface="+mn-ea"/>
-                <a:cs typeface="+mn-cs"/>
-              </a:rPr>
-              <a:t>,\</a:t>
-            </a:r>
-            <a:r>
-              <a:rPr lang="en-US" sz="1200" kern="1200" dirty="0" err="1" smtClean="0">
-                <a:solidFill>
-                  <a:schemeClr val="tx1"/>
-                </a:solidFill>
-                <a:effectLst/>
-                <a:latin typeface="+mn-lt"/>
-                <a:ea typeface="+mn-ea"/>
-                <a:cs typeface="+mn-cs"/>
-              </a:rPr>
-              <a:t>sqrt</a:t>
-            </a:r>
-            <a:r>
-              <a:rPr lang="en-US" sz="1200" kern="1200" dirty="0" smtClean="0">
-                <a:solidFill>
-                  <a:schemeClr val="tx1"/>
-                </a:solidFill>
-                <a:effectLst/>
-                <a:latin typeface="+mn-lt"/>
-                <a:ea typeface="+mn-ea"/>
-                <a:cs typeface="+mn-cs"/>
-              </a:rPr>
-              <a:t>{n^2-\</a:t>
-            </a:r>
-            <a:r>
-              <a:rPr lang="en-US" sz="1200" kern="1200" dirty="0" err="1" smtClean="0">
-                <a:solidFill>
-                  <a:schemeClr val="tx1"/>
-                </a:solidFill>
-                <a:effectLst/>
-                <a:latin typeface="+mn-lt"/>
-                <a:ea typeface="+mn-ea"/>
-                <a:cs typeface="+mn-cs"/>
-              </a:rPr>
-              <a:t>textrm</a:t>
-            </a:r>
-            <a:r>
-              <a:rPr lang="en-US" sz="1200" kern="1200" dirty="0" smtClean="0">
-                <a:solidFill>
-                  <a:schemeClr val="tx1"/>
-                </a:solidFill>
-                <a:effectLst/>
-                <a:latin typeface="+mn-lt"/>
-                <a:ea typeface="+mn-ea"/>
-                <a:cs typeface="+mn-cs"/>
-              </a:rPr>
-              <a:t>{NA}^2\</a:t>
-            </a:r>
-            <a:r>
-              <a:rPr lang="en-US" sz="1200" kern="1200" dirty="0" err="1" smtClean="0">
-                <a:solidFill>
-                  <a:schemeClr val="tx1"/>
-                </a:solidFill>
-                <a:effectLst/>
-                <a:latin typeface="+mn-lt"/>
-                <a:ea typeface="+mn-ea"/>
-                <a:cs typeface="+mn-cs"/>
-              </a:rPr>
-              <a:t>vec</a:t>
-            </a:r>
-            <a:r>
-              <a:rPr lang="en-US" sz="1200" kern="1200" dirty="0" smtClean="0">
-                <a:solidFill>
-                  <a:schemeClr val="tx1"/>
-                </a:solidFill>
-                <a:effectLst/>
-                <a:latin typeface="+mn-lt"/>
-                <a:ea typeface="+mn-ea"/>
-                <a:cs typeface="+mn-cs"/>
-              </a:rPr>
-              <a:t>{\rho}\,^2}\right)\\</a:t>
-            </a:r>
-          </a:p>
-          <a:p>
-            <a:r>
-              <a:rPr lang="en-US" sz="1200" kern="1200" dirty="0" smtClean="0">
-                <a:solidFill>
-                  <a:schemeClr val="tx1"/>
-                </a:solidFill>
-                <a:effectLst/>
-                <a:latin typeface="+mn-lt"/>
-                <a:ea typeface="+mn-ea"/>
-                <a:cs typeface="+mn-cs"/>
-              </a:rPr>
-              <a:t>\</a:t>
-            </a:r>
-            <a:r>
-              <a:rPr lang="en-US" sz="1200" kern="1200" dirty="0" err="1" smtClean="0">
-                <a:solidFill>
-                  <a:schemeClr val="tx1"/>
-                </a:solidFill>
-                <a:effectLst/>
-                <a:latin typeface="+mn-lt"/>
-                <a:ea typeface="+mn-ea"/>
-                <a:cs typeface="+mn-cs"/>
-              </a:rPr>
-              <a:t>vec</a:t>
-            </a:r>
-            <a:r>
-              <a:rPr lang="en-US" sz="1200" kern="1200" dirty="0" smtClean="0">
-                <a:solidFill>
-                  <a:schemeClr val="tx1"/>
-                </a:solidFill>
-                <a:effectLst/>
-                <a:latin typeface="+mn-lt"/>
-                <a:ea typeface="+mn-ea"/>
-                <a:cs typeface="+mn-cs"/>
-              </a:rPr>
-              <a:t>{\rho}\,\</a:t>
-            </a:r>
-            <a:r>
-              <a:rPr lang="en-US" sz="1200" kern="1200" dirty="0" err="1" smtClean="0">
-                <a:solidFill>
-                  <a:schemeClr val="tx1"/>
-                </a:solidFill>
-                <a:effectLst/>
-                <a:latin typeface="+mn-lt"/>
-                <a:ea typeface="+mn-ea"/>
-                <a:cs typeface="+mn-cs"/>
-              </a:rPr>
-              <a:t>textsf</a:t>
-            </a:r>
-            <a:r>
-              <a:rPr lang="en-US" sz="1200" kern="1200" dirty="0" smtClean="0">
-                <a:solidFill>
-                  <a:schemeClr val="tx1"/>
-                </a:solidFill>
-                <a:effectLst/>
-                <a:latin typeface="+mn-lt"/>
-                <a:ea typeface="+mn-ea"/>
-                <a:cs typeface="+mn-cs"/>
-              </a:rPr>
-              <a:t>{: pupil plane coordinate,}\:W(\</a:t>
-            </a:r>
-            <a:r>
-              <a:rPr lang="en-US" sz="1200" kern="1200" dirty="0" err="1" smtClean="0">
-                <a:solidFill>
-                  <a:schemeClr val="tx1"/>
-                </a:solidFill>
-                <a:effectLst/>
-                <a:latin typeface="+mn-lt"/>
-                <a:ea typeface="+mn-ea"/>
-                <a:cs typeface="+mn-cs"/>
-              </a:rPr>
-              <a:t>vec</a:t>
-            </a:r>
-            <a:r>
-              <a:rPr lang="en-US" sz="1200" kern="1200" dirty="0" smtClean="0">
-                <a:solidFill>
-                  <a:schemeClr val="tx1"/>
-                </a:solidFill>
-                <a:effectLst/>
-                <a:latin typeface="+mn-lt"/>
-                <a:ea typeface="+mn-ea"/>
-                <a:cs typeface="+mn-cs"/>
-              </a:rPr>
-              <a:t>{\rho}\,)\</a:t>
-            </a:r>
-            <a:r>
-              <a:rPr lang="en-US" sz="1200" kern="1200" dirty="0" err="1" smtClean="0">
-                <a:solidFill>
-                  <a:schemeClr val="tx1"/>
-                </a:solidFill>
-                <a:effectLst/>
-                <a:latin typeface="+mn-lt"/>
-                <a:ea typeface="+mn-ea"/>
-                <a:cs typeface="+mn-cs"/>
-              </a:rPr>
-              <a:t>textsf</a:t>
-            </a:r>
-            <a:r>
-              <a:rPr lang="en-US" sz="1200" kern="1200" dirty="0" smtClean="0">
-                <a:solidFill>
-                  <a:schemeClr val="tx1"/>
-                </a:solidFill>
-                <a:effectLst/>
-                <a:latin typeface="+mn-lt"/>
-                <a:ea typeface="+mn-ea"/>
-                <a:cs typeface="+mn-cs"/>
-              </a:rPr>
-              <a:t>{: pupil plane modulation mask,}\:\</a:t>
-            </a:r>
-            <a:r>
-              <a:rPr lang="en-US" sz="1200" kern="1200" dirty="0" err="1" smtClean="0">
-                <a:solidFill>
-                  <a:schemeClr val="tx1"/>
-                </a:solidFill>
-                <a:effectLst/>
-                <a:latin typeface="+mn-lt"/>
-                <a:ea typeface="+mn-ea"/>
-                <a:cs typeface="+mn-cs"/>
-              </a:rPr>
-              <a:t>vec</a:t>
-            </a:r>
-            <a:r>
-              <a:rPr lang="en-US" sz="1200" kern="1200" dirty="0" smtClean="0">
-                <a:solidFill>
-                  <a:schemeClr val="tx1"/>
-                </a:solidFill>
-                <a:effectLst/>
-                <a:latin typeface="+mn-lt"/>
-                <a:ea typeface="+mn-ea"/>
-                <a:cs typeface="+mn-cs"/>
-              </a:rPr>
-              <a:t>{k}(\</a:t>
-            </a:r>
-            <a:r>
-              <a:rPr lang="en-US" sz="1200" kern="1200" dirty="0" err="1" smtClean="0">
-                <a:solidFill>
-                  <a:schemeClr val="tx1"/>
-                </a:solidFill>
-                <a:effectLst/>
-                <a:latin typeface="+mn-lt"/>
-                <a:ea typeface="+mn-ea"/>
-                <a:cs typeface="+mn-cs"/>
-              </a:rPr>
-              <a:t>vec</a:t>
-            </a:r>
-            <a:r>
-              <a:rPr lang="en-US" sz="1200" kern="1200" dirty="0" smtClean="0">
-                <a:solidFill>
-                  <a:schemeClr val="tx1"/>
-                </a:solidFill>
-                <a:effectLst/>
-                <a:latin typeface="+mn-lt"/>
-                <a:ea typeface="+mn-ea"/>
-                <a:cs typeface="+mn-cs"/>
-              </a:rPr>
-              <a:t>{\rho}\,)\</a:t>
-            </a:r>
-            <a:r>
-              <a:rPr lang="en-US" sz="1200" kern="1200" dirty="0" err="1" smtClean="0">
-                <a:solidFill>
-                  <a:schemeClr val="tx1"/>
-                </a:solidFill>
-                <a:effectLst/>
-                <a:latin typeface="+mn-lt"/>
-                <a:ea typeface="+mn-ea"/>
-                <a:cs typeface="+mn-cs"/>
-              </a:rPr>
-              <a:t>textsf</a:t>
-            </a:r>
-            <a:r>
-              <a:rPr lang="en-US" sz="1200" kern="1200" dirty="0" smtClean="0">
-                <a:solidFill>
-                  <a:schemeClr val="tx1"/>
-                </a:solidFill>
-                <a:effectLst/>
-                <a:latin typeface="+mn-lt"/>
-                <a:ea typeface="+mn-ea"/>
-                <a:cs typeface="+mn-cs"/>
-              </a:rPr>
-              <a:t>{: </a:t>
-            </a:r>
-            <a:r>
-              <a:rPr lang="en-US" sz="1200" kern="1200" dirty="0" err="1" smtClean="0">
-                <a:solidFill>
-                  <a:schemeClr val="tx1"/>
-                </a:solidFill>
-                <a:effectLst/>
-                <a:latin typeface="+mn-lt"/>
-                <a:ea typeface="+mn-ea"/>
-                <a:cs typeface="+mn-cs"/>
-              </a:rPr>
-              <a:t>wavevector</a:t>
-            </a:r>
-            <a:r>
-              <a:rPr lang="en-US" sz="1200" kern="1200" dirty="0" smtClean="0">
-                <a:solidFill>
-                  <a:schemeClr val="tx1"/>
-                </a:solidFill>
-                <a:effectLst/>
-                <a:latin typeface="+mn-lt"/>
-                <a:ea typeface="+mn-ea"/>
-                <a:cs typeface="+mn-cs"/>
-              </a:rPr>
-              <a:t>}</a:t>
-            </a:r>
-          </a:p>
-          <a:p>
-            <a:r>
-              <a:rPr lang="en-US" sz="1200" kern="1200" dirty="0" smtClean="0">
-                <a:solidFill>
-                  <a:schemeClr val="tx1"/>
-                </a:solidFill>
-                <a:effectLst/>
-                <a:latin typeface="+mn-lt"/>
-                <a:ea typeface="+mn-ea"/>
-                <a:cs typeface="+mn-cs"/>
-              </a:rPr>
-              <a:t>\end{gather*}</a:t>
-            </a:r>
-          </a:p>
-          <a:p>
-            <a:endParaRPr lang="en-US" sz="1200" kern="1200" dirty="0" smtClean="0">
+            <a:endParaRPr lang="en-US" sz="1200" kern="1200" dirty="0">
               <a:solidFill>
                 <a:schemeClr val="tx1"/>
               </a:solidFill>
@@ -24224,1928 +23653,6 @@
               <a:ea typeface="+mn-ea"/>
               <a:cs typeface="+mn-cs"/>
             </a:endParaRPr>
-          </a:p>
-          <a:p>
-            <a:r>
-              <a:rPr lang="en-US" sz="1200" kern="1200" dirty="0" smtClean="0">
-                <a:solidFill>
-                  <a:schemeClr val="tx1"/>
-                </a:solidFill>
-                <a:effectLst/>
-                <a:latin typeface="+mn-lt"/>
-                <a:ea typeface="+mn-ea"/>
-                <a:cs typeface="+mn-cs"/>
-              </a:rPr>
-              <a:t>\begin{align*}</a:t>
-            </a:r>
-          </a:p>
-          <a:p>
-            <a:r>
-              <a:rPr lang="en-US" sz="1200" kern="1200" dirty="0" smtClean="0">
-                <a:solidFill>
-                  <a:schemeClr val="tx1"/>
-                </a:solidFill>
-                <a:effectLst/>
-                <a:latin typeface="+mn-lt"/>
-                <a:ea typeface="+mn-ea"/>
-                <a:cs typeface="+mn-cs"/>
-              </a:rPr>
-              <a:t>\</a:t>
-            </a:r>
-            <a:r>
-              <a:rPr lang="en-US" sz="1200" kern="1200" dirty="0" err="1" smtClean="0">
-                <a:solidFill>
-                  <a:schemeClr val="tx1"/>
-                </a:solidFill>
-                <a:effectLst/>
-                <a:latin typeface="+mn-lt"/>
-                <a:ea typeface="+mn-ea"/>
-                <a:cs typeface="+mn-cs"/>
-              </a:rPr>
-              <a:t>frac</a:t>
-            </a:r>
-            <a:r>
-              <a:rPr lang="en-US" sz="1200" kern="1200" dirty="0" smtClean="0">
-                <a:solidFill>
-                  <a:schemeClr val="tx1"/>
-                </a:solidFill>
-                <a:effectLst/>
-                <a:latin typeface="+mn-lt"/>
-                <a:ea typeface="+mn-ea"/>
-                <a:cs typeface="+mn-cs"/>
-              </a:rPr>
-              <a:t>{\partial\</a:t>
-            </a:r>
-            <a:r>
-              <a:rPr lang="en-US" sz="1200" kern="1200" dirty="0" err="1" smtClean="0">
-                <a:solidFill>
-                  <a:schemeClr val="tx1"/>
-                </a:solidFill>
-                <a:effectLst/>
-                <a:latin typeface="+mn-lt"/>
-                <a:ea typeface="+mn-ea"/>
-                <a:cs typeface="+mn-cs"/>
-              </a:rPr>
-              <a:t>mu_k</a:t>
-            </a:r>
-            <a:r>
-              <a:rPr lang="en-US" sz="1200" kern="1200" dirty="0" smtClean="0">
-                <a:solidFill>
-                  <a:schemeClr val="tx1"/>
-                </a:solidFill>
-                <a:effectLst/>
-                <a:latin typeface="+mn-lt"/>
-                <a:ea typeface="+mn-ea"/>
-                <a:cs typeface="+mn-cs"/>
-              </a:rPr>
-              <a:t>}{\partial\theta}&amp;=\</a:t>
-            </a:r>
-            <a:r>
-              <a:rPr lang="en-US" sz="1200" kern="1200" dirty="0" err="1" smtClean="0">
-                <a:solidFill>
-                  <a:schemeClr val="tx1"/>
-                </a:solidFill>
-                <a:effectLst/>
-                <a:latin typeface="+mn-lt"/>
-                <a:ea typeface="+mn-ea"/>
-                <a:cs typeface="+mn-cs"/>
-              </a:rPr>
-              <a:t>frac</a:t>
-            </a:r>
-            <a:r>
-              <a:rPr lang="en-US" sz="1200" kern="1200" dirty="0" smtClean="0">
-                <a:solidFill>
-                  <a:schemeClr val="tx1"/>
-                </a:solidFill>
-                <a:effectLst/>
-                <a:latin typeface="+mn-lt"/>
-                <a:ea typeface="+mn-ea"/>
-                <a:cs typeface="+mn-cs"/>
-              </a:rPr>
-              <a:t>{2N}{3}\</a:t>
-            </a:r>
-            <a:r>
-              <a:rPr lang="en-US" sz="1200" kern="1200" dirty="0" err="1" smtClean="0">
-                <a:solidFill>
-                  <a:schemeClr val="tx1"/>
-                </a:solidFill>
-                <a:effectLst/>
-                <a:latin typeface="+mn-lt"/>
-                <a:ea typeface="+mn-ea"/>
-                <a:cs typeface="+mn-cs"/>
-              </a:rPr>
-              <a:t>int</a:t>
-            </a:r>
-            <a:r>
-              <a:rPr lang="en-US" sz="1200" kern="1200" dirty="0" smtClean="0">
-                <a:solidFill>
-                  <a:schemeClr val="tx1"/>
-                </a:solidFill>
-                <a:effectLst/>
-                <a:latin typeface="+mn-lt"/>
-                <a:ea typeface="+mn-ea"/>
-                <a:cs typeface="+mn-cs"/>
-              </a:rPr>
-              <a:t>_{\</a:t>
-            </a:r>
-            <a:r>
-              <a:rPr lang="en-US" sz="1200" kern="1200" dirty="0" err="1" smtClean="0">
-                <a:solidFill>
-                  <a:schemeClr val="tx1"/>
-                </a:solidFill>
-                <a:effectLst/>
-                <a:latin typeface="+mn-lt"/>
-                <a:ea typeface="+mn-ea"/>
-                <a:cs typeface="+mn-cs"/>
-              </a:rPr>
-              <a:t>mathscr</a:t>
-            </a:r>
-            <a:r>
-              <a:rPr lang="en-US" sz="1200" kern="1200" dirty="0" smtClean="0">
-                <a:solidFill>
-                  <a:schemeClr val="tx1"/>
-                </a:solidFill>
-                <a:effectLst/>
-                <a:latin typeface="+mn-lt"/>
-                <a:ea typeface="+mn-ea"/>
-                <a:cs typeface="+mn-cs"/>
-              </a:rPr>
-              <a:t>{D}_k}{</a:t>
-            </a:r>
-            <a:r>
-              <a:rPr lang="en-US" sz="1200" kern="1200" dirty="0" err="1" smtClean="0">
-                <a:solidFill>
-                  <a:schemeClr val="tx1"/>
-                </a:solidFill>
-                <a:effectLst/>
-                <a:latin typeface="+mn-lt"/>
-                <a:ea typeface="+mn-ea"/>
-                <a:cs typeface="+mn-cs"/>
-              </a:rPr>
-              <a:t>dxdy</a:t>
-            </a:r>
-            <a:r>
-              <a:rPr lang="en-US" sz="1200" kern="1200" dirty="0" smtClean="0">
-                <a:solidFill>
-                  <a:schemeClr val="tx1"/>
-                </a:solidFill>
-                <a:effectLst/>
-                <a:latin typeface="+mn-lt"/>
-                <a:ea typeface="+mn-ea"/>
-                <a:cs typeface="+mn-cs"/>
-              </a:rPr>
-              <a:t>\,\</a:t>
-            </a:r>
-            <a:r>
-              <a:rPr lang="en-US" sz="1200" kern="1200" dirty="0" err="1" smtClean="0">
-                <a:solidFill>
-                  <a:schemeClr val="tx1"/>
-                </a:solidFill>
-                <a:effectLst/>
-                <a:latin typeface="+mn-lt"/>
-                <a:ea typeface="+mn-ea"/>
-                <a:cs typeface="+mn-cs"/>
-              </a:rPr>
-              <a:t>textrm</a:t>
-            </a:r>
-            <a:r>
-              <a:rPr lang="en-US" sz="1200" kern="1200" dirty="0" smtClean="0">
-                <a:solidFill>
-                  <a:schemeClr val="tx1"/>
-                </a:solidFill>
-                <a:effectLst/>
-                <a:latin typeface="+mn-lt"/>
-                <a:ea typeface="+mn-ea"/>
-                <a:cs typeface="+mn-cs"/>
-              </a:rPr>
-              <a:t>{Re}\left\{w(\</a:t>
-            </a:r>
-            <a:r>
-              <a:rPr lang="en-US" sz="1200" kern="1200" dirty="0" err="1" smtClean="0">
-                <a:solidFill>
-                  <a:schemeClr val="tx1"/>
-                </a:solidFill>
-                <a:effectLst/>
-                <a:latin typeface="+mn-lt"/>
-                <a:ea typeface="+mn-ea"/>
-                <a:cs typeface="+mn-cs"/>
-              </a:rPr>
-              <a:t>vec</a:t>
-            </a:r>
-            <a:r>
-              <a:rPr lang="en-US" sz="1200" kern="1200" dirty="0" smtClean="0">
-                <a:solidFill>
-                  <a:schemeClr val="tx1"/>
-                </a:solidFill>
-                <a:effectLst/>
-                <a:latin typeface="+mn-lt"/>
-                <a:ea typeface="+mn-ea"/>
-                <a:cs typeface="+mn-cs"/>
-              </a:rPr>
-              <a:t>{r}-\</a:t>
-            </a:r>
-            <a:r>
-              <a:rPr lang="en-US" sz="1200" kern="1200" dirty="0" err="1" smtClean="0">
-                <a:solidFill>
-                  <a:schemeClr val="tx1"/>
-                </a:solidFill>
-                <a:effectLst/>
-                <a:latin typeface="+mn-lt"/>
-                <a:ea typeface="+mn-ea"/>
-                <a:cs typeface="+mn-cs"/>
-              </a:rPr>
-              <a:t>vec</a:t>
-            </a:r>
-            <a:r>
-              <a:rPr lang="en-US" sz="1200" kern="1200" dirty="0" smtClean="0">
-                <a:solidFill>
-                  <a:schemeClr val="tx1"/>
-                </a:solidFill>
-                <a:effectLst/>
-                <a:latin typeface="+mn-lt"/>
-                <a:ea typeface="+mn-ea"/>
-                <a:cs typeface="+mn-cs"/>
-              </a:rPr>
-              <a:t>{r}_0)\</a:t>
-            </a:r>
-            <a:r>
-              <a:rPr lang="en-US" sz="1200" kern="1200" dirty="0" err="1" smtClean="0">
-                <a:solidFill>
-                  <a:schemeClr val="tx1"/>
-                </a:solidFill>
-                <a:effectLst/>
-                <a:latin typeface="+mn-lt"/>
-                <a:ea typeface="+mn-ea"/>
-                <a:cs typeface="+mn-cs"/>
-              </a:rPr>
-              <a:t>frac</a:t>
-            </a:r>
-            <a:r>
-              <a:rPr lang="en-US" sz="1200" kern="1200" dirty="0" smtClean="0">
-                <a:solidFill>
-                  <a:schemeClr val="tx1"/>
-                </a:solidFill>
-                <a:effectLst/>
-                <a:latin typeface="+mn-lt"/>
-                <a:ea typeface="+mn-ea"/>
-                <a:cs typeface="+mn-cs"/>
-              </a:rPr>
-              <a:t>{\partial w(\</a:t>
-            </a:r>
-            <a:r>
-              <a:rPr lang="en-US" sz="1200" kern="1200" dirty="0" err="1" smtClean="0">
-                <a:solidFill>
-                  <a:schemeClr val="tx1"/>
-                </a:solidFill>
-                <a:effectLst/>
-                <a:latin typeface="+mn-lt"/>
-                <a:ea typeface="+mn-ea"/>
-                <a:cs typeface="+mn-cs"/>
-              </a:rPr>
-              <a:t>vec</a:t>
-            </a:r>
-            <a:r>
-              <a:rPr lang="en-US" sz="1200" kern="1200" dirty="0" smtClean="0">
-                <a:solidFill>
-                  <a:schemeClr val="tx1"/>
-                </a:solidFill>
-                <a:effectLst/>
-                <a:latin typeface="+mn-lt"/>
-                <a:ea typeface="+mn-ea"/>
-                <a:cs typeface="+mn-cs"/>
-              </a:rPr>
-              <a:t>{r}-\</a:t>
-            </a:r>
-            <a:r>
-              <a:rPr lang="en-US" sz="1200" kern="1200" dirty="0" err="1" smtClean="0">
-                <a:solidFill>
-                  <a:schemeClr val="tx1"/>
-                </a:solidFill>
-                <a:effectLst/>
-                <a:latin typeface="+mn-lt"/>
-                <a:ea typeface="+mn-ea"/>
-                <a:cs typeface="+mn-cs"/>
-              </a:rPr>
-              <a:t>vec</a:t>
-            </a:r>
-            <a:r>
-              <a:rPr lang="en-US" sz="1200" kern="1200" dirty="0" smtClean="0">
-                <a:solidFill>
-                  <a:schemeClr val="tx1"/>
-                </a:solidFill>
-                <a:effectLst/>
-                <a:latin typeface="+mn-lt"/>
-                <a:ea typeface="+mn-ea"/>
-                <a:cs typeface="+mn-cs"/>
-              </a:rPr>
-              <a:t>{r}_0)}{\partial \theta}\right\}}\\</a:t>
-            </a:r>
-          </a:p>
-          <a:p>
-            <a:r>
-              <a:rPr lang="en-US" sz="1200" kern="1200" dirty="0" smtClean="0">
-                <a:solidFill>
-                  <a:schemeClr val="tx1"/>
-                </a:solidFill>
-                <a:effectLst/>
-                <a:latin typeface="+mn-lt"/>
-                <a:ea typeface="+mn-ea"/>
-                <a:cs typeface="+mn-cs"/>
-              </a:rPr>
-              <a:t>\</a:t>
-            </a:r>
-            <a:r>
-              <a:rPr lang="en-US" sz="1200" kern="1200" dirty="0" err="1" smtClean="0">
-                <a:solidFill>
-                  <a:schemeClr val="tx1"/>
-                </a:solidFill>
-                <a:effectLst/>
-                <a:latin typeface="+mn-lt"/>
-                <a:ea typeface="+mn-ea"/>
-                <a:cs typeface="+mn-cs"/>
-              </a:rPr>
-              <a:t>frac</a:t>
-            </a:r>
-            <a:r>
-              <a:rPr lang="en-US" sz="1200" kern="1200" dirty="0" smtClean="0">
-                <a:solidFill>
-                  <a:schemeClr val="tx1"/>
-                </a:solidFill>
-                <a:effectLst/>
-                <a:latin typeface="+mn-lt"/>
-                <a:ea typeface="+mn-ea"/>
-                <a:cs typeface="+mn-cs"/>
-              </a:rPr>
-              <a:t>{\partial w(\</a:t>
-            </a:r>
-            <a:r>
-              <a:rPr lang="en-US" sz="1200" kern="1200" dirty="0" err="1" smtClean="0">
-                <a:solidFill>
-                  <a:schemeClr val="tx1"/>
-                </a:solidFill>
-                <a:effectLst/>
-                <a:latin typeface="+mn-lt"/>
-                <a:ea typeface="+mn-ea"/>
-                <a:cs typeface="+mn-cs"/>
-              </a:rPr>
-              <a:t>vec</a:t>
-            </a:r>
-            <a:r>
-              <a:rPr lang="en-US" sz="1200" kern="1200" dirty="0" smtClean="0">
-                <a:solidFill>
-                  <a:schemeClr val="tx1"/>
-                </a:solidFill>
-                <a:effectLst/>
-                <a:latin typeface="+mn-lt"/>
-                <a:ea typeface="+mn-ea"/>
-                <a:cs typeface="+mn-cs"/>
-              </a:rPr>
-              <a:t>{r}-\</a:t>
-            </a:r>
-            <a:r>
-              <a:rPr lang="en-US" sz="1200" kern="1200" dirty="0" err="1" smtClean="0">
-                <a:solidFill>
-                  <a:schemeClr val="tx1"/>
-                </a:solidFill>
-                <a:effectLst/>
-                <a:latin typeface="+mn-lt"/>
-                <a:ea typeface="+mn-ea"/>
-                <a:cs typeface="+mn-cs"/>
-              </a:rPr>
-              <a:t>vec</a:t>
-            </a:r>
-            <a:r>
-              <a:rPr lang="en-US" sz="1200" kern="1200" dirty="0" smtClean="0">
-                <a:solidFill>
-                  <a:schemeClr val="tx1"/>
-                </a:solidFill>
-                <a:effectLst/>
-                <a:latin typeface="+mn-lt"/>
-                <a:ea typeface="+mn-ea"/>
-                <a:cs typeface="+mn-cs"/>
-              </a:rPr>
-              <a:t>{r}_0)}{\partial \</a:t>
-            </a:r>
-            <a:r>
-              <a:rPr lang="en-US" sz="1200" kern="1200" dirty="0" err="1" smtClean="0">
-                <a:solidFill>
-                  <a:schemeClr val="tx1"/>
-                </a:solidFill>
-                <a:effectLst/>
-                <a:latin typeface="+mn-lt"/>
-                <a:ea typeface="+mn-ea"/>
-                <a:cs typeface="+mn-cs"/>
-              </a:rPr>
-              <a:t>vec</a:t>
-            </a:r>
-            <a:r>
-              <a:rPr lang="en-US" sz="1200" kern="1200" dirty="0" smtClean="0">
-                <a:solidFill>
-                  <a:schemeClr val="tx1"/>
-                </a:solidFill>
-                <a:effectLst/>
-                <a:latin typeface="+mn-lt"/>
-                <a:ea typeface="+mn-ea"/>
-                <a:cs typeface="+mn-cs"/>
-              </a:rPr>
-              <a:t>{r}_0}&amp;=\</a:t>
-            </a:r>
-            <a:r>
-              <a:rPr lang="en-US" sz="1200" kern="1200" dirty="0" err="1" smtClean="0">
-                <a:solidFill>
-                  <a:schemeClr val="tx1"/>
-                </a:solidFill>
-                <a:effectLst/>
-                <a:latin typeface="+mn-lt"/>
-                <a:ea typeface="+mn-ea"/>
-                <a:cs typeface="+mn-cs"/>
-              </a:rPr>
-              <a:t>frac</a:t>
-            </a:r>
-            <a:r>
-              <a:rPr lang="en-US" sz="1200" kern="1200" dirty="0" smtClean="0">
-                <a:solidFill>
-                  <a:schemeClr val="tx1"/>
-                </a:solidFill>
-                <a:effectLst/>
-                <a:latin typeface="+mn-lt"/>
-                <a:ea typeface="+mn-ea"/>
-                <a:cs typeface="+mn-cs"/>
-              </a:rPr>
-              <a:t>{\partial w(\</a:t>
-            </a:r>
-            <a:r>
-              <a:rPr lang="en-US" sz="1200" kern="1200" dirty="0" err="1" smtClean="0">
-                <a:solidFill>
-                  <a:schemeClr val="tx1"/>
-                </a:solidFill>
-                <a:effectLst/>
-                <a:latin typeface="+mn-lt"/>
-                <a:ea typeface="+mn-ea"/>
-                <a:cs typeface="+mn-cs"/>
-              </a:rPr>
-              <a:t>vec</a:t>
-            </a:r>
-            <a:r>
-              <a:rPr lang="en-US" sz="1200" kern="1200" dirty="0" smtClean="0">
-                <a:solidFill>
-                  <a:schemeClr val="tx1"/>
-                </a:solidFill>
-                <a:effectLst/>
-                <a:latin typeface="+mn-lt"/>
-                <a:ea typeface="+mn-ea"/>
-                <a:cs typeface="+mn-cs"/>
-              </a:rPr>
-              <a:t>{r}-\</a:t>
-            </a:r>
-            <a:r>
-              <a:rPr lang="en-US" sz="1200" kern="1200" dirty="0" err="1" smtClean="0">
-                <a:solidFill>
-                  <a:schemeClr val="tx1"/>
-                </a:solidFill>
-                <a:effectLst/>
-                <a:latin typeface="+mn-lt"/>
-                <a:ea typeface="+mn-ea"/>
-                <a:cs typeface="+mn-cs"/>
-              </a:rPr>
-              <a:t>vec</a:t>
-            </a:r>
-            <a:r>
-              <a:rPr lang="en-US" sz="1200" kern="1200" dirty="0" smtClean="0">
-                <a:solidFill>
-                  <a:schemeClr val="tx1"/>
-                </a:solidFill>
-                <a:effectLst/>
-                <a:latin typeface="+mn-lt"/>
-                <a:ea typeface="+mn-ea"/>
-                <a:cs typeface="+mn-cs"/>
-              </a:rPr>
-              <a:t>{r}_0)}{\partial x_0}=\</a:t>
-            </a:r>
-            <a:r>
-              <a:rPr lang="en-US" sz="1200" kern="1200" dirty="0" err="1" smtClean="0">
-                <a:solidFill>
-                  <a:schemeClr val="tx1"/>
-                </a:solidFill>
-                <a:effectLst/>
-                <a:latin typeface="+mn-lt"/>
-                <a:ea typeface="+mn-ea"/>
-                <a:cs typeface="+mn-cs"/>
-              </a:rPr>
-              <a:t>frac</a:t>
-            </a:r>
-            <a:r>
-              <a:rPr lang="en-US" sz="1200" kern="1200" dirty="0" smtClean="0">
-                <a:solidFill>
-                  <a:schemeClr val="tx1"/>
-                </a:solidFill>
-                <a:effectLst/>
-                <a:latin typeface="+mn-lt"/>
-                <a:ea typeface="+mn-ea"/>
-                <a:cs typeface="+mn-cs"/>
-              </a:rPr>
-              <a:t>{\partial w(\</a:t>
-            </a:r>
-            <a:r>
-              <a:rPr lang="en-US" sz="1200" kern="1200" dirty="0" err="1" smtClean="0">
-                <a:solidFill>
-                  <a:schemeClr val="tx1"/>
-                </a:solidFill>
-                <a:effectLst/>
-                <a:latin typeface="+mn-lt"/>
-                <a:ea typeface="+mn-ea"/>
-                <a:cs typeface="+mn-cs"/>
-              </a:rPr>
-              <a:t>vec</a:t>
-            </a:r>
-            <a:r>
-              <a:rPr lang="en-US" sz="1200" kern="1200" dirty="0" smtClean="0">
-                <a:solidFill>
-                  <a:schemeClr val="tx1"/>
-                </a:solidFill>
-                <a:effectLst/>
-                <a:latin typeface="+mn-lt"/>
-                <a:ea typeface="+mn-ea"/>
-                <a:cs typeface="+mn-cs"/>
-              </a:rPr>
-              <a:t>{r}-\</a:t>
-            </a:r>
-            <a:r>
-              <a:rPr lang="en-US" sz="1200" kern="1200" dirty="0" err="1" smtClean="0">
-                <a:solidFill>
-                  <a:schemeClr val="tx1"/>
-                </a:solidFill>
-                <a:effectLst/>
-                <a:latin typeface="+mn-lt"/>
-                <a:ea typeface="+mn-ea"/>
-                <a:cs typeface="+mn-cs"/>
-              </a:rPr>
-              <a:t>vec</a:t>
-            </a:r>
-            <a:r>
-              <a:rPr lang="en-US" sz="1200" kern="1200" dirty="0" smtClean="0">
-                <a:solidFill>
-                  <a:schemeClr val="tx1"/>
-                </a:solidFill>
-                <a:effectLst/>
-                <a:latin typeface="+mn-lt"/>
-                <a:ea typeface="+mn-ea"/>
-                <a:cs typeface="+mn-cs"/>
-              </a:rPr>
-              <a:t>{r}_0)}{\partial y_0}=\</a:t>
-            </a:r>
-            <a:r>
-              <a:rPr lang="en-US" sz="1200" kern="1200" dirty="0" err="1" smtClean="0">
-                <a:solidFill>
-                  <a:schemeClr val="tx1"/>
-                </a:solidFill>
-                <a:effectLst/>
-                <a:latin typeface="+mn-lt"/>
-                <a:ea typeface="+mn-ea"/>
-                <a:cs typeface="+mn-cs"/>
-              </a:rPr>
-              <a:t>frac</a:t>
-            </a:r>
-            <a:r>
-              <a:rPr lang="en-US" sz="1200" kern="1200" dirty="0" smtClean="0">
-                <a:solidFill>
-                  <a:schemeClr val="tx1"/>
-                </a:solidFill>
-                <a:effectLst/>
-                <a:latin typeface="+mn-lt"/>
-                <a:ea typeface="+mn-ea"/>
-                <a:cs typeface="+mn-cs"/>
-              </a:rPr>
-              <a:t>{\partial w(\</a:t>
-            </a:r>
-            <a:r>
-              <a:rPr lang="en-US" sz="1200" kern="1200" dirty="0" err="1" smtClean="0">
-                <a:solidFill>
-                  <a:schemeClr val="tx1"/>
-                </a:solidFill>
-                <a:effectLst/>
-                <a:latin typeface="+mn-lt"/>
-                <a:ea typeface="+mn-ea"/>
-                <a:cs typeface="+mn-cs"/>
-              </a:rPr>
-              <a:t>vec</a:t>
-            </a:r>
-            <a:r>
-              <a:rPr lang="en-US" sz="1200" kern="1200" dirty="0" smtClean="0">
-                <a:solidFill>
-                  <a:schemeClr val="tx1"/>
-                </a:solidFill>
-                <a:effectLst/>
-                <a:latin typeface="+mn-lt"/>
-                <a:ea typeface="+mn-ea"/>
-                <a:cs typeface="+mn-cs"/>
-              </a:rPr>
-              <a:t>{r}-\</a:t>
-            </a:r>
-            <a:r>
-              <a:rPr lang="en-US" sz="1200" kern="1200" dirty="0" err="1" smtClean="0">
-                <a:solidFill>
-                  <a:schemeClr val="tx1"/>
-                </a:solidFill>
-                <a:effectLst/>
-                <a:latin typeface="+mn-lt"/>
-                <a:ea typeface="+mn-ea"/>
-                <a:cs typeface="+mn-cs"/>
-              </a:rPr>
-              <a:t>vec</a:t>
-            </a:r>
-            <a:r>
-              <a:rPr lang="en-US" sz="1200" kern="1200" dirty="0" smtClean="0">
-                <a:solidFill>
-                  <a:schemeClr val="tx1"/>
-                </a:solidFill>
-                <a:effectLst/>
-                <a:latin typeface="+mn-lt"/>
-                <a:ea typeface="+mn-ea"/>
-                <a:cs typeface="+mn-cs"/>
-              </a:rPr>
-              <a:t>{r}_0)}{\partial z_0}\\</a:t>
-            </a:r>
-          </a:p>
-          <a:p>
-            <a:r>
-              <a:rPr lang="en-US" sz="1200" kern="1200" dirty="0" smtClean="0">
-                <a:solidFill>
-                  <a:schemeClr val="tx1"/>
-                </a:solidFill>
-                <a:effectLst/>
-                <a:latin typeface="+mn-lt"/>
-                <a:ea typeface="+mn-ea"/>
-                <a:cs typeface="+mn-cs"/>
-              </a:rPr>
-              <a:t>&amp;=\</a:t>
-            </a:r>
-            <a:r>
-              <a:rPr lang="en-US" sz="1200" kern="1200" dirty="0" err="1" smtClean="0">
-                <a:solidFill>
-                  <a:schemeClr val="tx1"/>
-                </a:solidFill>
-                <a:effectLst/>
-                <a:latin typeface="+mn-lt"/>
-                <a:ea typeface="+mn-ea"/>
-                <a:cs typeface="+mn-cs"/>
-              </a:rPr>
-              <a:t>frac</a:t>
-            </a:r>
-            <a:r>
-              <a:rPr lang="en-US" sz="1200" kern="1200" dirty="0" smtClean="0">
-                <a:solidFill>
-                  <a:schemeClr val="tx1"/>
-                </a:solidFill>
-                <a:effectLst/>
-                <a:latin typeface="+mn-lt"/>
-                <a:ea typeface="+mn-ea"/>
-                <a:cs typeface="+mn-cs"/>
-              </a:rPr>
-              <a:t>{</a:t>
-            </a:r>
-            <a:r>
-              <a:rPr lang="en-US" sz="1200" kern="1200" dirty="0" err="1" smtClean="0">
-                <a:solidFill>
-                  <a:schemeClr val="tx1"/>
-                </a:solidFill>
-                <a:effectLst/>
-                <a:latin typeface="+mn-lt"/>
-                <a:ea typeface="+mn-ea"/>
-                <a:cs typeface="+mn-cs"/>
-              </a:rPr>
-              <a:t>i</a:t>
-            </a:r>
-            <a:r>
-              <a:rPr lang="en-US" sz="1200" kern="1200" dirty="0" smtClean="0">
-                <a:solidFill>
-                  <a:schemeClr val="tx1"/>
-                </a:solidFill>
-                <a:effectLst/>
-                <a:latin typeface="+mn-lt"/>
-                <a:ea typeface="+mn-ea"/>
-                <a:cs typeface="+mn-cs"/>
-              </a:rPr>
-              <a:t>}{</a:t>
-            </a:r>
-            <a:r>
-              <a:rPr lang="en-US" sz="1200" kern="1200" dirty="0" err="1" smtClean="0">
-                <a:solidFill>
-                  <a:schemeClr val="tx1"/>
-                </a:solidFill>
-                <a:effectLst/>
-                <a:latin typeface="+mn-lt"/>
-                <a:ea typeface="+mn-ea"/>
-                <a:cs typeface="+mn-cs"/>
-              </a:rPr>
-              <a:t>w_n</a:t>
-            </a:r>
-            <a:r>
-              <a:rPr lang="en-US" sz="1200" kern="1200" dirty="0" smtClean="0">
-                <a:solidFill>
-                  <a:schemeClr val="tx1"/>
-                </a:solidFill>
-                <a:effectLst/>
-                <a:latin typeface="+mn-lt"/>
-                <a:ea typeface="+mn-ea"/>
-                <a:cs typeface="+mn-cs"/>
-              </a:rPr>
-              <a:t>}\</a:t>
-            </a:r>
-            <a:r>
-              <a:rPr lang="en-US" sz="1200" kern="1200" dirty="0" err="1" smtClean="0">
-                <a:solidFill>
-                  <a:schemeClr val="tx1"/>
-                </a:solidFill>
-                <a:effectLst/>
-                <a:latin typeface="+mn-lt"/>
-                <a:ea typeface="+mn-ea"/>
-                <a:cs typeface="+mn-cs"/>
-              </a:rPr>
-              <a:t>int</a:t>
-            </a:r>
-            <a:r>
-              <a:rPr lang="en-US" sz="1200" kern="1200" dirty="0" smtClean="0">
-                <a:solidFill>
-                  <a:schemeClr val="tx1"/>
-                </a:solidFill>
-                <a:effectLst/>
-                <a:latin typeface="+mn-lt"/>
-                <a:ea typeface="+mn-ea"/>
-                <a:cs typeface="+mn-cs"/>
-              </a:rPr>
-              <a:t>_{|\</a:t>
-            </a:r>
-            <a:r>
-              <a:rPr lang="en-US" sz="1200" kern="1200" dirty="0" err="1" smtClean="0">
-                <a:solidFill>
-                  <a:schemeClr val="tx1"/>
-                </a:solidFill>
-                <a:effectLst/>
-                <a:latin typeface="+mn-lt"/>
-                <a:ea typeface="+mn-ea"/>
-                <a:cs typeface="+mn-cs"/>
-              </a:rPr>
-              <a:t>vec</a:t>
-            </a:r>
-            <a:r>
-              <a:rPr lang="en-US" sz="1200" kern="1200" dirty="0" smtClean="0">
-                <a:solidFill>
-                  <a:schemeClr val="tx1"/>
-                </a:solidFill>
-                <a:effectLst/>
-                <a:latin typeface="+mn-lt"/>
-                <a:ea typeface="+mn-ea"/>
-                <a:cs typeface="+mn-cs"/>
-              </a:rPr>
-              <a:t>{\rho}\,|\</a:t>
-            </a:r>
-            <a:r>
-              <a:rPr lang="en-US" sz="1200" kern="1200" dirty="0" err="1" smtClean="0">
-                <a:solidFill>
-                  <a:schemeClr val="tx1"/>
-                </a:solidFill>
-                <a:effectLst/>
-                <a:latin typeface="+mn-lt"/>
-                <a:ea typeface="+mn-ea"/>
-                <a:cs typeface="+mn-cs"/>
-              </a:rPr>
-              <a:t>leq</a:t>
-            </a:r>
-            <a:r>
-              <a:rPr lang="en-US" sz="1200" kern="1200" dirty="0" smtClean="0">
-                <a:solidFill>
-                  <a:schemeClr val="tx1"/>
-                </a:solidFill>
-                <a:effectLst/>
-                <a:latin typeface="+mn-lt"/>
-                <a:ea typeface="+mn-ea"/>
-                <a:cs typeface="+mn-cs"/>
-              </a:rPr>
-              <a:t> 1}{d^2\rho A(\</a:t>
-            </a:r>
-            <a:r>
-              <a:rPr lang="en-US" sz="1200" kern="1200" dirty="0" err="1" smtClean="0">
-                <a:solidFill>
-                  <a:schemeClr val="tx1"/>
-                </a:solidFill>
-                <a:effectLst/>
-                <a:latin typeface="+mn-lt"/>
-                <a:ea typeface="+mn-ea"/>
-                <a:cs typeface="+mn-cs"/>
-              </a:rPr>
-              <a:t>vec</a:t>
-            </a:r>
-            <a:r>
-              <a:rPr lang="en-US" sz="1200" kern="1200" dirty="0" smtClean="0">
-                <a:solidFill>
-                  <a:schemeClr val="tx1"/>
-                </a:solidFill>
-                <a:effectLst/>
-                <a:latin typeface="+mn-lt"/>
-                <a:ea typeface="+mn-ea"/>
-                <a:cs typeface="+mn-cs"/>
-              </a:rPr>
-              <a:t>{\rho}\,)\</a:t>
-            </a:r>
-            <a:r>
-              <a:rPr lang="en-US" sz="1200" kern="1200" dirty="0" err="1" smtClean="0">
-                <a:solidFill>
-                  <a:schemeClr val="tx1"/>
-                </a:solidFill>
-                <a:effectLst/>
-                <a:latin typeface="+mn-lt"/>
-                <a:ea typeface="+mn-ea"/>
-                <a:cs typeface="+mn-cs"/>
-              </a:rPr>
-              <a:t>exp</a:t>
-            </a:r>
-            <a:r>
-              <a:rPr lang="en-US" sz="1200" kern="1200" dirty="0" smtClean="0">
-                <a:solidFill>
-                  <a:schemeClr val="tx1"/>
-                </a:solidFill>
-                <a:effectLst/>
-                <a:latin typeface="+mn-lt"/>
-                <a:ea typeface="+mn-ea"/>
-                <a:cs typeface="+mn-cs"/>
-              </a:rPr>
-              <a:t>{\left(\</a:t>
-            </a:r>
-            <a:r>
-              <a:rPr lang="en-US" sz="1200" kern="1200" dirty="0" err="1" smtClean="0">
-                <a:solidFill>
-                  <a:schemeClr val="tx1"/>
-                </a:solidFill>
-                <a:effectLst/>
-                <a:latin typeface="+mn-lt"/>
-                <a:ea typeface="+mn-ea"/>
-                <a:cs typeface="+mn-cs"/>
-              </a:rPr>
-              <a:t>frac</a:t>
-            </a:r>
-            <a:r>
-              <a:rPr lang="en-US" sz="1200" kern="1200" dirty="0" smtClean="0">
-                <a:solidFill>
-                  <a:schemeClr val="tx1"/>
-                </a:solidFill>
-                <a:effectLst/>
-                <a:latin typeface="+mn-lt"/>
-                <a:ea typeface="+mn-ea"/>
-                <a:cs typeface="+mn-cs"/>
-              </a:rPr>
-              <a:t>{2\pi </a:t>
-            </a:r>
-            <a:r>
-              <a:rPr lang="en-US" sz="1200" kern="1200" dirty="0" err="1" smtClean="0">
-                <a:solidFill>
-                  <a:schemeClr val="tx1"/>
-                </a:solidFill>
-                <a:effectLst/>
-                <a:latin typeface="+mn-lt"/>
-                <a:ea typeface="+mn-ea"/>
-                <a:cs typeface="+mn-cs"/>
-              </a:rPr>
-              <a:t>i</a:t>
-            </a:r>
-            <a:r>
-              <a:rPr lang="en-US" sz="1200" kern="1200" dirty="0" smtClean="0">
-                <a:solidFill>
-                  <a:schemeClr val="tx1"/>
-                </a:solidFill>
-                <a:effectLst/>
-                <a:latin typeface="+mn-lt"/>
-                <a:ea typeface="+mn-ea"/>
-                <a:cs typeface="+mn-cs"/>
-              </a:rPr>
-              <a:t> W(\</a:t>
-            </a:r>
-            <a:r>
-              <a:rPr lang="en-US" sz="1200" kern="1200" dirty="0" err="1" smtClean="0">
-                <a:solidFill>
-                  <a:schemeClr val="tx1"/>
-                </a:solidFill>
-                <a:effectLst/>
-                <a:latin typeface="+mn-lt"/>
-                <a:ea typeface="+mn-ea"/>
-                <a:cs typeface="+mn-cs"/>
-              </a:rPr>
-              <a:t>vec</a:t>
-            </a:r>
-            <a:r>
-              <a:rPr lang="en-US" sz="1200" kern="1200" dirty="0" smtClean="0">
-                <a:solidFill>
-                  <a:schemeClr val="tx1"/>
-                </a:solidFill>
-                <a:effectLst/>
-                <a:latin typeface="+mn-lt"/>
-                <a:ea typeface="+mn-ea"/>
-                <a:cs typeface="+mn-cs"/>
-              </a:rPr>
-              <a:t>{\rho}\,)}{\lambda}\right)}}q(\</a:t>
-            </a:r>
-            <a:r>
-              <a:rPr lang="en-US" sz="1200" kern="1200" dirty="0" err="1" smtClean="0">
-                <a:solidFill>
-                  <a:schemeClr val="tx1"/>
-                </a:solidFill>
-                <a:effectLst/>
-                <a:latin typeface="+mn-lt"/>
-                <a:ea typeface="+mn-ea"/>
-                <a:cs typeface="+mn-cs"/>
-              </a:rPr>
-              <a:t>vec</a:t>
-            </a:r>
-            <a:r>
-              <a:rPr lang="en-US" sz="1200" kern="1200" dirty="0" smtClean="0">
-                <a:solidFill>
-                  <a:schemeClr val="tx1"/>
-                </a:solidFill>
-                <a:effectLst/>
-                <a:latin typeface="+mn-lt"/>
-                <a:ea typeface="+mn-ea"/>
-                <a:cs typeface="+mn-cs"/>
-              </a:rPr>
-              <a:t>{\rho}\,)\</a:t>
-            </a:r>
-            <a:r>
-              <a:rPr lang="en-US" sz="1200" kern="1200" dirty="0" err="1" smtClean="0">
-                <a:solidFill>
-                  <a:schemeClr val="tx1"/>
-                </a:solidFill>
-                <a:effectLst/>
-                <a:latin typeface="+mn-lt"/>
-                <a:ea typeface="+mn-ea"/>
-                <a:cs typeface="+mn-cs"/>
-              </a:rPr>
-              <a:t>vec</a:t>
-            </a:r>
-            <a:r>
-              <a:rPr lang="en-US" sz="1200" kern="1200" dirty="0" smtClean="0">
-                <a:solidFill>
-                  <a:schemeClr val="tx1"/>
-                </a:solidFill>
-                <a:effectLst/>
-                <a:latin typeface="+mn-lt"/>
-                <a:ea typeface="+mn-ea"/>
-                <a:cs typeface="+mn-cs"/>
-              </a:rPr>
-              <a:t>{k}(\</a:t>
-            </a:r>
-            <a:r>
-              <a:rPr lang="en-US" sz="1200" kern="1200" dirty="0" err="1" smtClean="0">
-                <a:solidFill>
-                  <a:schemeClr val="tx1"/>
-                </a:solidFill>
-                <a:effectLst/>
-                <a:latin typeface="+mn-lt"/>
-                <a:ea typeface="+mn-ea"/>
-                <a:cs typeface="+mn-cs"/>
-              </a:rPr>
-              <a:t>vec</a:t>
-            </a:r>
-            <a:r>
-              <a:rPr lang="en-US" sz="1200" kern="1200" dirty="0" smtClean="0">
-                <a:solidFill>
-                  <a:schemeClr val="tx1"/>
-                </a:solidFill>
-                <a:effectLst/>
-                <a:latin typeface="+mn-lt"/>
-                <a:ea typeface="+mn-ea"/>
-                <a:cs typeface="+mn-cs"/>
-              </a:rPr>
-              <a:t>{\rho}\,)\</a:t>
-            </a:r>
-            <a:r>
-              <a:rPr lang="en-US" sz="1200" kern="1200" dirty="0" err="1" smtClean="0">
-                <a:solidFill>
-                  <a:schemeClr val="tx1"/>
-                </a:solidFill>
-                <a:effectLst/>
-                <a:latin typeface="+mn-lt"/>
-                <a:ea typeface="+mn-ea"/>
-                <a:cs typeface="+mn-cs"/>
-              </a:rPr>
-              <a:t>exp</a:t>
-            </a:r>
-            <a:r>
-              <a:rPr lang="en-US" sz="1200" kern="1200" dirty="0" smtClean="0">
-                <a:solidFill>
-                  <a:schemeClr val="tx1"/>
-                </a:solidFill>
-                <a:effectLst/>
-                <a:latin typeface="+mn-lt"/>
-                <a:ea typeface="+mn-ea"/>
-                <a:cs typeface="+mn-cs"/>
-              </a:rPr>
-              <a:t>{\left(-</a:t>
-            </a:r>
-            <a:r>
-              <a:rPr lang="en-US" sz="1200" kern="1200" dirty="0" err="1" smtClean="0">
-                <a:solidFill>
-                  <a:schemeClr val="tx1"/>
-                </a:solidFill>
-                <a:effectLst/>
-                <a:latin typeface="+mn-lt"/>
-                <a:ea typeface="+mn-ea"/>
-                <a:cs typeface="+mn-cs"/>
-              </a:rPr>
-              <a:t>i</a:t>
-            </a:r>
-            <a:r>
-              <a:rPr lang="en-US" sz="1200" kern="1200" dirty="0" smtClean="0">
-                <a:solidFill>
-                  <a:schemeClr val="tx1"/>
-                </a:solidFill>
-                <a:effectLst/>
-                <a:latin typeface="+mn-lt"/>
-                <a:ea typeface="+mn-ea"/>
-                <a:cs typeface="+mn-cs"/>
-              </a:rPr>
-              <a:t> \</a:t>
-            </a:r>
-            <a:r>
-              <a:rPr lang="en-US" sz="1200" kern="1200" dirty="0" err="1" smtClean="0">
-                <a:solidFill>
-                  <a:schemeClr val="tx1"/>
-                </a:solidFill>
-                <a:effectLst/>
-                <a:latin typeface="+mn-lt"/>
-                <a:ea typeface="+mn-ea"/>
-                <a:cs typeface="+mn-cs"/>
-              </a:rPr>
-              <a:t>vec</a:t>
-            </a:r>
-            <a:r>
-              <a:rPr lang="en-US" sz="1200" kern="1200" dirty="0" smtClean="0">
-                <a:solidFill>
-                  <a:schemeClr val="tx1"/>
-                </a:solidFill>
-                <a:effectLst/>
-                <a:latin typeface="+mn-lt"/>
-                <a:ea typeface="+mn-ea"/>
-                <a:cs typeface="+mn-cs"/>
-              </a:rPr>
-              <a:t>{k}(\</a:t>
-            </a:r>
-            <a:r>
-              <a:rPr lang="en-US" sz="1200" kern="1200" dirty="0" err="1" smtClean="0">
-                <a:solidFill>
-                  <a:schemeClr val="tx1"/>
-                </a:solidFill>
-                <a:effectLst/>
-                <a:latin typeface="+mn-lt"/>
-                <a:ea typeface="+mn-ea"/>
-                <a:cs typeface="+mn-cs"/>
-              </a:rPr>
-              <a:t>vec</a:t>
-            </a:r>
-            <a:r>
-              <a:rPr lang="en-US" sz="1200" kern="1200" dirty="0" smtClean="0">
-                <a:solidFill>
-                  <a:schemeClr val="tx1"/>
-                </a:solidFill>
-                <a:effectLst/>
-                <a:latin typeface="+mn-lt"/>
-                <a:ea typeface="+mn-ea"/>
-                <a:cs typeface="+mn-cs"/>
-              </a:rPr>
-              <a:t>{\rho}\,)\</a:t>
-            </a:r>
-            <a:r>
-              <a:rPr lang="en-US" sz="1200" kern="1200" dirty="0" err="1" smtClean="0">
-                <a:solidFill>
-                  <a:schemeClr val="tx1"/>
-                </a:solidFill>
-                <a:effectLst/>
-                <a:latin typeface="+mn-lt"/>
-                <a:ea typeface="+mn-ea"/>
-                <a:cs typeface="+mn-cs"/>
-              </a:rPr>
-              <a:t>cdot</a:t>
-            </a:r>
-            <a:r>
-              <a:rPr lang="en-US" sz="1200" kern="1200" dirty="0" smtClean="0">
-                <a:solidFill>
-                  <a:schemeClr val="tx1"/>
-                </a:solidFill>
-                <a:effectLst/>
-                <a:latin typeface="+mn-lt"/>
-                <a:ea typeface="+mn-ea"/>
-                <a:cs typeface="+mn-cs"/>
-              </a:rPr>
-              <a:t> (\</a:t>
-            </a:r>
-            <a:r>
-              <a:rPr lang="en-US" sz="1200" kern="1200" dirty="0" err="1" smtClean="0">
-                <a:solidFill>
-                  <a:schemeClr val="tx1"/>
-                </a:solidFill>
-                <a:effectLst/>
-                <a:latin typeface="+mn-lt"/>
-                <a:ea typeface="+mn-ea"/>
-                <a:cs typeface="+mn-cs"/>
-              </a:rPr>
-              <a:t>vec</a:t>
-            </a:r>
-            <a:r>
-              <a:rPr lang="en-US" sz="1200" kern="1200" dirty="0" smtClean="0">
-                <a:solidFill>
-                  <a:schemeClr val="tx1"/>
-                </a:solidFill>
-                <a:effectLst/>
-                <a:latin typeface="+mn-lt"/>
-                <a:ea typeface="+mn-ea"/>
-                <a:cs typeface="+mn-cs"/>
-              </a:rPr>
-              <a:t>{r}-\</a:t>
-            </a:r>
-            <a:r>
-              <a:rPr lang="en-US" sz="1200" kern="1200" dirty="0" err="1" smtClean="0">
-                <a:solidFill>
-                  <a:schemeClr val="tx1"/>
-                </a:solidFill>
-                <a:effectLst/>
-                <a:latin typeface="+mn-lt"/>
-                <a:ea typeface="+mn-ea"/>
-                <a:cs typeface="+mn-cs"/>
-              </a:rPr>
-              <a:t>vec</a:t>
-            </a:r>
-            <a:r>
-              <a:rPr lang="en-US" sz="1200" kern="1200" dirty="0" smtClean="0">
-                <a:solidFill>
-                  <a:schemeClr val="tx1"/>
-                </a:solidFill>
-                <a:effectLst/>
-                <a:latin typeface="+mn-lt"/>
-                <a:ea typeface="+mn-ea"/>
-                <a:cs typeface="+mn-cs"/>
-              </a:rPr>
-              <a:t>{r}_0)\right)}\\</a:t>
-            </a:r>
-          </a:p>
-          <a:p>
-            <a:r>
-              <a:rPr lang="en-US" sz="1200" kern="1200" dirty="0" smtClean="0">
-                <a:solidFill>
-                  <a:schemeClr val="tx1"/>
-                </a:solidFill>
-                <a:effectLst/>
-                <a:latin typeface="+mn-lt"/>
-                <a:ea typeface="+mn-ea"/>
-                <a:cs typeface="+mn-cs"/>
-              </a:rPr>
-              <a:t>\</a:t>
-            </a:r>
-            <a:r>
-              <a:rPr lang="en-US" sz="1200" kern="1200" dirty="0" err="1" smtClean="0">
-                <a:solidFill>
-                  <a:schemeClr val="tx1"/>
-                </a:solidFill>
-                <a:effectLst/>
-                <a:latin typeface="+mn-lt"/>
-                <a:ea typeface="+mn-ea"/>
-                <a:cs typeface="+mn-cs"/>
-              </a:rPr>
-              <a:t>frac</a:t>
-            </a:r>
-            <a:r>
-              <a:rPr lang="en-US" sz="1200" kern="1200" dirty="0" smtClean="0">
-                <a:solidFill>
-                  <a:schemeClr val="tx1"/>
-                </a:solidFill>
-                <a:effectLst/>
-                <a:latin typeface="+mn-lt"/>
-                <a:ea typeface="+mn-ea"/>
-                <a:cs typeface="+mn-cs"/>
-              </a:rPr>
-              <a:t>{\partial w(\</a:t>
-            </a:r>
-            <a:r>
-              <a:rPr lang="en-US" sz="1200" kern="1200" dirty="0" err="1" smtClean="0">
-                <a:solidFill>
-                  <a:schemeClr val="tx1"/>
-                </a:solidFill>
-                <a:effectLst/>
-                <a:latin typeface="+mn-lt"/>
-                <a:ea typeface="+mn-ea"/>
-                <a:cs typeface="+mn-cs"/>
-              </a:rPr>
-              <a:t>vec</a:t>
-            </a:r>
-            <a:r>
-              <a:rPr lang="en-US" sz="1200" kern="1200" dirty="0" smtClean="0">
-                <a:solidFill>
-                  <a:schemeClr val="tx1"/>
-                </a:solidFill>
-                <a:effectLst/>
-                <a:latin typeface="+mn-lt"/>
-                <a:ea typeface="+mn-ea"/>
-                <a:cs typeface="+mn-cs"/>
-              </a:rPr>
-              <a:t>{r}-\</a:t>
-            </a:r>
-            <a:r>
-              <a:rPr lang="en-US" sz="1200" kern="1200" dirty="0" err="1" smtClean="0">
-                <a:solidFill>
-                  <a:schemeClr val="tx1"/>
-                </a:solidFill>
-                <a:effectLst/>
-                <a:latin typeface="+mn-lt"/>
-                <a:ea typeface="+mn-ea"/>
-                <a:cs typeface="+mn-cs"/>
-              </a:rPr>
-              <a:t>vec</a:t>
-            </a:r>
-            <a:r>
-              <a:rPr lang="en-US" sz="1200" kern="1200" dirty="0" smtClean="0">
-                <a:solidFill>
-                  <a:schemeClr val="tx1"/>
-                </a:solidFill>
-                <a:effectLst/>
-                <a:latin typeface="+mn-lt"/>
-                <a:ea typeface="+mn-ea"/>
-                <a:cs typeface="+mn-cs"/>
-              </a:rPr>
-              <a:t>{r}_0)}{\partial \lambda}&amp;=-\</a:t>
-            </a:r>
-            <a:r>
-              <a:rPr lang="en-US" sz="1200" kern="1200" dirty="0" err="1" smtClean="0">
-                <a:solidFill>
-                  <a:schemeClr val="tx1"/>
-                </a:solidFill>
-                <a:effectLst/>
-                <a:latin typeface="+mn-lt"/>
-                <a:ea typeface="+mn-ea"/>
-                <a:cs typeface="+mn-cs"/>
-              </a:rPr>
-              <a:t>frac</a:t>
-            </a:r>
-            <a:r>
-              <a:rPr lang="en-US" sz="1200" kern="1200" dirty="0" smtClean="0">
-                <a:solidFill>
-                  <a:schemeClr val="tx1"/>
-                </a:solidFill>
-                <a:effectLst/>
-                <a:latin typeface="+mn-lt"/>
-                <a:ea typeface="+mn-ea"/>
-                <a:cs typeface="+mn-cs"/>
-              </a:rPr>
-              <a:t>{2\pi </a:t>
-            </a:r>
-            <a:r>
-              <a:rPr lang="en-US" sz="1200" kern="1200" dirty="0" err="1" smtClean="0">
-                <a:solidFill>
-                  <a:schemeClr val="tx1"/>
-                </a:solidFill>
-                <a:effectLst/>
-                <a:latin typeface="+mn-lt"/>
-                <a:ea typeface="+mn-ea"/>
-                <a:cs typeface="+mn-cs"/>
-              </a:rPr>
-              <a:t>i</a:t>
-            </a:r>
-            <a:r>
-              <a:rPr lang="en-US" sz="1200" kern="1200" dirty="0" smtClean="0">
-                <a:solidFill>
-                  <a:schemeClr val="tx1"/>
-                </a:solidFill>
-                <a:effectLst/>
-                <a:latin typeface="+mn-lt"/>
-                <a:ea typeface="+mn-ea"/>
-                <a:cs typeface="+mn-cs"/>
-              </a:rPr>
-              <a:t>}{</a:t>
-            </a:r>
-            <a:r>
-              <a:rPr lang="en-US" sz="1200" kern="1200" dirty="0" err="1" smtClean="0">
-                <a:solidFill>
-                  <a:schemeClr val="tx1"/>
-                </a:solidFill>
-                <a:effectLst/>
-                <a:latin typeface="+mn-lt"/>
-                <a:ea typeface="+mn-ea"/>
-                <a:cs typeface="+mn-cs"/>
-              </a:rPr>
-              <a:t>w_n</a:t>
-            </a:r>
-            <a:r>
-              <a:rPr lang="en-US" sz="1200" kern="1200" dirty="0" smtClean="0">
-                <a:solidFill>
-                  <a:schemeClr val="tx1"/>
-                </a:solidFill>
-                <a:effectLst/>
-                <a:latin typeface="+mn-lt"/>
-                <a:ea typeface="+mn-ea"/>
-                <a:cs typeface="+mn-cs"/>
-              </a:rPr>
-              <a:t> \lambda ^2}\</a:t>
-            </a:r>
-            <a:r>
-              <a:rPr lang="en-US" sz="1200" kern="1200" dirty="0" err="1" smtClean="0">
-                <a:solidFill>
-                  <a:schemeClr val="tx1"/>
-                </a:solidFill>
-                <a:effectLst/>
-                <a:latin typeface="+mn-lt"/>
-                <a:ea typeface="+mn-ea"/>
-                <a:cs typeface="+mn-cs"/>
-              </a:rPr>
-              <a:t>int</a:t>
-            </a:r>
-            <a:r>
-              <a:rPr lang="en-US" sz="1200" kern="1200" dirty="0" smtClean="0">
-                <a:solidFill>
-                  <a:schemeClr val="tx1"/>
-                </a:solidFill>
-                <a:effectLst/>
-                <a:latin typeface="+mn-lt"/>
-                <a:ea typeface="+mn-ea"/>
-                <a:cs typeface="+mn-cs"/>
-              </a:rPr>
-              <a:t>_{|\</a:t>
-            </a:r>
-            <a:r>
-              <a:rPr lang="en-US" sz="1200" kern="1200" dirty="0" err="1" smtClean="0">
-                <a:solidFill>
-                  <a:schemeClr val="tx1"/>
-                </a:solidFill>
-                <a:effectLst/>
-                <a:latin typeface="+mn-lt"/>
-                <a:ea typeface="+mn-ea"/>
-                <a:cs typeface="+mn-cs"/>
-              </a:rPr>
-              <a:t>vec</a:t>
-            </a:r>
-            <a:r>
-              <a:rPr lang="en-US" sz="1200" kern="1200" dirty="0" smtClean="0">
-                <a:solidFill>
-                  <a:schemeClr val="tx1"/>
-                </a:solidFill>
-                <a:effectLst/>
-                <a:latin typeface="+mn-lt"/>
-                <a:ea typeface="+mn-ea"/>
-                <a:cs typeface="+mn-cs"/>
-              </a:rPr>
-              <a:t>{\rho}\,|\</a:t>
-            </a:r>
-            <a:r>
-              <a:rPr lang="en-US" sz="1200" kern="1200" dirty="0" err="1" smtClean="0">
-                <a:solidFill>
-                  <a:schemeClr val="tx1"/>
-                </a:solidFill>
-                <a:effectLst/>
-                <a:latin typeface="+mn-lt"/>
-                <a:ea typeface="+mn-ea"/>
-                <a:cs typeface="+mn-cs"/>
-              </a:rPr>
-              <a:t>leq</a:t>
-            </a:r>
-            <a:r>
-              <a:rPr lang="en-US" sz="1200" kern="1200" dirty="0" smtClean="0">
-                <a:solidFill>
-                  <a:schemeClr val="tx1"/>
-                </a:solidFill>
-                <a:effectLst/>
-                <a:latin typeface="+mn-lt"/>
-                <a:ea typeface="+mn-ea"/>
-                <a:cs typeface="+mn-cs"/>
-              </a:rPr>
-              <a:t> 1}{d^2\rho A(\</a:t>
-            </a:r>
-            <a:r>
-              <a:rPr lang="en-US" sz="1200" kern="1200" dirty="0" err="1" smtClean="0">
-                <a:solidFill>
-                  <a:schemeClr val="tx1"/>
-                </a:solidFill>
-                <a:effectLst/>
-                <a:latin typeface="+mn-lt"/>
-                <a:ea typeface="+mn-ea"/>
-                <a:cs typeface="+mn-cs"/>
-              </a:rPr>
-              <a:t>vec</a:t>
-            </a:r>
-            <a:r>
-              <a:rPr lang="en-US" sz="1200" kern="1200" dirty="0" smtClean="0">
-                <a:solidFill>
-                  <a:schemeClr val="tx1"/>
-                </a:solidFill>
-                <a:effectLst/>
-                <a:latin typeface="+mn-lt"/>
-                <a:ea typeface="+mn-ea"/>
-                <a:cs typeface="+mn-cs"/>
-              </a:rPr>
-              <a:t>{\rho}\,)\</a:t>
-            </a:r>
-            <a:r>
-              <a:rPr lang="en-US" sz="1200" kern="1200" dirty="0" err="1" smtClean="0">
-                <a:solidFill>
-                  <a:schemeClr val="tx1"/>
-                </a:solidFill>
-                <a:effectLst/>
-                <a:latin typeface="+mn-lt"/>
-                <a:ea typeface="+mn-ea"/>
-                <a:cs typeface="+mn-cs"/>
-              </a:rPr>
-              <a:t>exp</a:t>
-            </a:r>
-            <a:r>
-              <a:rPr lang="en-US" sz="1200" kern="1200" dirty="0" smtClean="0">
-                <a:solidFill>
-                  <a:schemeClr val="tx1"/>
-                </a:solidFill>
-                <a:effectLst/>
-                <a:latin typeface="+mn-lt"/>
-                <a:ea typeface="+mn-ea"/>
-                <a:cs typeface="+mn-cs"/>
-              </a:rPr>
-              <a:t>{\left(\</a:t>
-            </a:r>
-            <a:r>
-              <a:rPr lang="en-US" sz="1200" kern="1200" dirty="0" err="1" smtClean="0">
-                <a:solidFill>
-                  <a:schemeClr val="tx1"/>
-                </a:solidFill>
-                <a:effectLst/>
-                <a:latin typeface="+mn-lt"/>
-                <a:ea typeface="+mn-ea"/>
-                <a:cs typeface="+mn-cs"/>
-              </a:rPr>
-              <a:t>frac</a:t>
-            </a:r>
-            <a:r>
-              <a:rPr lang="en-US" sz="1200" kern="1200" dirty="0" smtClean="0">
-                <a:solidFill>
-                  <a:schemeClr val="tx1"/>
-                </a:solidFill>
-                <a:effectLst/>
-                <a:latin typeface="+mn-lt"/>
-                <a:ea typeface="+mn-ea"/>
-                <a:cs typeface="+mn-cs"/>
-              </a:rPr>
-              <a:t>{2\pi </a:t>
-            </a:r>
-            <a:r>
-              <a:rPr lang="en-US" sz="1200" kern="1200" dirty="0" err="1" smtClean="0">
-                <a:solidFill>
-                  <a:schemeClr val="tx1"/>
-                </a:solidFill>
-                <a:effectLst/>
-                <a:latin typeface="+mn-lt"/>
-                <a:ea typeface="+mn-ea"/>
-                <a:cs typeface="+mn-cs"/>
-              </a:rPr>
-              <a:t>i</a:t>
-            </a:r>
-            <a:r>
-              <a:rPr lang="en-US" sz="1200" kern="1200" dirty="0" smtClean="0">
-                <a:solidFill>
-                  <a:schemeClr val="tx1"/>
-                </a:solidFill>
-                <a:effectLst/>
-                <a:latin typeface="+mn-lt"/>
-                <a:ea typeface="+mn-ea"/>
-                <a:cs typeface="+mn-cs"/>
-              </a:rPr>
-              <a:t> W(\</a:t>
-            </a:r>
-            <a:r>
-              <a:rPr lang="en-US" sz="1200" kern="1200" dirty="0" err="1" smtClean="0">
-                <a:solidFill>
-                  <a:schemeClr val="tx1"/>
-                </a:solidFill>
-                <a:effectLst/>
-                <a:latin typeface="+mn-lt"/>
-                <a:ea typeface="+mn-ea"/>
-                <a:cs typeface="+mn-cs"/>
-              </a:rPr>
-              <a:t>vec</a:t>
-            </a:r>
-            <a:r>
-              <a:rPr lang="en-US" sz="1200" kern="1200" dirty="0" smtClean="0">
-                <a:solidFill>
-                  <a:schemeClr val="tx1"/>
-                </a:solidFill>
-                <a:effectLst/>
-                <a:latin typeface="+mn-lt"/>
-                <a:ea typeface="+mn-ea"/>
-                <a:cs typeface="+mn-cs"/>
-              </a:rPr>
-              <a:t>{\rho}\,)}{\lambda}\right)}}q(\</a:t>
-            </a:r>
-            <a:r>
-              <a:rPr lang="en-US" sz="1200" kern="1200" dirty="0" err="1" smtClean="0">
-                <a:solidFill>
-                  <a:schemeClr val="tx1"/>
-                </a:solidFill>
-                <a:effectLst/>
-                <a:latin typeface="+mn-lt"/>
-                <a:ea typeface="+mn-ea"/>
-                <a:cs typeface="+mn-cs"/>
-              </a:rPr>
-              <a:t>vec</a:t>
-            </a:r>
-            <a:r>
-              <a:rPr lang="en-US" sz="1200" kern="1200" dirty="0" smtClean="0">
-                <a:solidFill>
-                  <a:schemeClr val="tx1"/>
-                </a:solidFill>
-                <a:effectLst/>
-                <a:latin typeface="+mn-lt"/>
-                <a:ea typeface="+mn-ea"/>
-                <a:cs typeface="+mn-cs"/>
-              </a:rPr>
-              <a:t>{\rho}\,)W(\</a:t>
-            </a:r>
-            <a:r>
-              <a:rPr lang="en-US" sz="1200" kern="1200" dirty="0" err="1" smtClean="0">
-                <a:solidFill>
-                  <a:schemeClr val="tx1"/>
-                </a:solidFill>
-                <a:effectLst/>
-                <a:latin typeface="+mn-lt"/>
-                <a:ea typeface="+mn-ea"/>
-                <a:cs typeface="+mn-cs"/>
-              </a:rPr>
-              <a:t>vec</a:t>
-            </a:r>
-            <a:r>
-              <a:rPr lang="en-US" sz="1200" kern="1200" dirty="0" smtClean="0">
-                <a:solidFill>
-                  <a:schemeClr val="tx1"/>
-                </a:solidFill>
-                <a:effectLst/>
-                <a:latin typeface="+mn-lt"/>
-                <a:ea typeface="+mn-ea"/>
-                <a:cs typeface="+mn-cs"/>
-              </a:rPr>
-              <a:t>{\rho}\,)\</a:t>
-            </a:r>
-            <a:r>
-              <a:rPr lang="en-US" sz="1200" kern="1200" dirty="0" err="1" smtClean="0">
-                <a:solidFill>
-                  <a:schemeClr val="tx1"/>
-                </a:solidFill>
-                <a:effectLst/>
-                <a:latin typeface="+mn-lt"/>
-                <a:ea typeface="+mn-ea"/>
-                <a:cs typeface="+mn-cs"/>
-              </a:rPr>
-              <a:t>exp</a:t>
-            </a:r>
-            <a:r>
-              <a:rPr lang="en-US" sz="1200" kern="1200" dirty="0" smtClean="0">
-                <a:solidFill>
-                  <a:schemeClr val="tx1"/>
-                </a:solidFill>
-                <a:effectLst/>
-                <a:latin typeface="+mn-lt"/>
-                <a:ea typeface="+mn-ea"/>
-                <a:cs typeface="+mn-cs"/>
-              </a:rPr>
-              <a:t>{\left(-</a:t>
-            </a:r>
-            <a:r>
-              <a:rPr lang="en-US" sz="1200" kern="1200" dirty="0" err="1" smtClean="0">
-                <a:solidFill>
-                  <a:schemeClr val="tx1"/>
-                </a:solidFill>
-                <a:effectLst/>
-                <a:latin typeface="+mn-lt"/>
-                <a:ea typeface="+mn-ea"/>
-                <a:cs typeface="+mn-cs"/>
-              </a:rPr>
-              <a:t>i</a:t>
-            </a:r>
-            <a:r>
-              <a:rPr lang="en-US" sz="1200" kern="1200" dirty="0" smtClean="0">
-                <a:solidFill>
-                  <a:schemeClr val="tx1"/>
-                </a:solidFill>
-                <a:effectLst/>
-                <a:latin typeface="+mn-lt"/>
-                <a:ea typeface="+mn-ea"/>
-                <a:cs typeface="+mn-cs"/>
-              </a:rPr>
-              <a:t> \</a:t>
-            </a:r>
-            <a:r>
-              <a:rPr lang="en-US" sz="1200" kern="1200" dirty="0" err="1" smtClean="0">
-                <a:solidFill>
-                  <a:schemeClr val="tx1"/>
-                </a:solidFill>
-                <a:effectLst/>
-                <a:latin typeface="+mn-lt"/>
-                <a:ea typeface="+mn-ea"/>
-                <a:cs typeface="+mn-cs"/>
-              </a:rPr>
-              <a:t>vec</a:t>
-            </a:r>
-            <a:r>
-              <a:rPr lang="en-US" sz="1200" kern="1200" dirty="0" smtClean="0">
-                <a:solidFill>
-                  <a:schemeClr val="tx1"/>
-                </a:solidFill>
-                <a:effectLst/>
-                <a:latin typeface="+mn-lt"/>
-                <a:ea typeface="+mn-ea"/>
-                <a:cs typeface="+mn-cs"/>
-              </a:rPr>
-              <a:t>{k}(\</a:t>
-            </a:r>
-            <a:r>
-              <a:rPr lang="en-US" sz="1200" kern="1200" dirty="0" err="1" smtClean="0">
-                <a:solidFill>
-                  <a:schemeClr val="tx1"/>
-                </a:solidFill>
-                <a:effectLst/>
-                <a:latin typeface="+mn-lt"/>
-                <a:ea typeface="+mn-ea"/>
-                <a:cs typeface="+mn-cs"/>
-              </a:rPr>
-              <a:t>vec</a:t>
-            </a:r>
-            <a:r>
-              <a:rPr lang="en-US" sz="1200" kern="1200" dirty="0" smtClean="0">
-                <a:solidFill>
-                  <a:schemeClr val="tx1"/>
-                </a:solidFill>
-                <a:effectLst/>
-                <a:latin typeface="+mn-lt"/>
-                <a:ea typeface="+mn-ea"/>
-                <a:cs typeface="+mn-cs"/>
-              </a:rPr>
-              <a:t>{\rho}\,)\</a:t>
-            </a:r>
-            <a:r>
-              <a:rPr lang="en-US" sz="1200" kern="1200" dirty="0" err="1" smtClean="0">
-                <a:solidFill>
-                  <a:schemeClr val="tx1"/>
-                </a:solidFill>
-                <a:effectLst/>
-                <a:latin typeface="+mn-lt"/>
-                <a:ea typeface="+mn-ea"/>
-                <a:cs typeface="+mn-cs"/>
-              </a:rPr>
-              <a:t>cdot</a:t>
-            </a:r>
-            <a:r>
-              <a:rPr lang="en-US" sz="1200" kern="1200" dirty="0" smtClean="0">
-                <a:solidFill>
-                  <a:schemeClr val="tx1"/>
-                </a:solidFill>
-                <a:effectLst/>
-                <a:latin typeface="+mn-lt"/>
-                <a:ea typeface="+mn-ea"/>
-                <a:cs typeface="+mn-cs"/>
-              </a:rPr>
-              <a:t> (\</a:t>
-            </a:r>
-            <a:r>
-              <a:rPr lang="en-US" sz="1200" kern="1200" dirty="0" err="1" smtClean="0">
-                <a:solidFill>
-                  <a:schemeClr val="tx1"/>
-                </a:solidFill>
-                <a:effectLst/>
-                <a:latin typeface="+mn-lt"/>
-                <a:ea typeface="+mn-ea"/>
-                <a:cs typeface="+mn-cs"/>
-              </a:rPr>
-              <a:t>vec</a:t>
-            </a:r>
-            <a:r>
-              <a:rPr lang="en-US" sz="1200" kern="1200" dirty="0" smtClean="0">
-                <a:solidFill>
-                  <a:schemeClr val="tx1"/>
-                </a:solidFill>
-                <a:effectLst/>
-                <a:latin typeface="+mn-lt"/>
-                <a:ea typeface="+mn-ea"/>
-                <a:cs typeface="+mn-cs"/>
-              </a:rPr>
-              <a:t>{r}-\</a:t>
-            </a:r>
-            <a:r>
-              <a:rPr lang="en-US" sz="1200" kern="1200" dirty="0" err="1" smtClean="0">
-                <a:solidFill>
-                  <a:schemeClr val="tx1"/>
-                </a:solidFill>
-                <a:effectLst/>
-                <a:latin typeface="+mn-lt"/>
-                <a:ea typeface="+mn-ea"/>
-                <a:cs typeface="+mn-cs"/>
-              </a:rPr>
-              <a:t>vec</a:t>
-            </a:r>
-            <a:r>
-              <a:rPr lang="en-US" sz="1200" kern="1200" dirty="0" smtClean="0">
-                <a:solidFill>
-                  <a:schemeClr val="tx1"/>
-                </a:solidFill>
-                <a:effectLst/>
-                <a:latin typeface="+mn-lt"/>
-                <a:ea typeface="+mn-ea"/>
-                <a:cs typeface="+mn-cs"/>
-              </a:rPr>
-              <a:t>{r}_0)\right)}\\</a:t>
-            </a:r>
-          </a:p>
-          <a:p>
-            <a:r>
-              <a:rPr lang="en-US" sz="1200" kern="1200" dirty="0" smtClean="0">
-                <a:solidFill>
-                  <a:schemeClr val="tx1"/>
-                </a:solidFill>
-                <a:effectLst/>
-                <a:latin typeface="+mn-lt"/>
-                <a:ea typeface="+mn-ea"/>
-                <a:cs typeface="+mn-cs"/>
-              </a:rPr>
-              <a:t>&amp;+\</a:t>
-            </a:r>
-            <a:r>
-              <a:rPr lang="en-US" sz="1200" kern="1200" dirty="0" err="1" smtClean="0">
-                <a:solidFill>
-                  <a:schemeClr val="tx1"/>
-                </a:solidFill>
-                <a:effectLst/>
-                <a:latin typeface="+mn-lt"/>
-                <a:ea typeface="+mn-ea"/>
-                <a:cs typeface="+mn-cs"/>
-              </a:rPr>
-              <a:t>frac</a:t>
-            </a:r>
-            <a:r>
-              <a:rPr lang="en-US" sz="1200" kern="1200" dirty="0" smtClean="0">
-                <a:solidFill>
-                  <a:schemeClr val="tx1"/>
-                </a:solidFill>
-                <a:effectLst/>
-                <a:latin typeface="+mn-lt"/>
-                <a:ea typeface="+mn-ea"/>
-                <a:cs typeface="+mn-cs"/>
-              </a:rPr>
-              <a:t>{1}{\lambda}(\</a:t>
-            </a:r>
-            <a:r>
-              <a:rPr lang="en-US" sz="1200" kern="1200" dirty="0" err="1" smtClean="0">
-                <a:solidFill>
-                  <a:schemeClr val="tx1"/>
-                </a:solidFill>
-                <a:effectLst/>
-                <a:latin typeface="+mn-lt"/>
-                <a:ea typeface="+mn-ea"/>
-                <a:cs typeface="+mn-cs"/>
-              </a:rPr>
-              <a:t>vec</a:t>
-            </a:r>
-            <a:r>
-              <a:rPr lang="en-US" sz="1200" kern="1200" dirty="0" smtClean="0">
-                <a:solidFill>
-                  <a:schemeClr val="tx1"/>
-                </a:solidFill>
-                <a:effectLst/>
-                <a:latin typeface="+mn-lt"/>
-                <a:ea typeface="+mn-ea"/>
-                <a:cs typeface="+mn-cs"/>
-              </a:rPr>
-              <a:t>{r}-\</a:t>
-            </a:r>
-            <a:r>
-              <a:rPr lang="en-US" sz="1200" kern="1200" dirty="0" err="1" smtClean="0">
-                <a:solidFill>
-                  <a:schemeClr val="tx1"/>
-                </a:solidFill>
-                <a:effectLst/>
-                <a:latin typeface="+mn-lt"/>
-                <a:ea typeface="+mn-ea"/>
-                <a:cs typeface="+mn-cs"/>
-              </a:rPr>
-              <a:t>vec</a:t>
-            </a:r>
-            <a:r>
-              <a:rPr lang="en-US" sz="1200" kern="1200" dirty="0" smtClean="0">
-                <a:solidFill>
-                  <a:schemeClr val="tx1"/>
-                </a:solidFill>
-                <a:effectLst/>
-                <a:latin typeface="+mn-lt"/>
-                <a:ea typeface="+mn-ea"/>
-                <a:cs typeface="+mn-cs"/>
-              </a:rPr>
-              <a:t>{r}_0)\</a:t>
-            </a:r>
-            <a:r>
-              <a:rPr lang="en-US" sz="1200" kern="1200" dirty="0" err="1" smtClean="0">
-                <a:solidFill>
-                  <a:schemeClr val="tx1"/>
-                </a:solidFill>
-                <a:effectLst/>
-                <a:latin typeface="+mn-lt"/>
-                <a:ea typeface="+mn-ea"/>
-                <a:cs typeface="+mn-cs"/>
-              </a:rPr>
-              <a:t>cdot</a:t>
-            </a:r>
-            <a:r>
-              <a:rPr lang="en-US" sz="1200" kern="1200" dirty="0" smtClean="0">
-                <a:solidFill>
-                  <a:schemeClr val="tx1"/>
-                </a:solidFill>
-                <a:effectLst/>
-                <a:latin typeface="+mn-lt"/>
-                <a:ea typeface="+mn-ea"/>
-                <a:cs typeface="+mn-cs"/>
-              </a:rPr>
-              <a:t>\</a:t>
-            </a:r>
-            <a:r>
-              <a:rPr lang="en-US" sz="1200" kern="1200" dirty="0" err="1" smtClean="0">
-                <a:solidFill>
-                  <a:schemeClr val="tx1"/>
-                </a:solidFill>
-                <a:effectLst/>
-                <a:latin typeface="+mn-lt"/>
-                <a:ea typeface="+mn-ea"/>
-                <a:cs typeface="+mn-cs"/>
-              </a:rPr>
-              <a:t>frac</a:t>
-            </a:r>
-            <a:r>
-              <a:rPr lang="en-US" sz="1200" kern="1200" dirty="0" smtClean="0">
-                <a:solidFill>
-                  <a:schemeClr val="tx1"/>
-                </a:solidFill>
-                <a:effectLst/>
-                <a:latin typeface="+mn-lt"/>
-                <a:ea typeface="+mn-ea"/>
-                <a:cs typeface="+mn-cs"/>
-              </a:rPr>
-              <a:t>{\partial w(\</a:t>
-            </a:r>
-            <a:r>
-              <a:rPr lang="en-US" sz="1200" kern="1200" dirty="0" err="1" smtClean="0">
-                <a:solidFill>
-                  <a:schemeClr val="tx1"/>
-                </a:solidFill>
-                <a:effectLst/>
-                <a:latin typeface="+mn-lt"/>
-                <a:ea typeface="+mn-ea"/>
-                <a:cs typeface="+mn-cs"/>
-              </a:rPr>
-              <a:t>vec</a:t>
-            </a:r>
-            <a:r>
-              <a:rPr lang="en-US" sz="1200" kern="1200" dirty="0" smtClean="0">
-                <a:solidFill>
-                  <a:schemeClr val="tx1"/>
-                </a:solidFill>
-                <a:effectLst/>
-                <a:latin typeface="+mn-lt"/>
-                <a:ea typeface="+mn-ea"/>
-                <a:cs typeface="+mn-cs"/>
-              </a:rPr>
-              <a:t>{r}-\</a:t>
-            </a:r>
-            <a:r>
-              <a:rPr lang="en-US" sz="1200" kern="1200" dirty="0" err="1" smtClean="0">
-                <a:solidFill>
-                  <a:schemeClr val="tx1"/>
-                </a:solidFill>
-                <a:effectLst/>
-                <a:latin typeface="+mn-lt"/>
-                <a:ea typeface="+mn-ea"/>
-                <a:cs typeface="+mn-cs"/>
-              </a:rPr>
-              <a:t>vec</a:t>
-            </a:r>
-            <a:r>
-              <a:rPr lang="en-US" sz="1200" kern="1200" dirty="0" smtClean="0">
-                <a:solidFill>
-                  <a:schemeClr val="tx1"/>
-                </a:solidFill>
-                <a:effectLst/>
-                <a:latin typeface="+mn-lt"/>
-                <a:ea typeface="+mn-ea"/>
-                <a:cs typeface="+mn-cs"/>
-              </a:rPr>
-              <a:t>{r}_0)}{\partial x_0}</a:t>
-            </a:r>
-          </a:p>
-          <a:p>
-            <a:r>
-              <a:rPr lang="en-US" sz="1200" kern="1200" dirty="0" smtClean="0">
-                <a:solidFill>
-                  <a:schemeClr val="tx1"/>
-                </a:solidFill>
-                <a:effectLst/>
-                <a:latin typeface="+mn-lt"/>
-                <a:ea typeface="+mn-ea"/>
-                <a:cs typeface="+mn-cs"/>
-              </a:rPr>
-              <a:t>\end{align*}</a:t>
-            </a:r>
           </a:p>
         </p:txBody>
       </p:sp>
@@ -26167,6 +23674,2954 @@
             <a:fld id="{67A0A248-3994-AF48-87A7-DFFBD6C3B103}" type="slidenum">
               <a:rPr lang="en-US" smtClean="0"/>
               <a:t>31</a:t>
+            </a:fld>
+            <a:endParaRPr lang="en-US"/>
+          </a:p>
+        </p:txBody>
+      </p:sp>
+    </p:spTree>
+    <p:extLst>
+      <p:ext uri="{BB962C8B-B14F-4D97-AF65-F5344CB8AC3E}">
+        <p14:creationId xmlns:p14="http://schemas.microsoft.com/office/powerpoint/2010/main" val="2072709914"/>
+      </p:ext>
+    </p:extLst>
+  </p:cSld>
+  <p:clrMapOvr>
+    <a:masterClrMapping/>
+  </p:clrMapOvr>
+</p:notes>
+</file>
+
+<file path=ppt/notesSlides/notesSlide26.xml><?xml version="1.0" encoding="utf-8"?>
+<p:notes xmlns:a="http://schemas.openxmlformats.org/drawingml/2006/main" xmlns:r="http://schemas.openxmlformats.org/officeDocument/2006/relationships" xmlns:p="http://schemas.openxmlformats.org/presentationml/2006/main">
+  <p:cSld>
+    <p:spTree>
+      <p:nvGrpSpPr>
+        <p:cNvPr id="1" name=""/>
+        <p:cNvGrpSpPr/>
+        <p:nvPr/>
+      </p:nvGrpSpPr>
+      <p:grpSpPr>
+        <a:xfrm>
+          <a:off x="0" y="0"/>
+          <a:ext cx="0" cy="0"/>
+          <a:chOff x="0" y="0"/>
+          <a:chExt cx="0" cy="0"/>
+        </a:xfrm>
+      </p:grpSpPr>
+      <p:sp>
+        <p:nvSpPr>
+          <p:cNvPr id="2" name="Slide Image Placeholder 1"/>
+          <p:cNvSpPr>
+            <a:spLocks noGrp="1" noRot="1" noChangeAspect="1"/>
+          </p:cNvSpPr>
+          <p:nvPr>
+            <p:ph type="sldImg"/>
+          </p:nvPr>
+        </p:nvSpPr>
+        <p:spPr/>
+      </p:sp>
+      <p:sp>
+        <p:nvSpPr>
+          <p:cNvPr id="3" name="Notes Placeholder 2"/>
+          <p:cNvSpPr>
+            <a:spLocks noGrp="1"/>
+          </p:cNvSpPr>
+          <p:nvPr>
+            <p:ph type="body" idx="1"/>
+          </p:nvPr>
+        </p:nvSpPr>
+        <p:spPr/>
+        <p:txBody>
+          <a:bodyPr/>
+          <a:lstStyle/>
+          <a:p>
+            <a:r>
+              <a:rPr lang="en-US" sz="1200" kern="1200" dirty="0" smtClean="0">
+                <a:solidFill>
+                  <a:schemeClr val="tx1"/>
+                </a:solidFill>
+                <a:effectLst/>
+                <a:latin typeface="+mn-lt"/>
+                <a:ea typeface="+mn-ea"/>
+                <a:cs typeface="+mn-cs"/>
+              </a:rPr>
+              <a:t>\begin{gather*}</a:t>
+            </a:r>
+          </a:p>
+          <a:p>
+            <a:r>
+              <a:rPr lang="en-US" sz="1200" kern="1200" dirty="0" smtClean="0">
+                <a:solidFill>
+                  <a:schemeClr val="tx1"/>
+                </a:solidFill>
+                <a:effectLst/>
+                <a:latin typeface="+mn-lt"/>
+                <a:ea typeface="+mn-ea"/>
+                <a:cs typeface="+mn-cs"/>
+              </a:rPr>
+              <a:t>w(\</a:t>
+            </a:r>
+            <a:r>
+              <a:rPr lang="en-US" sz="1200" kern="1200" dirty="0" err="1" smtClean="0">
+                <a:solidFill>
+                  <a:schemeClr val="tx1"/>
+                </a:solidFill>
+                <a:effectLst/>
+                <a:latin typeface="+mn-lt"/>
+                <a:ea typeface="+mn-ea"/>
+                <a:cs typeface="+mn-cs"/>
+              </a:rPr>
+              <a:t>vec</a:t>
+            </a:r>
+            <a:r>
+              <a:rPr lang="en-US" sz="1200" kern="1200" dirty="0" smtClean="0">
+                <a:solidFill>
+                  <a:schemeClr val="tx1"/>
+                </a:solidFill>
+                <a:effectLst/>
+                <a:latin typeface="+mn-lt"/>
+                <a:ea typeface="+mn-ea"/>
+                <a:cs typeface="+mn-cs"/>
+              </a:rPr>
+              <a:t>{r}\,)=\</a:t>
+            </a:r>
+            <a:r>
+              <a:rPr lang="en-US" sz="1200" kern="1200" dirty="0" err="1" smtClean="0">
+                <a:solidFill>
+                  <a:schemeClr val="tx1"/>
+                </a:solidFill>
+                <a:effectLst/>
+                <a:latin typeface="+mn-lt"/>
+                <a:ea typeface="+mn-ea"/>
+                <a:cs typeface="+mn-cs"/>
+              </a:rPr>
+              <a:t>frac</a:t>
+            </a:r>
+            <a:r>
+              <a:rPr lang="en-US" sz="1200" kern="1200" dirty="0" smtClean="0">
+                <a:solidFill>
+                  <a:schemeClr val="tx1"/>
+                </a:solidFill>
+                <a:effectLst/>
+                <a:latin typeface="+mn-lt"/>
+                <a:ea typeface="+mn-ea"/>
+                <a:cs typeface="+mn-cs"/>
+              </a:rPr>
+              <a:t>{1}{</a:t>
+            </a:r>
+            <a:r>
+              <a:rPr lang="en-US" sz="1200" kern="1200" dirty="0" err="1" smtClean="0">
+                <a:solidFill>
+                  <a:schemeClr val="tx1"/>
+                </a:solidFill>
+                <a:effectLst/>
+                <a:latin typeface="+mn-lt"/>
+                <a:ea typeface="+mn-ea"/>
+                <a:cs typeface="+mn-cs"/>
+              </a:rPr>
+              <a:t>w_n</a:t>
+            </a:r>
+            <a:r>
+              <a:rPr lang="en-US" sz="1200" kern="1200" dirty="0" smtClean="0">
+                <a:solidFill>
+                  <a:schemeClr val="tx1"/>
+                </a:solidFill>
+                <a:effectLst/>
+                <a:latin typeface="+mn-lt"/>
+                <a:ea typeface="+mn-ea"/>
+                <a:cs typeface="+mn-cs"/>
+              </a:rPr>
+              <a:t>}\</a:t>
+            </a:r>
+            <a:r>
+              <a:rPr lang="en-US" sz="1200" kern="1200" dirty="0" err="1" smtClean="0">
+                <a:solidFill>
+                  <a:schemeClr val="tx1"/>
+                </a:solidFill>
+                <a:effectLst/>
+                <a:latin typeface="+mn-lt"/>
+                <a:ea typeface="+mn-ea"/>
+                <a:cs typeface="+mn-cs"/>
+              </a:rPr>
+              <a:t>int</a:t>
+            </a:r>
+            <a:r>
+              <a:rPr lang="en-US" sz="1200" kern="1200" dirty="0" smtClean="0">
+                <a:solidFill>
+                  <a:schemeClr val="tx1"/>
+                </a:solidFill>
+                <a:effectLst/>
+                <a:latin typeface="+mn-lt"/>
+                <a:ea typeface="+mn-ea"/>
+                <a:cs typeface="+mn-cs"/>
+              </a:rPr>
+              <a:t>_{|\</a:t>
+            </a:r>
+            <a:r>
+              <a:rPr lang="en-US" sz="1200" kern="1200" dirty="0" err="1" smtClean="0">
+                <a:solidFill>
+                  <a:schemeClr val="tx1"/>
+                </a:solidFill>
+                <a:effectLst/>
+                <a:latin typeface="+mn-lt"/>
+                <a:ea typeface="+mn-ea"/>
+                <a:cs typeface="+mn-cs"/>
+              </a:rPr>
+              <a:t>vec</a:t>
+            </a:r>
+            <a:r>
+              <a:rPr lang="en-US" sz="1200" kern="1200" dirty="0" smtClean="0">
+                <a:solidFill>
+                  <a:schemeClr val="tx1"/>
+                </a:solidFill>
+                <a:effectLst/>
+                <a:latin typeface="+mn-lt"/>
+                <a:ea typeface="+mn-ea"/>
+                <a:cs typeface="+mn-cs"/>
+              </a:rPr>
+              <a:t>{\rho}\,|\</a:t>
+            </a:r>
+            <a:r>
+              <a:rPr lang="en-US" sz="1200" kern="1200" dirty="0" err="1" smtClean="0">
+                <a:solidFill>
+                  <a:schemeClr val="tx1"/>
+                </a:solidFill>
+                <a:effectLst/>
+                <a:latin typeface="+mn-lt"/>
+                <a:ea typeface="+mn-ea"/>
+                <a:cs typeface="+mn-cs"/>
+              </a:rPr>
+              <a:t>leq</a:t>
+            </a:r>
+            <a:r>
+              <a:rPr lang="en-US" sz="1200" kern="1200" dirty="0" smtClean="0">
+                <a:solidFill>
+                  <a:schemeClr val="tx1"/>
+                </a:solidFill>
+                <a:effectLst/>
+                <a:latin typeface="+mn-lt"/>
+                <a:ea typeface="+mn-ea"/>
+                <a:cs typeface="+mn-cs"/>
+              </a:rPr>
+              <a:t> 1}{d^2\rho A(\</a:t>
+            </a:r>
+            <a:r>
+              <a:rPr lang="en-US" sz="1200" kern="1200" dirty="0" err="1" smtClean="0">
+                <a:solidFill>
+                  <a:schemeClr val="tx1"/>
+                </a:solidFill>
+                <a:effectLst/>
+                <a:latin typeface="+mn-lt"/>
+                <a:ea typeface="+mn-ea"/>
+                <a:cs typeface="+mn-cs"/>
+              </a:rPr>
+              <a:t>vec</a:t>
+            </a:r>
+            <a:r>
+              <a:rPr lang="en-US" sz="1200" kern="1200" dirty="0" smtClean="0">
+                <a:solidFill>
+                  <a:schemeClr val="tx1"/>
+                </a:solidFill>
+                <a:effectLst/>
+                <a:latin typeface="+mn-lt"/>
+                <a:ea typeface="+mn-ea"/>
+                <a:cs typeface="+mn-cs"/>
+              </a:rPr>
+              <a:t>{\rho}\,)\</a:t>
+            </a:r>
+            <a:r>
+              <a:rPr lang="en-US" sz="1200" kern="1200" dirty="0" err="1" smtClean="0">
+                <a:solidFill>
+                  <a:schemeClr val="tx1"/>
+                </a:solidFill>
+                <a:effectLst/>
+                <a:latin typeface="+mn-lt"/>
+                <a:ea typeface="+mn-ea"/>
+                <a:cs typeface="+mn-cs"/>
+              </a:rPr>
+              <a:t>exp</a:t>
+            </a:r>
+            <a:r>
+              <a:rPr lang="en-US" sz="1200" kern="1200" dirty="0" smtClean="0">
+                <a:solidFill>
+                  <a:schemeClr val="tx1"/>
+                </a:solidFill>
+                <a:effectLst/>
+                <a:latin typeface="+mn-lt"/>
+                <a:ea typeface="+mn-ea"/>
+                <a:cs typeface="+mn-cs"/>
+              </a:rPr>
+              <a:t>{\left(\</a:t>
+            </a:r>
+            <a:r>
+              <a:rPr lang="en-US" sz="1200" kern="1200" dirty="0" err="1" smtClean="0">
+                <a:solidFill>
+                  <a:schemeClr val="tx1"/>
+                </a:solidFill>
+                <a:effectLst/>
+                <a:latin typeface="+mn-lt"/>
+                <a:ea typeface="+mn-ea"/>
+                <a:cs typeface="+mn-cs"/>
+              </a:rPr>
+              <a:t>frac</a:t>
+            </a:r>
+            <a:r>
+              <a:rPr lang="en-US" sz="1200" kern="1200" dirty="0" smtClean="0">
+                <a:solidFill>
+                  <a:schemeClr val="tx1"/>
+                </a:solidFill>
+                <a:effectLst/>
+                <a:latin typeface="+mn-lt"/>
+                <a:ea typeface="+mn-ea"/>
+                <a:cs typeface="+mn-cs"/>
+              </a:rPr>
+              <a:t>{2\pi </a:t>
+            </a:r>
+            <a:r>
+              <a:rPr lang="en-US" sz="1200" kern="1200" dirty="0" err="1" smtClean="0">
+                <a:solidFill>
+                  <a:schemeClr val="tx1"/>
+                </a:solidFill>
+                <a:effectLst/>
+                <a:latin typeface="+mn-lt"/>
+                <a:ea typeface="+mn-ea"/>
+                <a:cs typeface="+mn-cs"/>
+              </a:rPr>
+              <a:t>i</a:t>
+            </a:r>
+            <a:r>
+              <a:rPr lang="en-US" sz="1200" kern="1200" dirty="0" smtClean="0">
+                <a:solidFill>
+                  <a:schemeClr val="tx1"/>
+                </a:solidFill>
+                <a:effectLst/>
+                <a:latin typeface="+mn-lt"/>
+                <a:ea typeface="+mn-ea"/>
+                <a:cs typeface="+mn-cs"/>
+              </a:rPr>
+              <a:t> W(\</a:t>
+            </a:r>
+            <a:r>
+              <a:rPr lang="en-US" sz="1200" kern="1200" dirty="0" err="1" smtClean="0">
+                <a:solidFill>
+                  <a:schemeClr val="tx1"/>
+                </a:solidFill>
+                <a:effectLst/>
+                <a:latin typeface="+mn-lt"/>
+                <a:ea typeface="+mn-ea"/>
+                <a:cs typeface="+mn-cs"/>
+              </a:rPr>
+              <a:t>vec</a:t>
+            </a:r>
+            <a:r>
+              <a:rPr lang="en-US" sz="1200" kern="1200" dirty="0" smtClean="0">
+                <a:solidFill>
+                  <a:schemeClr val="tx1"/>
+                </a:solidFill>
+                <a:effectLst/>
+                <a:latin typeface="+mn-lt"/>
+                <a:ea typeface="+mn-ea"/>
+                <a:cs typeface="+mn-cs"/>
+              </a:rPr>
+              <a:t>{\rho}\,)}{\lambda}\right)}}q(\</a:t>
+            </a:r>
+            <a:r>
+              <a:rPr lang="en-US" sz="1200" kern="1200" dirty="0" err="1" smtClean="0">
+                <a:solidFill>
+                  <a:schemeClr val="tx1"/>
+                </a:solidFill>
+                <a:effectLst/>
+                <a:latin typeface="+mn-lt"/>
+                <a:ea typeface="+mn-ea"/>
+                <a:cs typeface="+mn-cs"/>
+              </a:rPr>
+              <a:t>vec</a:t>
+            </a:r>
+            <a:r>
+              <a:rPr lang="en-US" sz="1200" kern="1200" dirty="0" smtClean="0">
+                <a:solidFill>
+                  <a:schemeClr val="tx1"/>
+                </a:solidFill>
+                <a:effectLst/>
+                <a:latin typeface="+mn-lt"/>
+                <a:ea typeface="+mn-ea"/>
+                <a:cs typeface="+mn-cs"/>
+              </a:rPr>
+              <a:t>{\rho}\,)\</a:t>
+            </a:r>
+            <a:r>
+              <a:rPr lang="en-US" sz="1200" kern="1200" dirty="0" err="1" smtClean="0">
+                <a:solidFill>
+                  <a:schemeClr val="tx1"/>
+                </a:solidFill>
+                <a:effectLst/>
+                <a:latin typeface="+mn-lt"/>
+                <a:ea typeface="+mn-ea"/>
+                <a:cs typeface="+mn-cs"/>
+              </a:rPr>
+              <a:t>exp</a:t>
+            </a:r>
+            <a:r>
+              <a:rPr lang="en-US" sz="1200" kern="1200" dirty="0" smtClean="0">
+                <a:solidFill>
+                  <a:schemeClr val="tx1"/>
+                </a:solidFill>
+                <a:effectLst/>
+                <a:latin typeface="+mn-lt"/>
+                <a:ea typeface="+mn-ea"/>
+                <a:cs typeface="+mn-cs"/>
+              </a:rPr>
+              <a:t>{\left(-</a:t>
+            </a:r>
+            <a:r>
+              <a:rPr lang="en-US" sz="1200" kern="1200" dirty="0" err="1" smtClean="0">
+                <a:solidFill>
+                  <a:schemeClr val="tx1"/>
+                </a:solidFill>
+                <a:effectLst/>
+                <a:latin typeface="+mn-lt"/>
+                <a:ea typeface="+mn-ea"/>
+                <a:cs typeface="+mn-cs"/>
+              </a:rPr>
+              <a:t>i</a:t>
+            </a:r>
+            <a:r>
+              <a:rPr lang="en-US" sz="1200" kern="1200" dirty="0" smtClean="0">
+                <a:solidFill>
+                  <a:schemeClr val="tx1"/>
+                </a:solidFill>
+                <a:effectLst/>
+                <a:latin typeface="+mn-lt"/>
+                <a:ea typeface="+mn-ea"/>
+                <a:cs typeface="+mn-cs"/>
+              </a:rPr>
+              <a:t> \</a:t>
+            </a:r>
+            <a:r>
+              <a:rPr lang="en-US" sz="1200" kern="1200" dirty="0" err="1" smtClean="0">
+                <a:solidFill>
+                  <a:schemeClr val="tx1"/>
+                </a:solidFill>
+                <a:effectLst/>
+                <a:latin typeface="+mn-lt"/>
+                <a:ea typeface="+mn-ea"/>
+                <a:cs typeface="+mn-cs"/>
+              </a:rPr>
+              <a:t>vec</a:t>
+            </a:r>
+            <a:r>
+              <a:rPr lang="en-US" sz="1200" kern="1200" dirty="0" smtClean="0">
+                <a:solidFill>
+                  <a:schemeClr val="tx1"/>
+                </a:solidFill>
+                <a:effectLst/>
+                <a:latin typeface="+mn-lt"/>
+                <a:ea typeface="+mn-ea"/>
+                <a:cs typeface="+mn-cs"/>
+              </a:rPr>
+              <a:t>{k}(\</a:t>
+            </a:r>
+            <a:r>
+              <a:rPr lang="en-US" sz="1200" kern="1200" dirty="0" err="1" smtClean="0">
+                <a:solidFill>
+                  <a:schemeClr val="tx1"/>
+                </a:solidFill>
+                <a:effectLst/>
+                <a:latin typeface="+mn-lt"/>
+                <a:ea typeface="+mn-ea"/>
+                <a:cs typeface="+mn-cs"/>
+              </a:rPr>
+              <a:t>vec</a:t>
+            </a:r>
+            <a:r>
+              <a:rPr lang="en-US" sz="1200" kern="1200" dirty="0" smtClean="0">
+                <a:solidFill>
+                  <a:schemeClr val="tx1"/>
+                </a:solidFill>
+                <a:effectLst/>
+                <a:latin typeface="+mn-lt"/>
+                <a:ea typeface="+mn-ea"/>
+                <a:cs typeface="+mn-cs"/>
+              </a:rPr>
+              <a:t>{\rho}\,)\</a:t>
+            </a:r>
+            <a:r>
+              <a:rPr lang="en-US" sz="1200" kern="1200" dirty="0" err="1" smtClean="0">
+                <a:solidFill>
+                  <a:schemeClr val="tx1"/>
+                </a:solidFill>
+                <a:effectLst/>
+                <a:latin typeface="+mn-lt"/>
+                <a:ea typeface="+mn-ea"/>
+                <a:cs typeface="+mn-cs"/>
+              </a:rPr>
+              <a:t>cdot</a:t>
+            </a:r>
+            <a:r>
+              <a:rPr lang="en-US" sz="1200" kern="1200" dirty="0" smtClean="0">
+                <a:solidFill>
+                  <a:schemeClr val="tx1"/>
+                </a:solidFill>
+                <a:effectLst/>
+                <a:latin typeface="+mn-lt"/>
+                <a:ea typeface="+mn-ea"/>
+                <a:cs typeface="+mn-cs"/>
+              </a:rPr>
+              <a:t> \</a:t>
+            </a:r>
+            <a:r>
+              <a:rPr lang="en-US" sz="1200" kern="1200" dirty="0" err="1" smtClean="0">
+                <a:solidFill>
+                  <a:schemeClr val="tx1"/>
+                </a:solidFill>
+                <a:effectLst/>
+                <a:latin typeface="+mn-lt"/>
+                <a:ea typeface="+mn-ea"/>
+                <a:cs typeface="+mn-cs"/>
+              </a:rPr>
+              <a:t>vec</a:t>
+            </a:r>
+            <a:r>
+              <a:rPr lang="en-US" sz="1200" kern="1200" dirty="0" smtClean="0">
+                <a:solidFill>
+                  <a:schemeClr val="tx1"/>
+                </a:solidFill>
+                <a:effectLst/>
+                <a:latin typeface="+mn-lt"/>
+                <a:ea typeface="+mn-ea"/>
+                <a:cs typeface="+mn-cs"/>
+              </a:rPr>
+              <a:t>{r}\right)}\\</a:t>
+            </a:r>
+          </a:p>
+          <a:p>
+            <a:r>
+              <a:rPr lang="en-US" sz="1200" kern="1200" dirty="0" smtClean="0">
+                <a:solidFill>
+                  <a:schemeClr val="tx1"/>
+                </a:solidFill>
+                <a:effectLst/>
+                <a:latin typeface="+mn-lt"/>
+                <a:ea typeface="+mn-ea"/>
+                <a:cs typeface="+mn-cs"/>
+              </a:rPr>
+              <a:t>\</a:t>
+            </a:r>
+            <a:r>
+              <a:rPr lang="en-US" sz="1200" kern="1200" dirty="0" err="1" smtClean="0">
+                <a:solidFill>
+                  <a:schemeClr val="tx1"/>
+                </a:solidFill>
+                <a:effectLst/>
+                <a:latin typeface="+mn-lt"/>
+                <a:ea typeface="+mn-ea"/>
+                <a:cs typeface="+mn-cs"/>
+              </a:rPr>
+              <a:t>vec</a:t>
+            </a:r>
+            <a:r>
+              <a:rPr lang="en-US" sz="1200" kern="1200" dirty="0" smtClean="0">
+                <a:solidFill>
+                  <a:schemeClr val="tx1"/>
+                </a:solidFill>
+                <a:effectLst/>
+                <a:latin typeface="+mn-lt"/>
+                <a:ea typeface="+mn-ea"/>
+                <a:cs typeface="+mn-cs"/>
+              </a:rPr>
+              <a:t>{k}(\</a:t>
+            </a:r>
+            <a:r>
+              <a:rPr lang="en-US" sz="1200" kern="1200" dirty="0" err="1" smtClean="0">
+                <a:solidFill>
+                  <a:schemeClr val="tx1"/>
+                </a:solidFill>
+                <a:effectLst/>
+                <a:latin typeface="+mn-lt"/>
+                <a:ea typeface="+mn-ea"/>
+                <a:cs typeface="+mn-cs"/>
+              </a:rPr>
+              <a:t>vec</a:t>
+            </a:r>
+            <a:r>
+              <a:rPr lang="en-US" sz="1200" kern="1200" dirty="0" smtClean="0">
+                <a:solidFill>
+                  <a:schemeClr val="tx1"/>
+                </a:solidFill>
+                <a:effectLst/>
+                <a:latin typeface="+mn-lt"/>
+                <a:ea typeface="+mn-ea"/>
+                <a:cs typeface="+mn-cs"/>
+              </a:rPr>
+              <a:t>{\rho}\,)=\</a:t>
+            </a:r>
+            <a:r>
+              <a:rPr lang="en-US" sz="1200" kern="1200" dirty="0" err="1" smtClean="0">
+                <a:solidFill>
+                  <a:schemeClr val="tx1"/>
+                </a:solidFill>
+                <a:effectLst/>
+                <a:latin typeface="+mn-lt"/>
+                <a:ea typeface="+mn-ea"/>
+                <a:cs typeface="+mn-cs"/>
+              </a:rPr>
+              <a:t>frac</a:t>
+            </a:r>
+            <a:r>
+              <a:rPr lang="en-US" sz="1200" kern="1200" dirty="0" smtClean="0">
+                <a:solidFill>
+                  <a:schemeClr val="tx1"/>
+                </a:solidFill>
+                <a:effectLst/>
+                <a:latin typeface="+mn-lt"/>
+                <a:ea typeface="+mn-ea"/>
+                <a:cs typeface="+mn-cs"/>
+              </a:rPr>
+              <a:t>{2\pi}{\lambda}\left(\</a:t>
+            </a:r>
+            <a:r>
+              <a:rPr lang="en-US" sz="1200" kern="1200" dirty="0" err="1" smtClean="0">
+                <a:solidFill>
+                  <a:schemeClr val="tx1"/>
+                </a:solidFill>
+                <a:effectLst/>
+                <a:latin typeface="+mn-lt"/>
+                <a:ea typeface="+mn-ea"/>
+                <a:cs typeface="+mn-cs"/>
+              </a:rPr>
+              <a:t>textrm</a:t>
+            </a:r>
+            <a:r>
+              <a:rPr lang="en-US" sz="1200" kern="1200" dirty="0" smtClean="0">
+                <a:solidFill>
+                  <a:schemeClr val="tx1"/>
+                </a:solidFill>
+                <a:effectLst/>
+                <a:latin typeface="+mn-lt"/>
+                <a:ea typeface="+mn-ea"/>
+                <a:cs typeface="+mn-cs"/>
+              </a:rPr>
+              <a:t>{NA}\</a:t>
+            </a:r>
+            <a:r>
+              <a:rPr lang="en-US" sz="1200" kern="1200" dirty="0" err="1" smtClean="0">
+                <a:solidFill>
+                  <a:schemeClr val="tx1"/>
+                </a:solidFill>
+                <a:effectLst/>
+                <a:latin typeface="+mn-lt"/>
+                <a:ea typeface="+mn-ea"/>
+                <a:cs typeface="+mn-cs"/>
+              </a:rPr>
+              <a:t>rho_x</a:t>
+            </a:r>
+            <a:r>
+              <a:rPr lang="en-US" sz="1200" kern="1200" dirty="0" smtClean="0">
+                <a:solidFill>
+                  <a:schemeClr val="tx1"/>
+                </a:solidFill>
+                <a:effectLst/>
+                <a:latin typeface="+mn-lt"/>
+                <a:ea typeface="+mn-ea"/>
+                <a:cs typeface="+mn-cs"/>
+              </a:rPr>
+              <a:t>,\</a:t>
+            </a:r>
+            <a:r>
+              <a:rPr lang="en-US" sz="1200" kern="1200" dirty="0" err="1" smtClean="0">
+                <a:solidFill>
+                  <a:schemeClr val="tx1"/>
+                </a:solidFill>
+                <a:effectLst/>
+                <a:latin typeface="+mn-lt"/>
+                <a:ea typeface="+mn-ea"/>
+                <a:cs typeface="+mn-cs"/>
+              </a:rPr>
+              <a:t>textrm</a:t>
+            </a:r>
+            <a:r>
+              <a:rPr lang="en-US" sz="1200" kern="1200" dirty="0" smtClean="0">
+                <a:solidFill>
+                  <a:schemeClr val="tx1"/>
+                </a:solidFill>
+                <a:effectLst/>
+                <a:latin typeface="+mn-lt"/>
+                <a:ea typeface="+mn-ea"/>
+                <a:cs typeface="+mn-cs"/>
+              </a:rPr>
+              <a:t>{NA}\</a:t>
+            </a:r>
+            <a:r>
+              <a:rPr lang="en-US" sz="1200" kern="1200" dirty="0" err="1" smtClean="0">
+                <a:solidFill>
+                  <a:schemeClr val="tx1"/>
+                </a:solidFill>
+                <a:effectLst/>
+                <a:latin typeface="+mn-lt"/>
+                <a:ea typeface="+mn-ea"/>
+                <a:cs typeface="+mn-cs"/>
+              </a:rPr>
+              <a:t>rho_y</a:t>
+            </a:r>
+            <a:r>
+              <a:rPr lang="en-US" sz="1200" kern="1200" dirty="0" smtClean="0">
+                <a:solidFill>
+                  <a:schemeClr val="tx1"/>
+                </a:solidFill>
+                <a:effectLst/>
+                <a:latin typeface="+mn-lt"/>
+                <a:ea typeface="+mn-ea"/>
+                <a:cs typeface="+mn-cs"/>
+              </a:rPr>
+              <a:t>,\</a:t>
+            </a:r>
+            <a:r>
+              <a:rPr lang="en-US" sz="1200" kern="1200" dirty="0" err="1" smtClean="0">
+                <a:solidFill>
+                  <a:schemeClr val="tx1"/>
+                </a:solidFill>
+                <a:effectLst/>
+                <a:latin typeface="+mn-lt"/>
+                <a:ea typeface="+mn-ea"/>
+                <a:cs typeface="+mn-cs"/>
+              </a:rPr>
+              <a:t>sqrt</a:t>
+            </a:r>
+            <a:r>
+              <a:rPr lang="en-US" sz="1200" kern="1200" dirty="0" smtClean="0">
+                <a:solidFill>
+                  <a:schemeClr val="tx1"/>
+                </a:solidFill>
+                <a:effectLst/>
+                <a:latin typeface="+mn-lt"/>
+                <a:ea typeface="+mn-ea"/>
+                <a:cs typeface="+mn-cs"/>
+              </a:rPr>
+              <a:t>{n^2-\</a:t>
+            </a:r>
+            <a:r>
+              <a:rPr lang="en-US" sz="1200" kern="1200" dirty="0" err="1" smtClean="0">
+                <a:solidFill>
+                  <a:schemeClr val="tx1"/>
+                </a:solidFill>
+                <a:effectLst/>
+                <a:latin typeface="+mn-lt"/>
+                <a:ea typeface="+mn-ea"/>
+                <a:cs typeface="+mn-cs"/>
+              </a:rPr>
+              <a:t>textrm</a:t>
+            </a:r>
+            <a:r>
+              <a:rPr lang="en-US" sz="1200" kern="1200" dirty="0" smtClean="0">
+                <a:solidFill>
+                  <a:schemeClr val="tx1"/>
+                </a:solidFill>
+                <a:effectLst/>
+                <a:latin typeface="+mn-lt"/>
+                <a:ea typeface="+mn-ea"/>
+                <a:cs typeface="+mn-cs"/>
+              </a:rPr>
+              <a:t>{NA}^2\</a:t>
+            </a:r>
+            <a:r>
+              <a:rPr lang="en-US" sz="1200" kern="1200" dirty="0" err="1" smtClean="0">
+                <a:solidFill>
+                  <a:schemeClr val="tx1"/>
+                </a:solidFill>
+                <a:effectLst/>
+                <a:latin typeface="+mn-lt"/>
+                <a:ea typeface="+mn-ea"/>
+                <a:cs typeface="+mn-cs"/>
+              </a:rPr>
+              <a:t>vec</a:t>
+            </a:r>
+            <a:r>
+              <a:rPr lang="en-US" sz="1200" kern="1200" dirty="0" smtClean="0">
+                <a:solidFill>
+                  <a:schemeClr val="tx1"/>
+                </a:solidFill>
+                <a:effectLst/>
+                <a:latin typeface="+mn-lt"/>
+                <a:ea typeface="+mn-ea"/>
+                <a:cs typeface="+mn-cs"/>
+              </a:rPr>
+              <a:t>{\rho}\,^2}\right)\\</a:t>
+            </a:r>
+          </a:p>
+          <a:p>
+            <a:r>
+              <a:rPr lang="en-US" sz="1200" kern="1200" dirty="0" smtClean="0">
+                <a:solidFill>
+                  <a:schemeClr val="tx1"/>
+                </a:solidFill>
+                <a:effectLst/>
+                <a:latin typeface="+mn-lt"/>
+                <a:ea typeface="+mn-ea"/>
+                <a:cs typeface="+mn-cs"/>
+              </a:rPr>
+              <a:t>\</a:t>
+            </a:r>
+            <a:r>
+              <a:rPr lang="en-US" sz="1200" kern="1200" dirty="0" err="1" smtClean="0">
+                <a:solidFill>
+                  <a:schemeClr val="tx1"/>
+                </a:solidFill>
+                <a:effectLst/>
+                <a:latin typeface="+mn-lt"/>
+                <a:ea typeface="+mn-ea"/>
+                <a:cs typeface="+mn-cs"/>
+              </a:rPr>
+              <a:t>vec</a:t>
+            </a:r>
+            <a:r>
+              <a:rPr lang="en-US" sz="1200" kern="1200" dirty="0" smtClean="0">
+                <a:solidFill>
+                  <a:schemeClr val="tx1"/>
+                </a:solidFill>
+                <a:effectLst/>
+                <a:latin typeface="+mn-lt"/>
+                <a:ea typeface="+mn-ea"/>
+                <a:cs typeface="+mn-cs"/>
+              </a:rPr>
+              <a:t>{\rho}\,\</a:t>
+            </a:r>
+            <a:r>
+              <a:rPr lang="en-US" sz="1200" kern="1200" dirty="0" err="1" smtClean="0">
+                <a:solidFill>
+                  <a:schemeClr val="tx1"/>
+                </a:solidFill>
+                <a:effectLst/>
+                <a:latin typeface="+mn-lt"/>
+                <a:ea typeface="+mn-ea"/>
+                <a:cs typeface="+mn-cs"/>
+              </a:rPr>
+              <a:t>textsf</a:t>
+            </a:r>
+            <a:r>
+              <a:rPr lang="en-US" sz="1200" kern="1200" dirty="0" smtClean="0">
+                <a:solidFill>
+                  <a:schemeClr val="tx1"/>
+                </a:solidFill>
+                <a:effectLst/>
+                <a:latin typeface="+mn-lt"/>
+                <a:ea typeface="+mn-ea"/>
+                <a:cs typeface="+mn-cs"/>
+              </a:rPr>
+              <a:t>{: pupil plane coordinate,}\:W(\</a:t>
+            </a:r>
+            <a:r>
+              <a:rPr lang="en-US" sz="1200" kern="1200" dirty="0" err="1" smtClean="0">
+                <a:solidFill>
+                  <a:schemeClr val="tx1"/>
+                </a:solidFill>
+                <a:effectLst/>
+                <a:latin typeface="+mn-lt"/>
+                <a:ea typeface="+mn-ea"/>
+                <a:cs typeface="+mn-cs"/>
+              </a:rPr>
+              <a:t>vec</a:t>
+            </a:r>
+            <a:r>
+              <a:rPr lang="en-US" sz="1200" kern="1200" dirty="0" smtClean="0">
+                <a:solidFill>
+                  <a:schemeClr val="tx1"/>
+                </a:solidFill>
+                <a:effectLst/>
+                <a:latin typeface="+mn-lt"/>
+                <a:ea typeface="+mn-ea"/>
+                <a:cs typeface="+mn-cs"/>
+              </a:rPr>
+              <a:t>{\rho}\,)\</a:t>
+            </a:r>
+            <a:r>
+              <a:rPr lang="en-US" sz="1200" kern="1200" dirty="0" err="1" smtClean="0">
+                <a:solidFill>
+                  <a:schemeClr val="tx1"/>
+                </a:solidFill>
+                <a:effectLst/>
+                <a:latin typeface="+mn-lt"/>
+                <a:ea typeface="+mn-ea"/>
+                <a:cs typeface="+mn-cs"/>
+              </a:rPr>
+              <a:t>textsf</a:t>
+            </a:r>
+            <a:r>
+              <a:rPr lang="en-US" sz="1200" kern="1200" dirty="0" smtClean="0">
+                <a:solidFill>
+                  <a:schemeClr val="tx1"/>
+                </a:solidFill>
+                <a:effectLst/>
+                <a:latin typeface="+mn-lt"/>
+                <a:ea typeface="+mn-ea"/>
+                <a:cs typeface="+mn-cs"/>
+              </a:rPr>
+              <a:t>{: pupil plane modulation mask,}\:\</a:t>
+            </a:r>
+            <a:r>
+              <a:rPr lang="en-US" sz="1200" kern="1200" dirty="0" err="1" smtClean="0">
+                <a:solidFill>
+                  <a:schemeClr val="tx1"/>
+                </a:solidFill>
+                <a:effectLst/>
+                <a:latin typeface="+mn-lt"/>
+                <a:ea typeface="+mn-ea"/>
+                <a:cs typeface="+mn-cs"/>
+              </a:rPr>
+              <a:t>vec</a:t>
+            </a:r>
+            <a:r>
+              <a:rPr lang="en-US" sz="1200" kern="1200" dirty="0" smtClean="0">
+                <a:solidFill>
+                  <a:schemeClr val="tx1"/>
+                </a:solidFill>
+                <a:effectLst/>
+                <a:latin typeface="+mn-lt"/>
+                <a:ea typeface="+mn-ea"/>
+                <a:cs typeface="+mn-cs"/>
+              </a:rPr>
+              <a:t>{k}(\</a:t>
+            </a:r>
+            <a:r>
+              <a:rPr lang="en-US" sz="1200" kern="1200" dirty="0" err="1" smtClean="0">
+                <a:solidFill>
+                  <a:schemeClr val="tx1"/>
+                </a:solidFill>
+                <a:effectLst/>
+                <a:latin typeface="+mn-lt"/>
+                <a:ea typeface="+mn-ea"/>
+                <a:cs typeface="+mn-cs"/>
+              </a:rPr>
+              <a:t>vec</a:t>
+            </a:r>
+            <a:r>
+              <a:rPr lang="en-US" sz="1200" kern="1200" dirty="0" smtClean="0">
+                <a:solidFill>
+                  <a:schemeClr val="tx1"/>
+                </a:solidFill>
+                <a:effectLst/>
+                <a:latin typeface="+mn-lt"/>
+                <a:ea typeface="+mn-ea"/>
+                <a:cs typeface="+mn-cs"/>
+              </a:rPr>
+              <a:t>{\rho}\,)\</a:t>
+            </a:r>
+            <a:r>
+              <a:rPr lang="en-US" sz="1200" kern="1200" dirty="0" err="1" smtClean="0">
+                <a:solidFill>
+                  <a:schemeClr val="tx1"/>
+                </a:solidFill>
+                <a:effectLst/>
+                <a:latin typeface="+mn-lt"/>
+                <a:ea typeface="+mn-ea"/>
+                <a:cs typeface="+mn-cs"/>
+              </a:rPr>
+              <a:t>textsf</a:t>
+            </a:r>
+            <a:r>
+              <a:rPr lang="en-US" sz="1200" kern="1200" dirty="0" smtClean="0">
+                <a:solidFill>
+                  <a:schemeClr val="tx1"/>
+                </a:solidFill>
+                <a:effectLst/>
+                <a:latin typeface="+mn-lt"/>
+                <a:ea typeface="+mn-ea"/>
+                <a:cs typeface="+mn-cs"/>
+              </a:rPr>
+              <a:t>{: </a:t>
+            </a:r>
+            <a:r>
+              <a:rPr lang="en-US" sz="1200" kern="1200" dirty="0" err="1" smtClean="0">
+                <a:solidFill>
+                  <a:schemeClr val="tx1"/>
+                </a:solidFill>
+                <a:effectLst/>
+                <a:latin typeface="+mn-lt"/>
+                <a:ea typeface="+mn-ea"/>
+                <a:cs typeface="+mn-cs"/>
+              </a:rPr>
+              <a:t>wavevector</a:t>
+            </a:r>
+            <a:r>
+              <a:rPr lang="en-US" sz="1200" kern="1200" dirty="0" smtClean="0">
+                <a:solidFill>
+                  <a:schemeClr val="tx1"/>
+                </a:solidFill>
+                <a:effectLst/>
+                <a:latin typeface="+mn-lt"/>
+                <a:ea typeface="+mn-ea"/>
+                <a:cs typeface="+mn-cs"/>
+              </a:rPr>
+              <a:t>}</a:t>
+            </a:r>
+          </a:p>
+          <a:p>
+            <a:r>
+              <a:rPr lang="en-US" sz="1200" kern="1200" dirty="0" smtClean="0">
+                <a:solidFill>
+                  <a:schemeClr val="tx1"/>
+                </a:solidFill>
+                <a:effectLst/>
+                <a:latin typeface="+mn-lt"/>
+                <a:ea typeface="+mn-ea"/>
+                <a:cs typeface="+mn-cs"/>
+              </a:rPr>
+              <a:t>\end{gather*}</a:t>
+            </a:r>
+          </a:p>
+          <a:p>
+            <a:endParaRPr lang="en-US" sz="1200" kern="1200" dirty="0" smtClean="0">
+              <a:solidFill>
+                <a:schemeClr val="tx1"/>
+              </a:solidFill>
+              <a:effectLst/>
+              <a:latin typeface="+mn-lt"/>
+              <a:ea typeface="+mn-ea"/>
+              <a:cs typeface="+mn-cs"/>
+            </a:endParaRPr>
+          </a:p>
+          <a:p>
+            <a:r>
+              <a:rPr lang="en-US" sz="1200" kern="1200" dirty="0" smtClean="0">
+                <a:solidFill>
+                  <a:schemeClr val="tx1"/>
+                </a:solidFill>
+                <a:effectLst/>
+                <a:latin typeface="+mn-lt"/>
+                <a:ea typeface="+mn-ea"/>
+                <a:cs typeface="+mn-cs"/>
+              </a:rPr>
+              <a:t>\begin{align*}</a:t>
+            </a:r>
+          </a:p>
+          <a:p>
+            <a:r>
+              <a:rPr lang="en-US" sz="1200" kern="1200" dirty="0" smtClean="0">
+                <a:solidFill>
+                  <a:schemeClr val="tx1"/>
+                </a:solidFill>
+                <a:effectLst/>
+                <a:latin typeface="+mn-lt"/>
+                <a:ea typeface="+mn-ea"/>
+                <a:cs typeface="+mn-cs"/>
+              </a:rPr>
+              <a:t>\</a:t>
+            </a:r>
+            <a:r>
+              <a:rPr lang="en-US" sz="1200" kern="1200" dirty="0" err="1" smtClean="0">
+                <a:solidFill>
+                  <a:schemeClr val="tx1"/>
+                </a:solidFill>
+                <a:effectLst/>
+                <a:latin typeface="+mn-lt"/>
+                <a:ea typeface="+mn-ea"/>
+                <a:cs typeface="+mn-cs"/>
+              </a:rPr>
+              <a:t>frac</a:t>
+            </a:r>
+            <a:r>
+              <a:rPr lang="en-US" sz="1200" kern="1200" dirty="0" smtClean="0">
+                <a:solidFill>
+                  <a:schemeClr val="tx1"/>
+                </a:solidFill>
+                <a:effectLst/>
+                <a:latin typeface="+mn-lt"/>
+                <a:ea typeface="+mn-ea"/>
+                <a:cs typeface="+mn-cs"/>
+              </a:rPr>
+              <a:t>{\partial\</a:t>
+            </a:r>
+            <a:r>
+              <a:rPr lang="en-US" sz="1200" kern="1200" dirty="0" err="1" smtClean="0">
+                <a:solidFill>
+                  <a:schemeClr val="tx1"/>
+                </a:solidFill>
+                <a:effectLst/>
+                <a:latin typeface="+mn-lt"/>
+                <a:ea typeface="+mn-ea"/>
+                <a:cs typeface="+mn-cs"/>
+              </a:rPr>
+              <a:t>mu_k</a:t>
+            </a:r>
+            <a:r>
+              <a:rPr lang="en-US" sz="1200" kern="1200" dirty="0" smtClean="0">
+                <a:solidFill>
+                  <a:schemeClr val="tx1"/>
+                </a:solidFill>
+                <a:effectLst/>
+                <a:latin typeface="+mn-lt"/>
+                <a:ea typeface="+mn-ea"/>
+                <a:cs typeface="+mn-cs"/>
+              </a:rPr>
+              <a:t>}{\partial\theta}&amp;=\</a:t>
+            </a:r>
+            <a:r>
+              <a:rPr lang="en-US" sz="1200" kern="1200" dirty="0" err="1" smtClean="0">
+                <a:solidFill>
+                  <a:schemeClr val="tx1"/>
+                </a:solidFill>
+                <a:effectLst/>
+                <a:latin typeface="+mn-lt"/>
+                <a:ea typeface="+mn-ea"/>
+                <a:cs typeface="+mn-cs"/>
+              </a:rPr>
+              <a:t>frac</a:t>
+            </a:r>
+            <a:r>
+              <a:rPr lang="en-US" sz="1200" kern="1200" dirty="0" smtClean="0">
+                <a:solidFill>
+                  <a:schemeClr val="tx1"/>
+                </a:solidFill>
+                <a:effectLst/>
+                <a:latin typeface="+mn-lt"/>
+                <a:ea typeface="+mn-ea"/>
+                <a:cs typeface="+mn-cs"/>
+              </a:rPr>
+              <a:t>{2N}{3}\</a:t>
+            </a:r>
+            <a:r>
+              <a:rPr lang="en-US" sz="1200" kern="1200" dirty="0" err="1" smtClean="0">
+                <a:solidFill>
+                  <a:schemeClr val="tx1"/>
+                </a:solidFill>
+                <a:effectLst/>
+                <a:latin typeface="+mn-lt"/>
+                <a:ea typeface="+mn-ea"/>
+                <a:cs typeface="+mn-cs"/>
+              </a:rPr>
+              <a:t>int</a:t>
+            </a:r>
+            <a:r>
+              <a:rPr lang="en-US" sz="1200" kern="1200" dirty="0" smtClean="0">
+                <a:solidFill>
+                  <a:schemeClr val="tx1"/>
+                </a:solidFill>
+                <a:effectLst/>
+                <a:latin typeface="+mn-lt"/>
+                <a:ea typeface="+mn-ea"/>
+                <a:cs typeface="+mn-cs"/>
+              </a:rPr>
+              <a:t>_{\</a:t>
+            </a:r>
+            <a:r>
+              <a:rPr lang="en-US" sz="1200" kern="1200" dirty="0" err="1" smtClean="0">
+                <a:solidFill>
+                  <a:schemeClr val="tx1"/>
+                </a:solidFill>
+                <a:effectLst/>
+                <a:latin typeface="+mn-lt"/>
+                <a:ea typeface="+mn-ea"/>
+                <a:cs typeface="+mn-cs"/>
+              </a:rPr>
+              <a:t>mathscr</a:t>
+            </a:r>
+            <a:r>
+              <a:rPr lang="en-US" sz="1200" kern="1200" dirty="0" smtClean="0">
+                <a:solidFill>
+                  <a:schemeClr val="tx1"/>
+                </a:solidFill>
+                <a:effectLst/>
+                <a:latin typeface="+mn-lt"/>
+                <a:ea typeface="+mn-ea"/>
+                <a:cs typeface="+mn-cs"/>
+              </a:rPr>
+              <a:t>{D}_k}{</a:t>
+            </a:r>
+            <a:r>
+              <a:rPr lang="en-US" sz="1200" kern="1200" dirty="0" err="1" smtClean="0">
+                <a:solidFill>
+                  <a:schemeClr val="tx1"/>
+                </a:solidFill>
+                <a:effectLst/>
+                <a:latin typeface="+mn-lt"/>
+                <a:ea typeface="+mn-ea"/>
+                <a:cs typeface="+mn-cs"/>
+              </a:rPr>
+              <a:t>dxdy</a:t>
+            </a:r>
+            <a:r>
+              <a:rPr lang="en-US" sz="1200" kern="1200" dirty="0" smtClean="0">
+                <a:solidFill>
+                  <a:schemeClr val="tx1"/>
+                </a:solidFill>
+                <a:effectLst/>
+                <a:latin typeface="+mn-lt"/>
+                <a:ea typeface="+mn-ea"/>
+                <a:cs typeface="+mn-cs"/>
+              </a:rPr>
+              <a:t>\,\</a:t>
+            </a:r>
+            <a:r>
+              <a:rPr lang="en-US" sz="1200" kern="1200" dirty="0" err="1" smtClean="0">
+                <a:solidFill>
+                  <a:schemeClr val="tx1"/>
+                </a:solidFill>
+                <a:effectLst/>
+                <a:latin typeface="+mn-lt"/>
+                <a:ea typeface="+mn-ea"/>
+                <a:cs typeface="+mn-cs"/>
+              </a:rPr>
+              <a:t>textrm</a:t>
+            </a:r>
+            <a:r>
+              <a:rPr lang="en-US" sz="1200" kern="1200" dirty="0" smtClean="0">
+                <a:solidFill>
+                  <a:schemeClr val="tx1"/>
+                </a:solidFill>
+                <a:effectLst/>
+                <a:latin typeface="+mn-lt"/>
+                <a:ea typeface="+mn-ea"/>
+                <a:cs typeface="+mn-cs"/>
+              </a:rPr>
+              <a:t>{Re}\left\{w(\</a:t>
+            </a:r>
+            <a:r>
+              <a:rPr lang="en-US" sz="1200" kern="1200" dirty="0" err="1" smtClean="0">
+                <a:solidFill>
+                  <a:schemeClr val="tx1"/>
+                </a:solidFill>
+                <a:effectLst/>
+                <a:latin typeface="+mn-lt"/>
+                <a:ea typeface="+mn-ea"/>
+                <a:cs typeface="+mn-cs"/>
+              </a:rPr>
+              <a:t>vec</a:t>
+            </a:r>
+            <a:r>
+              <a:rPr lang="en-US" sz="1200" kern="1200" dirty="0" smtClean="0">
+                <a:solidFill>
+                  <a:schemeClr val="tx1"/>
+                </a:solidFill>
+                <a:effectLst/>
+                <a:latin typeface="+mn-lt"/>
+                <a:ea typeface="+mn-ea"/>
+                <a:cs typeface="+mn-cs"/>
+              </a:rPr>
+              <a:t>{r}-\</a:t>
+            </a:r>
+            <a:r>
+              <a:rPr lang="en-US" sz="1200" kern="1200" dirty="0" err="1" smtClean="0">
+                <a:solidFill>
+                  <a:schemeClr val="tx1"/>
+                </a:solidFill>
+                <a:effectLst/>
+                <a:latin typeface="+mn-lt"/>
+                <a:ea typeface="+mn-ea"/>
+                <a:cs typeface="+mn-cs"/>
+              </a:rPr>
+              <a:t>vec</a:t>
+            </a:r>
+            <a:r>
+              <a:rPr lang="en-US" sz="1200" kern="1200" dirty="0" smtClean="0">
+                <a:solidFill>
+                  <a:schemeClr val="tx1"/>
+                </a:solidFill>
+                <a:effectLst/>
+                <a:latin typeface="+mn-lt"/>
+                <a:ea typeface="+mn-ea"/>
+                <a:cs typeface="+mn-cs"/>
+              </a:rPr>
+              <a:t>{r}_0)\</a:t>
+            </a:r>
+            <a:r>
+              <a:rPr lang="en-US" sz="1200" kern="1200" dirty="0" err="1" smtClean="0">
+                <a:solidFill>
+                  <a:schemeClr val="tx1"/>
+                </a:solidFill>
+                <a:effectLst/>
+                <a:latin typeface="+mn-lt"/>
+                <a:ea typeface="+mn-ea"/>
+                <a:cs typeface="+mn-cs"/>
+              </a:rPr>
+              <a:t>frac</a:t>
+            </a:r>
+            <a:r>
+              <a:rPr lang="en-US" sz="1200" kern="1200" dirty="0" smtClean="0">
+                <a:solidFill>
+                  <a:schemeClr val="tx1"/>
+                </a:solidFill>
+                <a:effectLst/>
+                <a:latin typeface="+mn-lt"/>
+                <a:ea typeface="+mn-ea"/>
+                <a:cs typeface="+mn-cs"/>
+              </a:rPr>
+              <a:t>{\partial w(\</a:t>
+            </a:r>
+            <a:r>
+              <a:rPr lang="en-US" sz="1200" kern="1200" dirty="0" err="1" smtClean="0">
+                <a:solidFill>
+                  <a:schemeClr val="tx1"/>
+                </a:solidFill>
+                <a:effectLst/>
+                <a:latin typeface="+mn-lt"/>
+                <a:ea typeface="+mn-ea"/>
+                <a:cs typeface="+mn-cs"/>
+              </a:rPr>
+              <a:t>vec</a:t>
+            </a:r>
+            <a:r>
+              <a:rPr lang="en-US" sz="1200" kern="1200" dirty="0" smtClean="0">
+                <a:solidFill>
+                  <a:schemeClr val="tx1"/>
+                </a:solidFill>
+                <a:effectLst/>
+                <a:latin typeface="+mn-lt"/>
+                <a:ea typeface="+mn-ea"/>
+                <a:cs typeface="+mn-cs"/>
+              </a:rPr>
+              <a:t>{r}-\</a:t>
+            </a:r>
+            <a:r>
+              <a:rPr lang="en-US" sz="1200" kern="1200" dirty="0" err="1" smtClean="0">
+                <a:solidFill>
+                  <a:schemeClr val="tx1"/>
+                </a:solidFill>
+                <a:effectLst/>
+                <a:latin typeface="+mn-lt"/>
+                <a:ea typeface="+mn-ea"/>
+                <a:cs typeface="+mn-cs"/>
+              </a:rPr>
+              <a:t>vec</a:t>
+            </a:r>
+            <a:r>
+              <a:rPr lang="en-US" sz="1200" kern="1200" dirty="0" smtClean="0">
+                <a:solidFill>
+                  <a:schemeClr val="tx1"/>
+                </a:solidFill>
+                <a:effectLst/>
+                <a:latin typeface="+mn-lt"/>
+                <a:ea typeface="+mn-ea"/>
+                <a:cs typeface="+mn-cs"/>
+              </a:rPr>
+              <a:t>{r}_0)}{\partial \theta}\right\}}\\</a:t>
+            </a:r>
+          </a:p>
+          <a:p>
+            <a:r>
+              <a:rPr lang="en-US" sz="1200" kern="1200" dirty="0" smtClean="0">
+                <a:solidFill>
+                  <a:schemeClr val="tx1"/>
+                </a:solidFill>
+                <a:effectLst/>
+                <a:latin typeface="+mn-lt"/>
+                <a:ea typeface="+mn-ea"/>
+                <a:cs typeface="+mn-cs"/>
+              </a:rPr>
+              <a:t>\</a:t>
+            </a:r>
+            <a:r>
+              <a:rPr lang="en-US" sz="1200" kern="1200" dirty="0" err="1" smtClean="0">
+                <a:solidFill>
+                  <a:schemeClr val="tx1"/>
+                </a:solidFill>
+                <a:effectLst/>
+                <a:latin typeface="+mn-lt"/>
+                <a:ea typeface="+mn-ea"/>
+                <a:cs typeface="+mn-cs"/>
+              </a:rPr>
+              <a:t>frac</a:t>
+            </a:r>
+            <a:r>
+              <a:rPr lang="en-US" sz="1200" kern="1200" dirty="0" smtClean="0">
+                <a:solidFill>
+                  <a:schemeClr val="tx1"/>
+                </a:solidFill>
+                <a:effectLst/>
+                <a:latin typeface="+mn-lt"/>
+                <a:ea typeface="+mn-ea"/>
+                <a:cs typeface="+mn-cs"/>
+              </a:rPr>
+              <a:t>{\partial w(\</a:t>
+            </a:r>
+            <a:r>
+              <a:rPr lang="en-US" sz="1200" kern="1200" dirty="0" err="1" smtClean="0">
+                <a:solidFill>
+                  <a:schemeClr val="tx1"/>
+                </a:solidFill>
+                <a:effectLst/>
+                <a:latin typeface="+mn-lt"/>
+                <a:ea typeface="+mn-ea"/>
+                <a:cs typeface="+mn-cs"/>
+              </a:rPr>
+              <a:t>vec</a:t>
+            </a:r>
+            <a:r>
+              <a:rPr lang="en-US" sz="1200" kern="1200" dirty="0" smtClean="0">
+                <a:solidFill>
+                  <a:schemeClr val="tx1"/>
+                </a:solidFill>
+                <a:effectLst/>
+                <a:latin typeface="+mn-lt"/>
+                <a:ea typeface="+mn-ea"/>
+                <a:cs typeface="+mn-cs"/>
+              </a:rPr>
+              <a:t>{r}-\</a:t>
+            </a:r>
+            <a:r>
+              <a:rPr lang="en-US" sz="1200" kern="1200" dirty="0" err="1" smtClean="0">
+                <a:solidFill>
+                  <a:schemeClr val="tx1"/>
+                </a:solidFill>
+                <a:effectLst/>
+                <a:latin typeface="+mn-lt"/>
+                <a:ea typeface="+mn-ea"/>
+                <a:cs typeface="+mn-cs"/>
+              </a:rPr>
+              <a:t>vec</a:t>
+            </a:r>
+            <a:r>
+              <a:rPr lang="en-US" sz="1200" kern="1200" dirty="0" smtClean="0">
+                <a:solidFill>
+                  <a:schemeClr val="tx1"/>
+                </a:solidFill>
+                <a:effectLst/>
+                <a:latin typeface="+mn-lt"/>
+                <a:ea typeface="+mn-ea"/>
+                <a:cs typeface="+mn-cs"/>
+              </a:rPr>
+              <a:t>{r}_0)}{\partial \</a:t>
+            </a:r>
+            <a:r>
+              <a:rPr lang="en-US" sz="1200" kern="1200" dirty="0" err="1" smtClean="0">
+                <a:solidFill>
+                  <a:schemeClr val="tx1"/>
+                </a:solidFill>
+                <a:effectLst/>
+                <a:latin typeface="+mn-lt"/>
+                <a:ea typeface="+mn-ea"/>
+                <a:cs typeface="+mn-cs"/>
+              </a:rPr>
+              <a:t>vec</a:t>
+            </a:r>
+            <a:r>
+              <a:rPr lang="en-US" sz="1200" kern="1200" dirty="0" smtClean="0">
+                <a:solidFill>
+                  <a:schemeClr val="tx1"/>
+                </a:solidFill>
+                <a:effectLst/>
+                <a:latin typeface="+mn-lt"/>
+                <a:ea typeface="+mn-ea"/>
+                <a:cs typeface="+mn-cs"/>
+              </a:rPr>
+              <a:t>{r}_0}&amp;=\</a:t>
+            </a:r>
+            <a:r>
+              <a:rPr lang="en-US" sz="1200" kern="1200" dirty="0" err="1" smtClean="0">
+                <a:solidFill>
+                  <a:schemeClr val="tx1"/>
+                </a:solidFill>
+                <a:effectLst/>
+                <a:latin typeface="+mn-lt"/>
+                <a:ea typeface="+mn-ea"/>
+                <a:cs typeface="+mn-cs"/>
+              </a:rPr>
+              <a:t>frac</a:t>
+            </a:r>
+            <a:r>
+              <a:rPr lang="en-US" sz="1200" kern="1200" dirty="0" smtClean="0">
+                <a:solidFill>
+                  <a:schemeClr val="tx1"/>
+                </a:solidFill>
+                <a:effectLst/>
+                <a:latin typeface="+mn-lt"/>
+                <a:ea typeface="+mn-ea"/>
+                <a:cs typeface="+mn-cs"/>
+              </a:rPr>
+              <a:t>{\partial w(\</a:t>
+            </a:r>
+            <a:r>
+              <a:rPr lang="en-US" sz="1200" kern="1200" dirty="0" err="1" smtClean="0">
+                <a:solidFill>
+                  <a:schemeClr val="tx1"/>
+                </a:solidFill>
+                <a:effectLst/>
+                <a:latin typeface="+mn-lt"/>
+                <a:ea typeface="+mn-ea"/>
+                <a:cs typeface="+mn-cs"/>
+              </a:rPr>
+              <a:t>vec</a:t>
+            </a:r>
+            <a:r>
+              <a:rPr lang="en-US" sz="1200" kern="1200" dirty="0" smtClean="0">
+                <a:solidFill>
+                  <a:schemeClr val="tx1"/>
+                </a:solidFill>
+                <a:effectLst/>
+                <a:latin typeface="+mn-lt"/>
+                <a:ea typeface="+mn-ea"/>
+                <a:cs typeface="+mn-cs"/>
+              </a:rPr>
+              <a:t>{r}-\</a:t>
+            </a:r>
+            <a:r>
+              <a:rPr lang="en-US" sz="1200" kern="1200" dirty="0" err="1" smtClean="0">
+                <a:solidFill>
+                  <a:schemeClr val="tx1"/>
+                </a:solidFill>
+                <a:effectLst/>
+                <a:latin typeface="+mn-lt"/>
+                <a:ea typeface="+mn-ea"/>
+                <a:cs typeface="+mn-cs"/>
+              </a:rPr>
+              <a:t>vec</a:t>
+            </a:r>
+            <a:r>
+              <a:rPr lang="en-US" sz="1200" kern="1200" dirty="0" smtClean="0">
+                <a:solidFill>
+                  <a:schemeClr val="tx1"/>
+                </a:solidFill>
+                <a:effectLst/>
+                <a:latin typeface="+mn-lt"/>
+                <a:ea typeface="+mn-ea"/>
+                <a:cs typeface="+mn-cs"/>
+              </a:rPr>
+              <a:t>{r}_0)}{\partial x_0}=\</a:t>
+            </a:r>
+            <a:r>
+              <a:rPr lang="en-US" sz="1200" kern="1200" dirty="0" err="1" smtClean="0">
+                <a:solidFill>
+                  <a:schemeClr val="tx1"/>
+                </a:solidFill>
+                <a:effectLst/>
+                <a:latin typeface="+mn-lt"/>
+                <a:ea typeface="+mn-ea"/>
+                <a:cs typeface="+mn-cs"/>
+              </a:rPr>
+              <a:t>frac</a:t>
+            </a:r>
+            <a:r>
+              <a:rPr lang="en-US" sz="1200" kern="1200" dirty="0" smtClean="0">
+                <a:solidFill>
+                  <a:schemeClr val="tx1"/>
+                </a:solidFill>
+                <a:effectLst/>
+                <a:latin typeface="+mn-lt"/>
+                <a:ea typeface="+mn-ea"/>
+                <a:cs typeface="+mn-cs"/>
+              </a:rPr>
+              <a:t>{\partial w(\</a:t>
+            </a:r>
+            <a:r>
+              <a:rPr lang="en-US" sz="1200" kern="1200" dirty="0" err="1" smtClean="0">
+                <a:solidFill>
+                  <a:schemeClr val="tx1"/>
+                </a:solidFill>
+                <a:effectLst/>
+                <a:latin typeface="+mn-lt"/>
+                <a:ea typeface="+mn-ea"/>
+                <a:cs typeface="+mn-cs"/>
+              </a:rPr>
+              <a:t>vec</a:t>
+            </a:r>
+            <a:r>
+              <a:rPr lang="en-US" sz="1200" kern="1200" dirty="0" smtClean="0">
+                <a:solidFill>
+                  <a:schemeClr val="tx1"/>
+                </a:solidFill>
+                <a:effectLst/>
+                <a:latin typeface="+mn-lt"/>
+                <a:ea typeface="+mn-ea"/>
+                <a:cs typeface="+mn-cs"/>
+              </a:rPr>
+              <a:t>{r}-\</a:t>
+            </a:r>
+            <a:r>
+              <a:rPr lang="en-US" sz="1200" kern="1200" dirty="0" err="1" smtClean="0">
+                <a:solidFill>
+                  <a:schemeClr val="tx1"/>
+                </a:solidFill>
+                <a:effectLst/>
+                <a:latin typeface="+mn-lt"/>
+                <a:ea typeface="+mn-ea"/>
+                <a:cs typeface="+mn-cs"/>
+              </a:rPr>
+              <a:t>vec</a:t>
+            </a:r>
+            <a:r>
+              <a:rPr lang="en-US" sz="1200" kern="1200" dirty="0" smtClean="0">
+                <a:solidFill>
+                  <a:schemeClr val="tx1"/>
+                </a:solidFill>
+                <a:effectLst/>
+                <a:latin typeface="+mn-lt"/>
+                <a:ea typeface="+mn-ea"/>
+                <a:cs typeface="+mn-cs"/>
+              </a:rPr>
+              <a:t>{r}_0)}{\partial y_0}=\</a:t>
+            </a:r>
+            <a:r>
+              <a:rPr lang="en-US" sz="1200" kern="1200" dirty="0" err="1" smtClean="0">
+                <a:solidFill>
+                  <a:schemeClr val="tx1"/>
+                </a:solidFill>
+                <a:effectLst/>
+                <a:latin typeface="+mn-lt"/>
+                <a:ea typeface="+mn-ea"/>
+                <a:cs typeface="+mn-cs"/>
+              </a:rPr>
+              <a:t>frac</a:t>
+            </a:r>
+            <a:r>
+              <a:rPr lang="en-US" sz="1200" kern="1200" dirty="0" smtClean="0">
+                <a:solidFill>
+                  <a:schemeClr val="tx1"/>
+                </a:solidFill>
+                <a:effectLst/>
+                <a:latin typeface="+mn-lt"/>
+                <a:ea typeface="+mn-ea"/>
+                <a:cs typeface="+mn-cs"/>
+              </a:rPr>
+              <a:t>{\partial w(\</a:t>
+            </a:r>
+            <a:r>
+              <a:rPr lang="en-US" sz="1200" kern="1200" dirty="0" err="1" smtClean="0">
+                <a:solidFill>
+                  <a:schemeClr val="tx1"/>
+                </a:solidFill>
+                <a:effectLst/>
+                <a:latin typeface="+mn-lt"/>
+                <a:ea typeface="+mn-ea"/>
+                <a:cs typeface="+mn-cs"/>
+              </a:rPr>
+              <a:t>vec</a:t>
+            </a:r>
+            <a:r>
+              <a:rPr lang="en-US" sz="1200" kern="1200" dirty="0" smtClean="0">
+                <a:solidFill>
+                  <a:schemeClr val="tx1"/>
+                </a:solidFill>
+                <a:effectLst/>
+                <a:latin typeface="+mn-lt"/>
+                <a:ea typeface="+mn-ea"/>
+                <a:cs typeface="+mn-cs"/>
+              </a:rPr>
+              <a:t>{r}-\</a:t>
+            </a:r>
+            <a:r>
+              <a:rPr lang="en-US" sz="1200" kern="1200" dirty="0" err="1" smtClean="0">
+                <a:solidFill>
+                  <a:schemeClr val="tx1"/>
+                </a:solidFill>
+                <a:effectLst/>
+                <a:latin typeface="+mn-lt"/>
+                <a:ea typeface="+mn-ea"/>
+                <a:cs typeface="+mn-cs"/>
+              </a:rPr>
+              <a:t>vec</a:t>
+            </a:r>
+            <a:r>
+              <a:rPr lang="en-US" sz="1200" kern="1200" dirty="0" smtClean="0">
+                <a:solidFill>
+                  <a:schemeClr val="tx1"/>
+                </a:solidFill>
+                <a:effectLst/>
+                <a:latin typeface="+mn-lt"/>
+                <a:ea typeface="+mn-ea"/>
+                <a:cs typeface="+mn-cs"/>
+              </a:rPr>
+              <a:t>{r}_0)}{\partial z_0}\\</a:t>
+            </a:r>
+          </a:p>
+          <a:p>
+            <a:r>
+              <a:rPr lang="en-US" sz="1200" kern="1200" dirty="0" smtClean="0">
+                <a:solidFill>
+                  <a:schemeClr val="tx1"/>
+                </a:solidFill>
+                <a:effectLst/>
+                <a:latin typeface="+mn-lt"/>
+                <a:ea typeface="+mn-ea"/>
+                <a:cs typeface="+mn-cs"/>
+              </a:rPr>
+              <a:t>&amp;=\</a:t>
+            </a:r>
+            <a:r>
+              <a:rPr lang="en-US" sz="1200" kern="1200" dirty="0" err="1" smtClean="0">
+                <a:solidFill>
+                  <a:schemeClr val="tx1"/>
+                </a:solidFill>
+                <a:effectLst/>
+                <a:latin typeface="+mn-lt"/>
+                <a:ea typeface="+mn-ea"/>
+                <a:cs typeface="+mn-cs"/>
+              </a:rPr>
+              <a:t>frac</a:t>
+            </a:r>
+            <a:r>
+              <a:rPr lang="en-US" sz="1200" kern="1200" dirty="0" smtClean="0">
+                <a:solidFill>
+                  <a:schemeClr val="tx1"/>
+                </a:solidFill>
+                <a:effectLst/>
+                <a:latin typeface="+mn-lt"/>
+                <a:ea typeface="+mn-ea"/>
+                <a:cs typeface="+mn-cs"/>
+              </a:rPr>
+              <a:t>{</a:t>
+            </a:r>
+            <a:r>
+              <a:rPr lang="en-US" sz="1200" kern="1200" dirty="0" err="1" smtClean="0">
+                <a:solidFill>
+                  <a:schemeClr val="tx1"/>
+                </a:solidFill>
+                <a:effectLst/>
+                <a:latin typeface="+mn-lt"/>
+                <a:ea typeface="+mn-ea"/>
+                <a:cs typeface="+mn-cs"/>
+              </a:rPr>
+              <a:t>i</a:t>
+            </a:r>
+            <a:r>
+              <a:rPr lang="en-US" sz="1200" kern="1200" dirty="0" smtClean="0">
+                <a:solidFill>
+                  <a:schemeClr val="tx1"/>
+                </a:solidFill>
+                <a:effectLst/>
+                <a:latin typeface="+mn-lt"/>
+                <a:ea typeface="+mn-ea"/>
+                <a:cs typeface="+mn-cs"/>
+              </a:rPr>
+              <a:t>}{</a:t>
+            </a:r>
+            <a:r>
+              <a:rPr lang="en-US" sz="1200" kern="1200" dirty="0" err="1" smtClean="0">
+                <a:solidFill>
+                  <a:schemeClr val="tx1"/>
+                </a:solidFill>
+                <a:effectLst/>
+                <a:latin typeface="+mn-lt"/>
+                <a:ea typeface="+mn-ea"/>
+                <a:cs typeface="+mn-cs"/>
+              </a:rPr>
+              <a:t>w_n</a:t>
+            </a:r>
+            <a:r>
+              <a:rPr lang="en-US" sz="1200" kern="1200" dirty="0" smtClean="0">
+                <a:solidFill>
+                  <a:schemeClr val="tx1"/>
+                </a:solidFill>
+                <a:effectLst/>
+                <a:latin typeface="+mn-lt"/>
+                <a:ea typeface="+mn-ea"/>
+                <a:cs typeface="+mn-cs"/>
+              </a:rPr>
+              <a:t>}\</a:t>
+            </a:r>
+            <a:r>
+              <a:rPr lang="en-US" sz="1200" kern="1200" dirty="0" err="1" smtClean="0">
+                <a:solidFill>
+                  <a:schemeClr val="tx1"/>
+                </a:solidFill>
+                <a:effectLst/>
+                <a:latin typeface="+mn-lt"/>
+                <a:ea typeface="+mn-ea"/>
+                <a:cs typeface="+mn-cs"/>
+              </a:rPr>
+              <a:t>int</a:t>
+            </a:r>
+            <a:r>
+              <a:rPr lang="en-US" sz="1200" kern="1200" dirty="0" smtClean="0">
+                <a:solidFill>
+                  <a:schemeClr val="tx1"/>
+                </a:solidFill>
+                <a:effectLst/>
+                <a:latin typeface="+mn-lt"/>
+                <a:ea typeface="+mn-ea"/>
+                <a:cs typeface="+mn-cs"/>
+              </a:rPr>
+              <a:t>_{|\</a:t>
+            </a:r>
+            <a:r>
+              <a:rPr lang="en-US" sz="1200" kern="1200" dirty="0" err="1" smtClean="0">
+                <a:solidFill>
+                  <a:schemeClr val="tx1"/>
+                </a:solidFill>
+                <a:effectLst/>
+                <a:latin typeface="+mn-lt"/>
+                <a:ea typeface="+mn-ea"/>
+                <a:cs typeface="+mn-cs"/>
+              </a:rPr>
+              <a:t>vec</a:t>
+            </a:r>
+            <a:r>
+              <a:rPr lang="en-US" sz="1200" kern="1200" dirty="0" smtClean="0">
+                <a:solidFill>
+                  <a:schemeClr val="tx1"/>
+                </a:solidFill>
+                <a:effectLst/>
+                <a:latin typeface="+mn-lt"/>
+                <a:ea typeface="+mn-ea"/>
+                <a:cs typeface="+mn-cs"/>
+              </a:rPr>
+              <a:t>{\rho}\,|\</a:t>
+            </a:r>
+            <a:r>
+              <a:rPr lang="en-US" sz="1200" kern="1200" dirty="0" err="1" smtClean="0">
+                <a:solidFill>
+                  <a:schemeClr val="tx1"/>
+                </a:solidFill>
+                <a:effectLst/>
+                <a:latin typeface="+mn-lt"/>
+                <a:ea typeface="+mn-ea"/>
+                <a:cs typeface="+mn-cs"/>
+              </a:rPr>
+              <a:t>leq</a:t>
+            </a:r>
+            <a:r>
+              <a:rPr lang="en-US" sz="1200" kern="1200" dirty="0" smtClean="0">
+                <a:solidFill>
+                  <a:schemeClr val="tx1"/>
+                </a:solidFill>
+                <a:effectLst/>
+                <a:latin typeface="+mn-lt"/>
+                <a:ea typeface="+mn-ea"/>
+                <a:cs typeface="+mn-cs"/>
+              </a:rPr>
+              <a:t> 1}{d^2\rho A(\</a:t>
+            </a:r>
+            <a:r>
+              <a:rPr lang="en-US" sz="1200" kern="1200" dirty="0" err="1" smtClean="0">
+                <a:solidFill>
+                  <a:schemeClr val="tx1"/>
+                </a:solidFill>
+                <a:effectLst/>
+                <a:latin typeface="+mn-lt"/>
+                <a:ea typeface="+mn-ea"/>
+                <a:cs typeface="+mn-cs"/>
+              </a:rPr>
+              <a:t>vec</a:t>
+            </a:r>
+            <a:r>
+              <a:rPr lang="en-US" sz="1200" kern="1200" dirty="0" smtClean="0">
+                <a:solidFill>
+                  <a:schemeClr val="tx1"/>
+                </a:solidFill>
+                <a:effectLst/>
+                <a:latin typeface="+mn-lt"/>
+                <a:ea typeface="+mn-ea"/>
+                <a:cs typeface="+mn-cs"/>
+              </a:rPr>
+              <a:t>{\rho}\,)\</a:t>
+            </a:r>
+            <a:r>
+              <a:rPr lang="en-US" sz="1200" kern="1200" dirty="0" err="1" smtClean="0">
+                <a:solidFill>
+                  <a:schemeClr val="tx1"/>
+                </a:solidFill>
+                <a:effectLst/>
+                <a:latin typeface="+mn-lt"/>
+                <a:ea typeface="+mn-ea"/>
+                <a:cs typeface="+mn-cs"/>
+              </a:rPr>
+              <a:t>exp</a:t>
+            </a:r>
+            <a:r>
+              <a:rPr lang="en-US" sz="1200" kern="1200" dirty="0" smtClean="0">
+                <a:solidFill>
+                  <a:schemeClr val="tx1"/>
+                </a:solidFill>
+                <a:effectLst/>
+                <a:latin typeface="+mn-lt"/>
+                <a:ea typeface="+mn-ea"/>
+                <a:cs typeface="+mn-cs"/>
+              </a:rPr>
+              <a:t>{\left(\</a:t>
+            </a:r>
+            <a:r>
+              <a:rPr lang="en-US" sz="1200" kern="1200" dirty="0" err="1" smtClean="0">
+                <a:solidFill>
+                  <a:schemeClr val="tx1"/>
+                </a:solidFill>
+                <a:effectLst/>
+                <a:latin typeface="+mn-lt"/>
+                <a:ea typeface="+mn-ea"/>
+                <a:cs typeface="+mn-cs"/>
+              </a:rPr>
+              <a:t>frac</a:t>
+            </a:r>
+            <a:r>
+              <a:rPr lang="en-US" sz="1200" kern="1200" dirty="0" smtClean="0">
+                <a:solidFill>
+                  <a:schemeClr val="tx1"/>
+                </a:solidFill>
+                <a:effectLst/>
+                <a:latin typeface="+mn-lt"/>
+                <a:ea typeface="+mn-ea"/>
+                <a:cs typeface="+mn-cs"/>
+              </a:rPr>
+              <a:t>{2\pi </a:t>
+            </a:r>
+            <a:r>
+              <a:rPr lang="en-US" sz="1200" kern="1200" dirty="0" err="1" smtClean="0">
+                <a:solidFill>
+                  <a:schemeClr val="tx1"/>
+                </a:solidFill>
+                <a:effectLst/>
+                <a:latin typeface="+mn-lt"/>
+                <a:ea typeface="+mn-ea"/>
+                <a:cs typeface="+mn-cs"/>
+              </a:rPr>
+              <a:t>i</a:t>
+            </a:r>
+            <a:r>
+              <a:rPr lang="en-US" sz="1200" kern="1200" dirty="0" smtClean="0">
+                <a:solidFill>
+                  <a:schemeClr val="tx1"/>
+                </a:solidFill>
+                <a:effectLst/>
+                <a:latin typeface="+mn-lt"/>
+                <a:ea typeface="+mn-ea"/>
+                <a:cs typeface="+mn-cs"/>
+              </a:rPr>
+              <a:t> W(\</a:t>
+            </a:r>
+            <a:r>
+              <a:rPr lang="en-US" sz="1200" kern="1200" dirty="0" err="1" smtClean="0">
+                <a:solidFill>
+                  <a:schemeClr val="tx1"/>
+                </a:solidFill>
+                <a:effectLst/>
+                <a:latin typeface="+mn-lt"/>
+                <a:ea typeface="+mn-ea"/>
+                <a:cs typeface="+mn-cs"/>
+              </a:rPr>
+              <a:t>vec</a:t>
+            </a:r>
+            <a:r>
+              <a:rPr lang="en-US" sz="1200" kern="1200" dirty="0" smtClean="0">
+                <a:solidFill>
+                  <a:schemeClr val="tx1"/>
+                </a:solidFill>
+                <a:effectLst/>
+                <a:latin typeface="+mn-lt"/>
+                <a:ea typeface="+mn-ea"/>
+                <a:cs typeface="+mn-cs"/>
+              </a:rPr>
+              <a:t>{\rho}\,)}{\lambda}\right)}}q(\</a:t>
+            </a:r>
+            <a:r>
+              <a:rPr lang="en-US" sz="1200" kern="1200" dirty="0" err="1" smtClean="0">
+                <a:solidFill>
+                  <a:schemeClr val="tx1"/>
+                </a:solidFill>
+                <a:effectLst/>
+                <a:latin typeface="+mn-lt"/>
+                <a:ea typeface="+mn-ea"/>
+                <a:cs typeface="+mn-cs"/>
+              </a:rPr>
+              <a:t>vec</a:t>
+            </a:r>
+            <a:r>
+              <a:rPr lang="en-US" sz="1200" kern="1200" dirty="0" smtClean="0">
+                <a:solidFill>
+                  <a:schemeClr val="tx1"/>
+                </a:solidFill>
+                <a:effectLst/>
+                <a:latin typeface="+mn-lt"/>
+                <a:ea typeface="+mn-ea"/>
+                <a:cs typeface="+mn-cs"/>
+              </a:rPr>
+              <a:t>{\rho}\,)\</a:t>
+            </a:r>
+            <a:r>
+              <a:rPr lang="en-US" sz="1200" kern="1200" dirty="0" err="1" smtClean="0">
+                <a:solidFill>
+                  <a:schemeClr val="tx1"/>
+                </a:solidFill>
+                <a:effectLst/>
+                <a:latin typeface="+mn-lt"/>
+                <a:ea typeface="+mn-ea"/>
+                <a:cs typeface="+mn-cs"/>
+              </a:rPr>
+              <a:t>vec</a:t>
+            </a:r>
+            <a:r>
+              <a:rPr lang="en-US" sz="1200" kern="1200" dirty="0" smtClean="0">
+                <a:solidFill>
+                  <a:schemeClr val="tx1"/>
+                </a:solidFill>
+                <a:effectLst/>
+                <a:latin typeface="+mn-lt"/>
+                <a:ea typeface="+mn-ea"/>
+                <a:cs typeface="+mn-cs"/>
+              </a:rPr>
+              <a:t>{k}(\</a:t>
+            </a:r>
+            <a:r>
+              <a:rPr lang="en-US" sz="1200" kern="1200" dirty="0" err="1" smtClean="0">
+                <a:solidFill>
+                  <a:schemeClr val="tx1"/>
+                </a:solidFill>
+                <a:effectLst/>
+                <a:latin typeface="+mn-lt"/>
+                <a:ea typeface="+mn-ea"/>
+                <a:cs typeface="+mn-cs"/>
+              </a:rPr>
+              <a:t>vec</a:t>
+            </a:r>
+            <a:r>
+              <a:rPr lang="en-US" sz="1200" kern="1200" dirty="0" smtClean="0">
+                <a:solidFill>
+                  <a:schemeClr val="tx1"/>
+                </a:solidFill>
+                <a:effectLst/>
+                <a:latin typeface="+mn-lt"/>
+                <a:ea typeface="+mn-ea"/>
+                <a:cs typeface="+mn-cs"/>
+              </a:rPr>
+              <a:t>{\rho}\,)\</a:t>
+            </a:r>
+            <a:r>
+              <a:rPr lang="en-US" sz="1200" kern="1200" dirty="0" err="1" smtClean="0">
+                <a:solidFill>
+                  <a:schemeClr val="tx1"/>
+                </a:solidFill>
+                <a:effectLst/>
+                <a:latin typeface="+mn-lt"/>
+                <a:ea typeface="+mn-ea"/>
+                <a:cs typeface="+mn-cs"/>
+              </a:rPr>
+              <a:t>exp</a:t>
+            </a:r>
+            <a:r>
+              <a:rPr lang="en-US" sz="1200" kern="1200" dirty="0" smtClean="0">
+                <a:solidFill>
+                  <a:schemeClr val="tx1"/>
+                </a:solidFill>
+                <a:effectLst/>
+                <a:latin typeface="+mn-lt"/>
+                <a:ea typeface="+mn-ea"/>
+                <a:cs typeface="+mn-cs"/>
+              </a:rPr>
+              <a:t>{\left(-</a:t>
+            </a:r>
+            <a:r>
+              <a:rPr lang="en-US" sz="1200" kern="1200" dirty="0" err="1" smtClean="0">
+                <a:solidFill>
+                  <a:schemeClr val="tx1"/>
+                </a:solidFill>
+                <a:effectLst/>
+                <a:latin typeface="+mn-lt"/>
+                <a:ea typeface="+mn-ea"/>
+                <a:cs typeface="+mn-cs"/>
+              </a:rPr>
+              <a:t>i</a:t>
+            </a:r>
+            <a:r>
+              <a:rPr lang="en-US" sz="1200" kern="1200" dirty="0" smtClean="0">
+                <a:solidFill>
+                  <a:schemeClr val="tx1"/>
+                </a:solidFill>
+                <a:effectLst/>
+                <a:latin typeface="+mn-lt"/>
+                <a:ea typeface="+mn-ea"/>
+                <a:cs typeface="+mn-cs"/>
+              </a:rPr>
+              <a:t> \</a:t>
+            </a:r>
+            <a:r>
+              <a:rPr lang="en-US" sz="1200" kern="1200" dirty="0" err="1" smtClean="0">
+                <a:solidFill>
+                  <a:schemeClr val="tx1"/>
+                </a:solidFill>
+                <a:effectLst/>
+                <a:latin typeface="+mn-lt"/>
+                <a:ea typeface="+mn-ea"/>
+                <a:cs typeface="+mn-cs"/>
+              </a:rPr>
+              <a:t>vec</a:t>
+            </a:r>
+            <a:r>
+              <a:rPr lang="en-US" sz="1200" kern="1200" dirty="0" smtClean="0">
+                <a:solidFill>
+                  <a:schemeClr val="tx1"/>
+                </a:solidFill>
+                <a:effectLst/>
+                <a:latin typeface="+mn-lt"/>
+                <a:ea typeface="+mn-ea"/>
+                <a:cs typeface="+mn-cs"/>
+              </a:rPr>
+              <a:t>{k}(\</a:t>
+            </a:r>
+            <a:r>
+              <a:rPr lang="en-US" sz="1200" kern="1200" dirty="0" err="1" smtClean="0">
+                <a:solidFill>
+                  <a:schemeClr val="tx1"/>
+                </a:solidFill>
+                <a:effectLst/>
+                <a:latin typeface="+mn-lt"/>
+                <a:ea typeface="+mn-ea"/>
+                <a:cs typeface="+mn-cs"/>
+              </a:rPr>
+              <a:t>vec</a:t>
+            </a:r>
+            <a:r>
+              <a:rPr lang="en-US" sz="1200" kern="1200" dirty="0" smtClean="0">
+                <a:solidFill>
+                  <a:schemeClr val="tx1"/>
+                </a:solidFill>
+                <a:effectLst/>
+                <a:latin typeface="+mn-lt"/>
+                <a:ea typeface="+mn-ea"/>
+                <a:cs typeface="+mn-cs"/>
+              </a:rPr>
+              <a:t>{\rho}\,)\</a:t>
+            </a:r>
+            <a:r>
+              <a:rPr lang="en-US" sz="1200" kern="1200" dirty="0" err="1" smtClean="0">
+                <a:solidFill>
+                  <a:schemeClr val="tx1"/>
+                </a:solidFill>
+                <a:effectLst/>
+                <a:latin typeface="+mn-lt"/>
+                <a:ea typeface="+mn-ea"/>
+                <a:cs typeface="+mn-cs"/>
+              </a:rPr>
+              <a:t>cdot</a:t>
+            </a:r>
+            <a:r>
+              <a:rPr lang="en-US" sz="1200" kern="1200" dirty="0" smtClean="0">
+                <a:solidFill>
+                  <a:schemeClr val="tx1"/>
+                </a:solidFill>
+                <a:effectLst/>
+                <a:latin typeface="+mn-lt"/>
+                <a:ea typeface="+mn-ea"/>
+                <a:cs typeface="+mn-cs"/>
+              </a:rPr>
+              <a:t> (\</a:t>
+            </a:r>
+            <a:r>
+              <a:rPr lang="en-US" sz="1200" kern="1200" dirty="0" err="1" smtClean="0">
+                <a:solidFill>
+                  <a:schemeClr val="tx1"/>
+                </a:solidFill>
+                <a:effectLst/>
+                <a:latin typeface="+mn-lt"/>
+                <a:ea typeface="+mn-ea"/>
+                <a:cs typeface="+mn-cs"/>
+              </a:rPr>
+              <a:t>vec</a:t>
+            </a:r>
+            <a:r>
+              <a:rPr lang="en-US" sz="1200" kern="1200" dirty="0" smtClean="0">
+                <a:solidFill>
+                  <a:schemeClr val="tx1"/>
+                </a:solidFill>
+                <a:effectLst/>
+                <a:latin typeface="+mn-lt"/>
+                <a:ea typeface="+mn-ea"/>
+                <a:cs typeface="+mn-cs"/>
+              </a:rPr>
+              <a:t>{r}-\</a:t>
+            </a:r>
+            <a:r>
+              <a:rPr lang="en-US" sz="1200" kern="1200" dirty="0" err="1" smtClean="0">
+                <a:solidFill>
+                  <a:schemeClr val="tx1"/>
+                </a:solidFill>
+                <a:effectLst/>
+                <a:latin typeface="+mn-lt"/>
+                <a:ea typeface="+mn-ea"/>
+                <a:cs typeface="+mn-cs"/>
+              </a:rPr>
+              <a:t>vec</a:t>
+            </a:r>
+            <a:r>
+              <a:rPr lang="en-US" sz="1200" kern="1200" dirty="0" smtClean="0">
+                <a:solidFill>
+                  <a:schemeClr val="tx1"/>
+                </a:solidFill>
+                <a:effectLst/>
+                <a:latin typeface="+mn-lt"/>
+                <a:ea typeface="+mn-ea"/>
+                <a:cs typeface="+mn-cs"/>
+              </a:rPr>
+              <a:t>{r}_0)\right)}\\</a:t>
+            </a:r>
+          </a:p>
+          <a:p>
+            <a:r>
+              <a:rPr lang="en-US" sz="1200" kern="1200" dirty="0" smtClean="0">
+                <a:solidFill>
+                  <a:schemeClr val="tx1"/>
+                </a:solidFill>
+                <a:effectLst/>
+                <a:latin typeface="+mn-lt"/>
+                <a:ea typeface="+mn-ea"/>
+                <a:cs typeface="+mn-cs"/>
+              </a:rPr>
+              <a:t>\</a:t>
+            </a:r>
+            <a:r>
+              <a:rPr lang="en-US" sz="1200" kern="1200" dirty="0" err="1" smtClean="0">
+                <a:solidFill>
+                  <a:schemeClr val="tx1"/>
+                </a:solidFill>
+                <a:effectLst/>
+                <a:latin typeface="+mn-lt"/>
+                <a:ea typeface="+mn-ea"/>
+                <a:cs typeface="+mn-cs"/>
+              </a:rPr>
+              <a:t>frac</a:t>
+            </a:r>
+            <a:r>
+              <a:rPr lang="en-US" sz="1200" kern="1200" dirty="0" smtClean="0">
+                <a:solidFill>
+                  <a:schemeClr val="tx1"/>
+                </a:solidFill>
+                <a:effectLst/>
+                <a:latin typeface="+mn-lt"/>
+                <a:ea typeface="+mn-ea"/>
+                <a:cs typeface="+mn-cs"/>
+              </a:rPr>
+              <a:t>{\partial w(\</a:t>
+            </a:r>
+            <a:r>
+              <a:rPr lang="en-US" sz="1200" kern="1200" dirty="0" err="1" smtClean="0">
+                <a:solidFill>
+                  <a:schemeClr val="tx1"/>
+                </a:solidFill>
+                <a:effectLst/>
+                <a:latin typeface="+mn-lt"/>
+                <a:ea typeface="+mn-ea"/>
+                <a:cs typeface="+mn-cs"/>
+              </a:rPr>
+              <a:t>vec</a:t>
+            </a:r>
+            <a:r>
+              <a:rPr lang="en-US" sz="1200" kern="1200" dirty="0" smtClean="0">
+                <a:solidFill>
+                  <a:schemeClr val="tx1"/>
+                </a:solidFill>
+                <a:effectLst/>
+                <a:latin typeface="+mn-lt"/>
+                <a:ea typeface="+mn-ea"/>
+                <a:cs typeface="+mn-cs"/>
+              </a:rPr>
+              <a:t>{r}-\</a:t>
+            </a:r>
+            <a:r>
+              <a:rPr lang="en-US" sz="1200" kern="1200" dirty="0" err="1" smtClean="0">
+                <a:solidFill>
+                  <a:schemeClr val="tx1"/>
+                </a:solidFill>
+                <a:effectLst/>
+                <a:latin typeface="+mn-lt"/>
+                <a:ea typeface="+mn-ea"/>
+                <a:cs typeface="+mn-cs"/>
+              </a:rPr>
+              <a:t>vec</a:t>
+            </a:r>
+            <a:r>
+              <a:rPr lang="en-US" sz="1200" kern="1200" dirty="0" smtClean="0">
+                <a:solidFill>
+                  <a:schemeClr val="tx1"/>
+                </a:solidFill>
+                <a:effectLst/>
+                <a:latin typeface="+mn-lt"/>
+                <a:ea typeface="+mn-ea"/>
+                <a:cs typeface="+mn-cs"/>
+              </a:rPr>
+              <a:t>{r}_0)}{\partial \lambda}&amp;=-\</a:t>
+            </a:r>
+            <a:r>
+              <a:rPr lang="en-US" sz="1200" kern="1200" dirty="0" err="1" smtClean="0">
+                <a:solidFill>
+                  <a:schemeClr val="tx1"/>
+                </a:solidFill>
+                <a:effectLst/>
+                <a:latin typeface="+mn-lt"/>
+                <a:ea typeface="+mn-ea"/>
+                <a:cs typeface="+mn-cs"/>
+              </a:rPr>
+              <a:t>frac</a:t>
+            </a:r>
+            <a:r>
+              <a:rPr lang="en-US" sz="1200" kern="1200" dirty="0" smtClean="0">
+                <a:solidFill>
+                  <a:schemeClr val="tx1"/>
+                </a:solidFill>
+                <a:effectLst/>
+                <a:latin typeface="+mn-lt"/>
+                <a:ea typeface="+mn-ea"/>
+                <a:cs typeface="+mn-cs"/>
+              </a:rPr>
+              <a:t>{2\pi </a:t>
+            </a:r>
+            <a:r>
+              <a:rPr lang="en-US" sz="1200" kern="1200" dirty="0" err="1" smtClean="0">
+                <a:solidFill>
+                  <a:schemeClr val="tx1"/>
+                </a:solidFill>
+                <a:effectLst/>
+                <a:latin typeface="+mn-lt"/>
+                <a:ea typeface="+mn-ea"/>
+                <a:cs typeface="+mn-cs"/>
+              </a:rPr>
+              <a:t>i</a:t>
+            </a:r>
+            <a:r>
+              <a:rPr lang="en-US" sz="1200" kern="1200" dirty="0" smtClean="0">
+                <a:solidFill>
+                  <a:schemeClr val="tx1"/>
+                </a:solidFill>
+                <a:effectLst/>
+                <a:latin typeface="+mn-lt"/>
+                <a:ea typeface="+mn-ea"/>
+                <a:cs typeface="+mn-cs"/>
+              </a:rPr>
+              <a:t>}{</a:t>
+            </a:r>
+            <a:r>
+              <a:rPr lang="en-US" sz="1200" kern="1200" dirty="0" err="1" smtClean="0">
+                <a:solidFill>
+                  <a:schemeClr val="tx1"/>
+                </a:solidFill>
+                <a:effectLst/>
+                <a:latin typeface="+mn-lt"/>
+                <a:ea typeface="+mn-ea"/>
+                <a:cs typeface="+mn-cs"/>
+              </a:rPr>
+              <a:t>w_n</a:t>
+            </a:r>
+            <a:r>
+              <a:rPr lang="en-US" sz="1200" kern="1200" dirty="0" smtClean="0">
+                <a:solidFill>
+                  <a:schemeClr val="tx1"/>
+                </a:solidFill>
+                <a:effectLst/>
+                <a:latin typeface="+mn-lt"/>
+                <a:ea typeface="+mn-ea"/>
+                <a:cs typeface="+mn-cs"/>
+              </a:rPr>
+              <a:t> \lambda ^2}\</a:t>
+            </a:r>
+            <a:r>
+              <a:rPr lang="en-US" sz="1200" kern="1200" dirty="0" err="1" smtClean="0">
+                <a:solidFill>
+                  <a:schemeClr val="tx1"/>
+                </a:solidFill>
+                <a:effectLst/>
+                <a:latin typeface="+mn-lt"/>
+                <a:ea typeface="+mn-ea"/>
+                <a:cs typeface="+mn-cs"/>
+              </a:rPr>
+              <a:t>int</a:t>
+            </a:r>
+            <a:r>
+              <a:rPr lang="en-US" sz="1200" kern="1200" dirty="0" smtClean="0">
+                <a:solidFill>
+                  <a:schemeClr val="tx1"/>
+                </a:solidFill>
+                <a:effectLst/>
+                <a:latin typeface="+mn-lt"/>
+                <a:ea typeface="+mn-ea"/>
+                <a:cs typeface="+mn-cs"/>
+              </a:rPr>
+              <a:t>_{|\</a:t>
+            </a:r>
+            <a:r>
+              <a:rPr lang="en-US" sz="1200" kern="1200" dirty="0" err="1" smtClean="0">
+                <a:solidFill>
+                  <a:schemeClr val="tx1"/>
+                </a:solidFill>
+                <a:effectLst/>
+                <a:latin typeface="+mn-lt"/>
+                <a:ea typeface="+mn-ea"/>
+                <a:cs typeface="+mn-cs"/>
+              </a:rPr>
+              <a:t>vec</a:t>
+            </a:r>
+            <a:r>
+              <a:rPr lang="en-US" sz="1200" kern="1200" dirty="0" smtClean="0">
+                <a:solidFill>
+                  <a:schemeClr val="tx1"/>
+                </a:solidFill>
+                <a:effectLst/>
+                <a:latin typeface="+mn-lt"/>
+                <a:ea typeface="+mn-ea"/>
+                <a:cs typeface="+mn-cs"/>
+              </a:rPr>
+              <a:t>{\rho}\,|\</a:t>
+            </a:r>
+            <a:r>
+              <a:rPr lang="en-US" sz="1200" kern="1200" dirty="0" err="1" smtClean="0">
+                <a:solidFill>
+                  <a:schemeClr val="tx1"/>
+                </a:solidFill>
+                <a:effectLst/>
+                <a:latin typeface="+mn-lt"/>
+                <a:ea typeface="+mn-ea"/>
+                <a:cs typeface="+mn-cs"/>
+              </a:rPr>
+              <a:t>leq</a:t>
+            </a:r>
+            <a:r>
+              <a:rPr lang="en-US" sz="1200" kern="1200" dirty="0" smtClean="0">
+                <a:solidFill>
+                  <a:schemeClr val="tx1"/>
+                </a:solidFill>
+                <a:effectLst/>
+                <a:latin typeface="+mn-lt"/>
+                <a:ea typeface="+mn-ea"/>
+                <a:cs typeface="+mn-cs"/>
+              </a:rPr>
+              <a:t> 1}{d^2\rho A(\</a:t>
+            </a:r>
+            <a:r>
+              <a:rPr lang="en-US" sz="1200" kern="1200" dirty="0" err="1" smtClean="0">
+                <a:solidFill>
+                  <a:schemeClr val="tx1"/>
+                </a:solidFill>
+                <a:effectLst/>
+                <a:latin typeface="+mn-lt"/>
+                <a:ea typeface="+mn-ea"/>
+                <a:cs typeface="+mn-cs"/>
+              </a:rPr>
+              <a:t>vec</a:t>
+            </a:r>
+            <a:r>
+              <a:rPr lang="en-US" sz="1200" kern="1200" dirty="0" smtClean="0">
+                <a:solidFill>
+                  <a:schemeClr val="tx1"/>
+                </a:solidFill>
+                <a:effectLst/>
+                <a:latin typeface="+mn-lt"/>
+                <a:ea typeface="+mn-ea"/>
+                <a:cs typeface="+mn-cs"/>
+              </a:rPr>
+              <a:t>{\rho}\,)\</a:t>
+            </a:r>
+            <a:r>
+              <a:rPr lang="en-US" sz="1200" kern="1200" dirty="0" err="1" smtClean="0">
+                <a:solidFill>
+                  <a:schemeClr val="tx1"/>
+                </a:solidFill>
+                <a:effectLst/>
+                <a:latin typeface="+mn-lt"/>
+                <a:ea typeface="+mn-ea"/>
+                <a:cs typeface="+mn-cs"/>
+              </a:rPr>
+              <a:t>exp</a:t>
+            </a:r>
+            <a:r>
+              <a:rPr lang="en-US" sz="1200" kern="1200" dirty="0" smtClean="0">
+                <a:solidFill>
+                  <a:schemeClr val="tx1"/>
+                </a:solidFill>
+                <a:effectLst/>
+                <a:latin typeface="+mn-lt"/>
+                <a:ea typeface="+mn-ea"/>
+                <a:cs typeface="+mn-cs"/>
+              </a:rPr>
+              <a:t>{\left(\</a:t>
+            </a:r>
+            <a:r>
+              <a:rPr lang="en-US" sz="1200" kern="1200" dirty="0" err="1" smtClean="0">
+                <a:solidFill>
+                  <a:schemeClr val="tx1"/>
+                </a:solidFill>
+                <a:effectLst/>
+                <a:latin typeface="+mn-lt"/>
+                <a:ea typeface="+mn-ea"/>
+                <a:cs typeface="+mn-cs"/>
+              </a:rPr>
+              <a:t>frac</a:t>
+            </a:r>
+            <a:r>
+              <a:rPr lang="en-US" sz="1200" kern="1200" dirty="0" smtClean="0">
+                <a:solidFill>
+                  <a:schemeClr val="tx1"/>
+                </a:solidFill>
+                <a:effectLst/>
+                <a:latin typeface="+mn-lt"/>
+                <a:ea typeface="+mn-ea"/>
+                <a:cs typeface="+mn-cs"/>
+              </a:rPr>
+              <a:t>{2\pi </a:t>
+            </a:r>
+            <a:r>
+              <a:rPr lang="en-US" sz="1200" kern="1200" dirty="0" err="1" smtClean="0">
+                <a:solidFill>
+                  <a:schemeClr val="tx1"/>
+                </a:solidFill>
+                <a:effectLst/>
+                <a:latin typeface="+mn-lt"/>
+                <a:ea typeface="+mn-ea"/>
+                <a:cs typeface="+mn-cs"/>
+              </a:rPr>
+              <a:t>i</a:t>
+            </a:r>
+            <a:r>
+              <a:rPr lang="en-US" sz="1200" kern="1200" dirty="0" smtClean="0">
+                <a:solidFill>
+                  <a:schemeClr val="tx1"/>
+                </a:solidFill>
+                <a:effectLst/>
+                <a:latin typeface="+mn-lt"/>
+                <a:ea typeface="+mn-ea"/>
+                <a:cs typeface="+mn-cs"/>
+              </a:rPr>
+              <a:t> W(\</a:t>
+            </a:r>
+            <a:r>
+              <a:rPr lang="en-US" sz="1200" kern="1200" dirty="0" err="1" smtClean="0">
+                <a:solidFill>
+                  <a:schemeClr val="tx1"/>
+                </a:solidFill>
+                <a:effectLst/>
+                <a:latin typeface="+mn-lt"/>
+                <a:ea typeface="+mn-ea"/>
+                <a:cs typeface="+mn-cs"/>
+              </a:rPr>
+              <a:t>vec</a:t>
+            </a:r>
+            <a:r>
+              <a:rPr lang="en-US" sz="1200" kern="1200" dirty="0" smtClean="0">
+                <a:solidFill>
+                  <a:schemeClr val="tx1"/>
+                </a:solidFill>
+                <a:effectLst/>
+                <a:latin typeface="+mn-lt"/>
+                <a:ea typeface="+mn-ea"/>
+                <a:cs typeface="+mn-cs"/>
+              </a:rPr>
+              <a:t>{\rho}\,)}{\lambda}\right)}}q(\</a:t>
+            </a:r>
+            <a:r>
+              <a:rPr lang="en-US" sz="1200" kern="1200" dirty="0" err="1" smtClean="0">
+                <a:solidFill>
+                  <a:schemeClr val="tx1"/>
+                </a:solidFill>
+                <a:effectLst/>
+                <a:latin typeface="+mn-lt"/>
+                <a:ea typeface="+mn-ea"/>
+                <a:cs typeface="+mn-cs"/>
+              </a:rPr>
+              <a:t>vec</a:t>
+            </a:r>
+            <a:r>
+              <a:rPr lang="en-US" sz="1200" kern="1200" dirty="0" smtClean="0">
+                <a:solidFill>
+                  <a:schemeClr val="tx1"/>
+                </a:solidFill>
+                <a:effectLst/>
+                <a:latin typeface="+mn-lt"/>
+                <a:ea typeface="+mn-ea"/>
+                <a:cs typeface="+mn-cs"/>
+              </a:rPr>
+              <a:t>{\rho}\,)W(\</a:t>
+            </a:r>
+            <a:r>
+              <a:rPr lang="en-US" sz="1200" kern="1200" dirty="0" err="1" smtClean="0">
+                <a:solidFill>
+                  <a:schemeClr val="tx1"/>
+                </a:solidFill>
+                <a:effectLst/>
+                <a:latin typeface="+mn-lt"/>
+                <a:ea typeface="+mn-ea"/>
+                <a:cs typeface="+mn-cs"/>
+              </a:rPr>
+              <a:t>vec</a:t>
+            </a:r>
+            <a:r>
+              <a:rPr lang="en-US" sz="1200" kern="1200" dirty="0" smtClean="0">
+                <a:solidFill>
+                  <a:schemeClr val="tx1"/>
+                </a:solidFill>
+                <a:effectLst/>
+                <a:latin typeface="+mn-lt"/>
+                <a:ea typeface="+mn-ea"/>
+                <a:cs typeface="+mn-cs"/>
+              </a:rPr>
+              <a:t>{\rho}\,)\</a:t>
+            </a:r>
+            <a:r>
+              <a:rPr lang="en-US" sz="1200" kern="1200" dirty="0" err="1" smtClean="0">
+                <a:solidFill>
+                  <a:schemeClr val="tx1"/>
+                </a:solidFill>
+                <a:effectLst/>
+                <a:latin typeface="+mn-lt"/>
+                <a:ea typeface="+mn-ea"/>
+                <a:cs typeface="+mn-cs"/>
+              </a:rPr>
+              <a:t>exp</a:t>
+            </a:r>
+            <a:r>
+              <a:rPr lang="en-US" sz="1200" kern="1200" dirty="0" smtClean="0">
+                <a:solidFill>
+                  <a:schemeClr val="tx1"/>
+                </a:solidFill>
+                <a:effectLst/>
+                <a:latin typeface="+mn-lt"/>
+                <a:ea typeface="+mn-ea"/>
+                <a:cs typeface="+mn-cs"/>
+              </a:rPr>
+              <a:t>{\left(-</a:t>
+            </a:r>
+            <a:r>
+              <a:rPr lang="en-US" sz="1200" kern="1200" dirty="0" err="1" smtClean="0">
+                <a:solidFill>
+                  <a:schemeClr val="tx1"/>
+                </a:solidFill>
+                <a:effectLst/>
+                <a:latin typeface="+mn-lt"/>
+                <a:ea typeface="+mn-ea"/>
+                <a:cs typeface="+mn-cs"/>
+              </a:rPr>
+              <a:t>i</a:t>
+            </a:r>
+            <a:r>
+              <a:rPr lang="en-US" sz="1200" kern="1200" dirty="0" smtClean="0">
+                <a:solidFill>
+                  <a:schemeClr val="tx1"/>
+                </a:solidFill>
+                <a:effectLst/>
+                <a:latin typeface="+mn-lt"/>
+                <a:ea typeface="+mn-ea"/>
+                <a:cs typeface="+mn-cs"/>
+              </a:rPr>
+              <a:t> \</a:t>
+            </a:r>
+            <a:r>
+              <a:rPr lang="en-US" sz="1200" kern="1200" dirty="0" err="1" smtClean="0">
+                <a:solidFill>
+                  <a:schemeClr val="tx1"/>
+                </a:solidFill>
+                <a:effectLst/>
+                <a:latin typeface="+mn-lt"/>
+                <a:ea typeface="+mn-ea"/>
+                <a:cs typeface="+mn-cs"/>
+              </a:rPr>
+              <a:t>vec</a:t>
+            </a:r>
+            <a:r>
+              <a:rPr lang="en-US" sz="1200" kern="1200" dirty="0" smtClean="0">
+                <a:solidFill>
+                  <a:schemeClr val="tx1"/>
+                </a:solidFill>
+                <a:effectLst/>
+                <a:latin typeface="+mn-lt"/>
+                <a:ea typeface="+mn-ea"/>
+                <a:cs typeface="+mn-cs"/>
+              </a:rPr>
+              <a:t>{k}(\</a:t>
+            </a:r>
+            <a:r>
+              <a:rPr lang="en-US" sz="1200" kern="1200" dirty="0" err="1" smtClean="0">
+                <a:solidFill>
+                  <a:schemeClr val="tx1"/>
+                </a:solidFill>
+                <a:effectLst/>
+                <a:latin typeface="+mn-lt"/>
+                <a:ea typeface="+mn-ea"/>
+                <a:cs typeface="+mn-cs"/>
+              </a:rPr>
+              <a:t>vec</a:t>
+            </a:r>
+            <a:r>
+              <a:rPr lang="en-US" sz="1200" kern="1200" dirty="0" smtClean="0">
+                <a:solidFill>
+                  <a:schemeClr val="tx1"/>
+                </a:solidFill>
+                <a:effectLst/>
+                <a:latin typeface="+mn-lt"/>
+                <a:ea typeface="+mn-ea"/>
+                <a:cs typeface="+mn-cs"/>
+              </a:rPr>
+              <a:t>{\rho}\,)\</a:t>
+            </a:r>
+            <a:r>
+              <a:rPr lang="en-US" sz="1200" kern="1200" dirty="0" err="1" smtClean="0">
+                <a:solidFill>
+                  <a:schemeClr val="tx1"/>
+                </a:solidFill>
+                <a:effectLst/>
+                <a:latin typeface="+mn-lt"/>
+                <a:ea typeface="+mn-ea"/>
+                <a:cs typeface="+mn-cs"/>
+              </a:rPr>
+              <a:t>cdot</a:t>
+            </a:r>
+            <a:r>
+              <a:rPr lang="en-US" sz="1200" kern="1200" dirty="0" smtClean="0">
+                <a:solidFill>
+                  <a:schemeClr val="tx1"/>
+                </a:solidFill>
+                <a:effectLst/>
+                <a:latin typeface="+mn-lt"/>
+                <a:ea typeface="+mn-ea"/>
+                <a:cs typeface="+mn-cs"/>
+              </a:rPr>
+              <a:t> (\</a:t>
+            </a:r>
+            <a:r>
+              <a:rPr lang="en-US" sz="1200" kern="1200" dirty="0" err="1" smtClean="0">
+                <a:solidFill>
+                  <a:schemeClr val="tx1"/>
+                </a:solidFill>
+                <a:effectLst/>
+                <a:latin typeface="+mn-lt"/>
+                <a:ea typeface="+mn-ea"/>
+                <a:cs typeface="+mn-cs"/>
+              </a:rPr>
+              <a:t>vec</a:t>
+            </a:r>
+            <a:r>
+              <a:rPr lang="en-US" sz="1200" kern="1200" dirty="0" smtClean="0">
+                <a:solidFill>
+                  <a:schemeClr val="tx1"/>
+                </a:solidFill>
+                <a:effectLst/>
+                <a:latin typeface="+mn-lt"/>
+                <a:ea typeface="+mn-ea"/>
+                <a:cs typeface="+mn-cs"/>
+              </a:rPr>
+              <a:t>{r}-\</a:t>
+            </a:r>
+            <a:r>
+              <a:rPr lang="en-US" sz="1200" kern="1200" dirty="0" err="1" smtClean="0">
+                <a:solidFill>
+                  <a:schemeClr val="tx1"/>
+                </a:solidFill>
+                <a:effectLst/>
+                <a:latin typeface="+mn-lt"/>
+                <a:ea typeface="+mn-ea"/>
+                <a:cs typeface="+mn-cs"/>
+              </a:rPr>
+              <a:t>vec</a:t>
+            </a:r>
+            <a:r>
+              <a:rPr lang="en-US" sz="1200" kern="1200" dirty="0" smtClean="0">
+                <a:solidFill>
+                  <a:schemeClr val="tx1"/>
+                </a:solidFill>
+                <a:effectLst/>
+                <a:latin typeface="+mn-lt"/>
+                <a:ea typeface="+mn-ea"/>
+                <a:cs typeface="+mn-cs"/>
+              </a:rPr>
+              <a:t>{r}_0)\right)}\\</a:t>
+            </a:r>
+          </a:p>
+          <a:p>
+            <a:r>
+              <a:rPr lang="en-US" sz="1200" kern="1200" dirty="0" smtClean="0">
+                <a:solidFill>
+                  <a:schemeClr val="tx1"/>
+                </a:solidFill>
+                <a:effectLst/>
+                <a:latin typeface="+mn-lt"/>
+                <a:ea typeface="+mn-ea"/>
+                <a:cs typeface="+mn-cs"/>
+              </a:rPr>
+              <a:t>&amp;+\</a:t>
+            </a:r>
+            <a:r>
+              <a:rPr lang="en-US" sz="1200" kern="1200" dirty="0" err="1" smtClean="0">
+                <a:solidFill>
+                  <a:schemeClr val="tx1"/>
+                </a:solidFill>
+                <a:effectLst/>
+                <a:latin typeface="+mn-lt"/>
+                <a:ea typeface="+mn-ea"/>
+                <a:cs typeface="+mn-cs"/>
+              </a:rPr>
+              <a:t>frac</a:t>
+            </a:r>
+            <a:r>
+              <a:rPr lang="en-US" sz="1200" kern="1200" dirty="0" smtClean="0">
+                <a:solidFill>
+                  <a:schemeClr val="tx1"/>
+                </a:solidFill>
+                <a:effectLst/>
+                <a:latin typeface="+mn-lt"/>
+                <a:ea typeface="+mn-ea"/>
+                <a:cs typeface="+mn-cs"/>
+              </a:rPr>
+              <a:t>{1}{\lambda}(\</a:t>
+            </a:r>
+            <a:r>
+              <a:rPr lang="en-US" sz="1200" kern="1200" dirty="0" err="1" smtClean="0">
+                <a:solidFill>
+                  <a:schemeClr val="tx1"/>
+                </a:solidFill>
+                <a:effectLst/>
+                <a:latin typeface="+mn-lt"/>
+                <a:ea typeface="+mn-ea"/>
+                <a:cs typeface="+mn-cs"/>
+              </a:rPr>
+              <a:t>vec</a:t>
+            </a:r>
+            <a:r>
+              <a:rPr lang="en-US" sz="1200" kern="1200" dirty="0" smtClean="0">
+                <a:solidFill>
+                  <a:schemeClr val="tx1"/>
+                </a:solidFill>
+                <a:effectLst/>
+                <a:latin typeface="+mn-lt"/>
+                <a:ea typeface="+mn-ea"/>
+                <a:cs typeface="+mn-cs"/>
+              </a:rPr>
+              <a:t>{r}-\</a:t>
+            </a:r>
+            <a:r>
+              <a:rPr lang="en-US" sz="1200" kern="1200" dirty="0" err="1" smtClean="0">
+                <a:solidFill>
+                  <a:schemeClr val="tx1"/>
+                </a:solidFill>
+                <a:effectLst/>
+                <a:latin typeface="+mn-lt"/>
+                <a:ea typeface="+mn-ea"/>
+                <a:cs typeface="+mn-cs"/>
+              </a:rPr>
+              <a:t>vec</a:t>
+            </a:r>
+            <a:r>
+              <a:rPr lang="en-US" sz="1200" kern="1200" dirty="0" smtClean="0">
+                <a:solidFill>
+                  <a:schemeClr val="tx1"/>
+                </a:solidFill>
+                <a:effectLst/>
+                <a:latin typeface="+mn-lt"/>
+                <a:ea typeface="+mn-ea"/>
+                <a:cs typeface="+mn-cs"/>
+              </a:rPr>
+              <a:t>{r}_0)\</a:t>
+            </a:r>
+            <a:r>
+              <a:rPr lang="en-US" sz="1200" kern="1200" dirty="0" err="1" smtClean="0">
+                <a:solidFill>
+                  <a:schemeClr val="tx1"/>
+                </a:solidFill>
+                <a:effectLst/>
+                <a:latin typeface="+mn-lt"/>
+                <a:ea typeface="+mn-ea"/>
+                <a:cs typeface="+mn-cs"/>
+              </a:rPr>
+              <a:t>cdot</a:t>
+            </a:r>
+            <a:r>
+              <a:rPr lang="en-US" sz="1200" kern="1200" dirty="0" smtClean="0">
+                <a:solidFill>
+                  <a:schemeClr val="tx1"/>
+                </a:solidFill>
+                <a:effectLst/>
+                <a:latin typeface="+mn-lt"/>
+                <a:ea typeface="+mn-ea"/>
+                <a:cs typeface="+mn-cs"/>
+              </a:rPr>
+              <a:t>\</a:t>
+            </a:r>
+            <a:r>
+              <a:rPr lang="en-US" sz="1200" kern="1200" dirty="0" err="1" smtClean="0">
+                <a:solidFill>
+                  <a:schemeClr val="tx1"/>
+                </a:solidFill>
+                <a:effectLst/>
+                <a:latin typeface="+mn-lt"/>
+                <a:ea typeface="+mn-ea"/>
+                <a:cs typeface="+mn-cs"/>
+              </a:rPr>
+              <a:t>frac</a:t>
+            </a:r>
+            <a:r>
+              <a:rPr lang="en-US" sz="1200" kern="1200" dirty="0" smtClean="0">
+                <a:solidFill>
+                  <a:schemeClr val="tx1"/>
+                </a:solidFill>
+                <a:effectLst/>
+                <a:latin typeface="+mn-lt"/>
+                <a:ea typeface="+mn-ea"/>
+                <a:cs typeface="+mn-cs"/>
+              </a:rPr>
+              <a:t>{\partial w(\</a:t>
+            </a:r>
+            <a:r>
+              <a:rPr lang="en-US" sz="1200" kern="1200" dirty="0" err="1" smtClean="0">
+                <a:solidFill>
+                  <a:schemeClr val="tx1"/>
+                </a:solidFill>
+                <a:effectLst/>
+                <a:latin typeface="+mn-lt"/>
+                <a:ea typeface="+mn-ea"/>
+                <a:cs typeface="+mn-cs"/>
+              </a:rPr>
+              <a:t>vec</a:t>
+            </a:r>
+            <a:r>
+              <a:rPr lang="en-US" sz="1200" kern="1200" dirty="0" smtClean="0">
+                <a:solidFill>
+                  <a:schemeClr val="tx1"/>
+                </a:solidFill>
+                <a:effectLst/>
+                <a:latin typeface="+mn-lt"/>
+                <a:ea typeface="+mn-ea"/>
+                <a:cs typeface="+mn-cs"/>
+              </a:rPr>
+              <a:t>{r}-\</a:t>
+            </a:r>
+            <a:r>
+              <a:rPr lang="en-US" sz="1200" kern="1200" dirty="0" err="1" smtClean="0">
+                <a:solidFill>
+                  <a:schemeClr val="tx1"/>
+                </a:solidFill>
+                <a:effectLst/>
+                <a:latin typeface="+mn-lt"/>
+                <a:ea typeface="+mn-ea"/>
+                <a:cs typeface="+mn-cs"/>
+              </a:rPr>
+              <a:t>vec</a:t>
+            </a:r>
+            <a:r>
+              <a:rPr lang="en-US" sz="1200" kern="1200" dirty="0" smtClean="0">
+                <a:solidFill>
+                  <a:schemeClr val="tx1"/>
+                </a:solidFill>
+                <a:effectLst/>
+                <a:latin typeface="+mn-lt"/>
+                <a:ea typeface="+mn-ea"/>
+                <a:cs typeface="+mn-cs"/>
+              </a:rPr>
+              <a:t>{r}_0)}{\partial x_0}</a:t>
+            </a:r>
+          </a:p>
+          <a:p>
+            <a:r>
+              <a:rPr lang="en-US" sz="1200" kern="1200" dirty="0" smtClean="0">
+                <a:solidFill>
+                  <a:schemeClr val="tx1"/>
+                </a:solidFill>
+                <a:effectLst/>
+                <a:latin typeface="+mn-lt"/>
+                <a:ea typeface="+mn-ea"/>
+                <a:cs typeface="+mn-cs"/>
+              </a:rPr>
+              <a:t>\end{align*}</a:t>
+            </a:r>
+          </a:p>
+        </p:txBody>
+      </p:sp>
+      <p:sp>
+        <p:nvSpPr>
+          <p:cNvPr id="4" name="Slide Number Placeholder 3"/>
+          <p:cNvSpPr>
+            <a:spLocks noGrp="1"/>
+          </p:cNvSpPr>
+          <p:nvPr>
+            <p:ph type="sldNum" sz="quarter" idx="10"/>
+          </p:nvPr>
+        </p:nvSpPr>
+        <p:spPr/>
+        <p:txBody>
+          <a:bodyPr/>
+          <a:lstStyle/>
+          <a:p>
+            <a:fld id="{67A0A248-3994-AF48-87A7-DFFBD6C3B103}" type="slidenum">
+              <a:rPr lang="en-US" smtClean="0"/>
+              <a:t>32</a:t>
             </a:fld>
             <a:endParaRPr lang="en-US"/>
           </a:p>
@@ -32082,13 +32537,7 @@
               <a:rPr lang="en-US" sz="3200" dirty="0" smtClean="0"/>
               <a:t>Kim</a:t>
             </a:r>
-          </a:p>
-          <a:p>
-            <a:r>
-              <a:rPr lang="en-US" sz="3200" dirty="0" smtClean="0"/>
-              <a:t>3/23/17</a:t>
-            </a:r>
-            <a:endParaRPr lang="en-US" sz="3200" dirty="0"/>
+            <a:endParaRPr lang="en-US" sz="3200" dirty="0" smtClean="0"/>
           </a:p>
         </p:txBody>
       </p:sp>
@@ -36496,6 +36945,137 @@
 </file>
 
 <file path=ppt/slides/slide30.xml><?xml version="1.0" encoding="utf-8"?>
+<p:sld xmlns:a="http://schemas.openxmlformats.org/drawingml/2006/main" xmlns:r="http://schemas.openxmlformats.org/officeDocument/2006/relationships" xmlns:p="http://schemas.openxmlformats.org/presentationml/2006/main">
+  <p:cSld>
+    <p:spTree>
+      <p:nvGrpSpPr>
+        <p:cNvPr id="1" name=""/>
+        <p:cNvGrpSpPr/>
+        <p:nvPr/>
+      </p:nvGrpSpPr>
+      <p:grpSpPr>
+        <a:xfrm>
+          <a:off x="0" y="0"/>
+          <a:ext cx="0" cy="0"/>
+          <a:chOff x="0" y="0"/>
+          <a:chExt cx="0" cy="0"/>
+        </a:xfrm>
+      </p:grpSpPr>
+      <p:sp>
+        <p:nvSpPr>
+          <p:cNvPr id="8" name="Content Placeholder 2"/>
+          <p:cNvSpPr>
+            <a:spLocks noGrp="1"/>
+          </p:cNvSpPr>
+          <p:nvPr>
+            <p:ph idx="1"/>
+          </p:nvPr>
+        </p:nvSpPr>
+        <p:spPr>
+          <a:xfrm>
+            <a:off x="312420" y="1346886"/>
+            <a:ext cx="11567160" cy="5405605"/>
+          </a:xfrm>
+        </p:spPr>
+        <p:txBody>
+          <a:bodyPr>
+            <a:noAutofit/>
+          </a:bodyPr>
+          <a:lstStyle/>
+          <a:p>
+            <a:r>
+              <a:rPr lang="en-US" dirty="0" smtClean="0"/>
+              <a:t>NA</a:t>
+            </a:r>
+          </a:p>
+          <a:p>
+            <a:r>
+              <a:rPr lang="en-US" dirty="0"/>
+              <a:t>I</a:t>
+            </a:r>
+            <a:r>
+              <a:rPr lang="en-US" dirty="0" smtClean="0"/>
+              <a:t>ndex matching</a:t>
+            </a:r>
+          </a:p>
+          <a:p>
+            <a:r>
+              <a:rPr lang="en-US" dirty="0" smtClean="0"/>
+              <a:t>Magnification</a:t>
+            </a:r>
+          </a:p>
+          <a:p>
+            <a:r>
+              <a:rPr lang="en-US" dirty="0" smtClean="0"/>
+              <a:t>Fluorophore density</a:t>
+            </a:r>
+          </a:p>
+          <a:p>
+            <a:r>
+              <a:rPr lang="en-US" dirty="0" smtClean="0"/>
+              <a:t>Fluorophore spectrum</a:t>
+            </a:r>
+          </a:p>
+          <a:p>
+            <a:r>
+              <a:rPr lang="en-US" dirty="0" smtClean="0"/>
+              <a:t>Illumination</a:t>
+            </a:r>
+          </a:p>
+          <a:p>
+            <a:r>
+              <a:rPr lang="en-US" dirty="0" smtClean="0"/>
+              <a:t>Software setting</a:t>
+            </a:r>
+          </a:p>
+        </p:txBody>
+      </p:sp>
+      <p:sp>
+        <p:nvSpPr>
+          <p:cNvPr id="2" name="Title 1"/>
+          <p:cNvSpPr>
+            <a:spLocks noGrp="1"/>
+          </p:cNvSpPr>
+          <p:nvPr>
+            <p:ph type="title"/>
+          </p:nvPr>
+        </p:nvSpPr>
+        <p:spPr/>
+        <p:txBody>
+          <a:bodyPr>
+            <a:normAutofit/>
+          </a:bodyPr>
+          <a:lstStyle/>
+          <a:p>
+            <a:r>
+              <a:rPr lang="en-US" dirty="0" smtClean="0"/>
+              <a:t>Expected Impact of Experiment Settings</a:t>
+            </a:r>
+            <a:endParaRPr lang="en-US" i="1" dirty="0"/>
+          </a:p>
+        </p:txBody>
+      </p:sp>
+    </p:spTree>
+    <p:extLst>
+      <p:ext uri="{BB962C8B-B14F-4D97-AF65-F5344CB8AC3E}">
+        <p14:creationId xmlns:p14="http://schemas.microsoft.com/office/powerpoint/2010/main" val="896484893"/>
+      </p:ext>
+    </p:extLst>
+  </p:cSld>
+  <p:clrMapOvr>
+    <a:masterClrMapping/>
+  </p:clrMapOvr>
+  <p:timing>
+    <p:tnLst>
+      <p:par>
+        <p:cTn id="1" dur="indefinite" restart="never" nodeType="tmRoot"/>
+      </p:par>
+    </p:tnLst>
+  </p:timing>
+</p:sld>
+</file>
+
+<file path=ppt/slides/slide31.xml><?xml version="1.0" encoding="utf-8"?>
 <p:sld xmlns:a="http://schemas.openxmlformats.org/drawingml/2006/main" xmlns:r="http://schemas.openxmlformats.org/officeDocument/2006/relationships" xmlns:p="http://schemas.openxmlformats.org/presentationml/2006/main">
   <p:cSld>
     <p:spTree>
@@ -36715,7 +37295,7 @@
 </p:sld>
 </file>
 
-<file path=ppt/slides/slide31.xml><?xml version="1.0" encoding="utf-8"?>
+<file path=ppt/slides/slide32.xml><?xml version="1.0" encoding="utf-8"?>
 <p:sld xmlns:a="http://schemas.openxmlformats.org/drawingml/2006/main" xmlns:r="http://schemas.openxmlformats.org/officeDocument/2006/relationships" xmlns:p="http://schemas.openxmlformats.org/presentationml/2006/main">
   <p:cSld>
     <p:spTree>
